--- a/Project Presentation/Project Presentation.pptx
+++ b/Project Presentation/Project Presentation.pptx
@@ -6,7 +6,7 @@
     <p:sldMasterId id="2147483661" r:id="rId2"/>
   </p:sldMasterIdLst>
   <p:notesMasterIdLst>
-    <p:notesMasterId r:id="rId16"/>
+    <p:notesMasterId r:id="rId18"/>
   </p:notesMasterIdLst>
   <p:sldIdLst>
     <p:sldId id="256" r:id="rId3"/>
@@ -19,19 +19,21 @@
     <p:sldId id="289" r:id="rId10"/>
     <p:sldId id="290" r:id="rId11"/>
     <p:sldId id="291" r:id="rId12"/>
-    <p:sldId id="292" r:id="rId13"/>
-    <p:sldId id="293" r:id="rId14"/>
-    <p:sldId id="281" r:id="rId15"/>
+    <p:sldId id="296" r:id="rId13"/>
+    <p:sldId id="297" r:id="rId14"/>
+    <p:sldId id="292" r:id="rId15"/>
+    <p:sldId id="293" r:id="rId16"/>
+    <p:sldId id="281" r:id="rId17"/>
   </p:sldIdLst>
   <p:sldSz cx="12192000" cy="6858000"/>
   <p:notesSz cx="6858000" cy="9144000"/>
   <p:embeddedFontLst>
     <p:embeddedFont>
       <p:font typeface="Century Schoolbook" panose="02040604050505020304" pitchFamily="18" charset="0"/>
-      <p:regular r:id="rId17"/>
-      <p:bold r:id="rId18"/>
-      <p:italic r:id="rId19"/>
-      <p:boldItalic r:id="rId20"/>
+      <p:regular r:id="rId19"/>
+      <p:bold r:id="rId20"/>
+      <p:italic r:id="rId21"/>
+      <p:boldItalic r:id="rId22"/>
     </p:embeddedFont>
   </p:embeddedFontLst>
   <p:defaultTextStyle>
@@ -274,7 +276,7 @@
 <file path=ppt/revisionInfo.xml><?xml version="1.0" encoding="utf-8"?>
 <p1510:revInfo xmlns:a="http://schemas.openxmlformats.org/drawingml/2006/main" xmlns:r="http://schemas.openxmlformats.org/officeDocument/2006/relationships" xmlns:p1510="http://schemas.microsoft.com/office/powerpoint/2015/10/main">
   <p1510:revLst>
-    <p1510:client id="{FB7DD56A-0233-49C1-A634-A1BF0EE2BCFE}" v="37" dt="2024-12-06T18:47:25.296"/>
+    <p1510:client id="{FB7DD56A-0233-49C1-A634-A1BF0EE2BCFE}" v="41" dt="2024-12-14T00:39:41.505"/>
   </p1510:revLst>
 </p1510:revInfo>
 </file>
@@ -294,14 +296,6 @@
           <pc:docMk/>
           <pc:sldMk cId="0" sldId="257"/>
         </pc:sldMkLst>
-        <pc:spChg chg="mod">
-          <ac:chgData name="Nahom Abera" userId="353caa7d06450a03" providerId="LiveId" clId="{EF4BD426-AD95-4C4E-91F3-AF062316F62B}" dt="2024-09-29T22:18:13.763" v="173" actId="20577"/>
-          <ac:spMkLst>
-            <pc:docMk/>
-            <pc:sldMk cId="0" sldId="257"/>
-            <ac:spMk id="109" creationId="{00000000-0000-0000-0000-000000000000}"/>
-          </ac:spMkLst>
-        </pc:spChg>
       </pc:sldChg>
       <pc:sldChg chg="modSp mod">
         <pc:chgData name="Nahom Abera" userId="353caa7d06450a03" providerId="LiveId" clId="{EF4BD426-AD95-4C4E-91F3-AF062316F62B}" dt="2024-09-29T22:22:32.774" v="211" actId="20577"/>
@@ -309,14 +303,6 @@
           <pc:docMk/>
           <pc:sldMk cId="0" sldId="258"/>
         </pc:sldMkLst>
-        <pc:spChg chg="mod">
-          <ac:chgData name="Nahom Abera" userId="353caa7d06450a03" providerId="LiveId" clId="{EF4BD426-AD95-4C4E-91F3-AF062316F62B}" dt="2024-09-29T22:22:32.774" v="211" actId="20577"/>
-          <ac:spMkLst>
-            <pc:docMk/>
-            <pc:sldMk cId="0" sldId="258"/>
-            <ac:spMk id="114" creationId="{00000000-0000-0000-0000-000000000000}"/>
-          </ac:spMkLst>
-        </pc:spChg>
       </pc:sldChg>
       <pc:sldChg chg="modSp mod">
         <pc:chgData name="Nahom Abera" userId="353caa7d06450a03" providerId="LiveId" clId="{EF4BD426-AD95-4C4E-91F3-AF062316F62B}" dt="2024-09-29T22:22:53.740" v="213" actId="255"/>
@@ -324,22 +310,6 @@
           <pc:docMk/>
           <pc:sldMk cId="0" sldId="259"/>
         </pc:sldMkLst>
-        <pc:spChg chg="mod">
-          <ac:chgData name="Nahom Abera" userId="353caa7d06450a03" providerId="LiveId" clId="{EF4BD426-AD95-4C4E-91F3-AF062316F62B}" dt="2024-09-29T22:13:05.851" v="120" actId="20577"/>
-          <ac:spMkLst>
-            <pc:docMk/>
-            <pc:sldMk cId="0" sldId="259"/>
-            <ac:spMk id="120" creationId="{00000000-0000-0000-0000-000000000000}"/>
-          </ac:spMkLst>
-        </pc:spChg>
-        <pc:spChg chg="mod">
-          <ac:chgData name="Nahom Abera" userId="353caa7d06450a03" providerId="LiveId" clId="{EF4BD426-AD95-4C4E-91F3-AF062316F62B}" dt="2024-09-29T22:22:53.740" v="213" actId="255"/>
-          <ac:spMkLst>
-            <pc:docMk/>
-            <pc:sldMk cId="0" sldId="259"/>
-            <ac:spMk id="121" creationId="{00000000-0000-0000-0000-000000000000}"/>
-          </ac:spMkLst>
-        </pc:spChg>
       </pc:sldChg>
       <pc:sldChg chg="modSp mod ord modNotes">
         <pc:chgData name="Nahom Abera" userId="353caa7d06450a03" providerId="LiveId" clId="{EF4BD426-AD95-4C4E-91F3-AF062316F62B}" dt="2024-09-29T22:27:38.716" v="407" actId="20577"/>
@@ -347,22 +317,6 @@
           <pc:docMk/>
           <pc:sldMk cId="0" sldId="260"/>
         </pc:sldMkLst>
-        <pc:spChg chg="mod">
-          <ac:chgData name="Nahom Abera" userId="353caa7d06450a03" providerId="LiveId" clId="{EF4BD426-AD95-4C4E-91F3-AF062316F62B}" dt="2024-09-29T22:16:17.128" v="153" actId="113"/>
-          <ac:spMkLst>
-            <pc:docMk/>
-            <pc:sldMk cId="0" sldId="260"/>
-            <ac:spMk id="126" creationId="{00000000-0000-0000-0000-000000000000}"/>
-          </ac:spMkLst>
-        </pc:spChg>
-        <pc:spChg chg="mod">
-          <ac:chgData name="Nahom Abera" userId="353caa7d06450a03" providerId="LiveId" clId="{EF4BD426-AD95-4C4E-91F3-AF062316F62B}" dt="2024-09-29T22:27:38.716" v="407" actId="20577"/>
-          <ac:spMkLst>
-            <pc:docMk/>
-            <pc:sldMk cId="0" sldId="260"/>
-            <ac:spMk id="127" creationId="{00000000-0000-0000-0000-000000000000}"/>
-          </ac:spMkLst>
-        </pc:spChg>
       </pc:sldChg>
       <pc:sldChg chg="addSp delSp modSp mod chgLayout">
         <pc:chgData name="Nahom Abera" userId="353caa7d06450a03" providerId="LiveId" clId="{EF4BD426-AD95-4C4E-91F3-AF062316F62B}" dt="2024-09-29T22:24:41.075" v="241" actId="20577"/>
@@ -370,38 +324,6 @@
           <pc:docMk/>
           <pc:sldMk cId="0" sldId="261"/>
         </pc:sldMkLst>
-        <pc:spChg chg="add">
-          <ac:chgData name="Nahom Abera" userId="353caa7d06450a03" providerId="LiveId" clId="{EF4BD426-AD95-4C4E-91F3-AF062316F62B}" dt="2024-09-29T22:18:36.659" v="178"/>
-          <ac:spMkLst>
-            <pc:docMk/>
-            <pc:sldMk cId="0" sldId="261"/>
-            <ac:spMk id="2" creationId="{13508E79-6EE1-313C-AFD8-5BF42EFE7F9F}"/>
-          </ac:spMkLst>
-        </pc:spChg>
-        <pc:spChg chg="add mod">
-          <ac:chgData name="Nahom Abera" userId="353caa7d06450a03" providerId="LiveId" clId="{EF4BD426-AD95-4C4E-91F3-AF062316F62B}" dt="2024-09-29T22:19:23.045" v="187"/>
-          <ac:spMkLst>
-            <pc:docMk/>
-            <pc:sldMk cId="0" sldId="261"/>
-            <ac:spMk id="3" creationId="{F597A110-B96E-20A8-F016-E0B01A2EF160}"/>
-          </ac:spMkLst>
-        </pc:spChg>
-        <pc:spChg chg="mod ord">
-          <ac:chgData name="Nahom Abera" userId="353caa7d06450a03" providerId="LiveId" clId="{EF4BD426-AD95-4C4E-91F3-AF062316F62B}" dt="2024-09-29T22:18:27.819" v="177" actId="113"/>
-          <ac:spMkLst>
-            <pc:docMk/>
-            <pc:sldMk cId="0" sldId="261"/>
-            <ac:spMk id="132" creationId="{00000000-0000-0000-0000-000000000000}"/>
-          </ac:spMkLst>
-        </pc:spChg>
-        <pc:spChg chg="add del mod ord">
-          <ac:chgData name="Nahom Abera" userId="353caa7d06450a03" providerId="LiveId" clId="{EF4BD426-AD95-4C4E-91F3-AF062316F62B}" dt="2024-09-29T22:24:41.075" v="241" actId="20577"/>
-          <ac:spMkLst>
-            <pc:docMk/>
-            <pc:sldMk cId="0" sldId="261"/>
-            <ac:spMk id="133" creationId="{00000000-0000-0000-0000-000000000000}"/>
-          </ac:spMkLst>
-        </pc:spChg>
       </pc:sldChg>
       <pc:sldChg chg="modSp add mod">
         <pc:chgData name="Nahom Abera" userId="353caa7d06450a03" providerId="LiveId" clId="{EF4BD426-AD95-4C4E-91F3-AF062316F62B}" dt="2024-09-29T22:22:16.934" v="203" actId="403"/>
@@ -409,22 +331,6 @@
           <pc:docMk/>
           <pc:sldMk cId="730944751" sldId="262"/>
         </pc:sldMkLst>
-        <pc:spChg chg="mod">
-          <ac:chgData name="Nahom Abera" userId="353caa7d06450a03" providerId="LiveId" clId="{EF4BD426-AD95-4C4E-91F3-AF062316F62B}" dt="2024-09-29T22:13:10.835" v="121" actId="20577"/>
-          <ac:spMkLst>
-            <pc:docMk/>
-            <pc:sldMk cId="730944751" sldId="262"/>
-            <ac:spMk id="114" creationId="{00000000-0000-0000-0000-000000000000}"/>
-          </ac:spMkLst>
-        </pc:spChg>
-        <pc:spChg chg="mod">
-          <ac:chgData name="Nahom Abera" userId="353caa7d06450a03" providerId="LiveId" clId="{EF4BD426-AD95-4C4E-91F3-AF062316F62B}" dt="2024-09-29T22:22:16.934" v="203" actId="403"/>
-          <ac:spMkLst>
-            <pc:docMk/>
-            <pc:sldMk cId="730944751" sldId="262"/>
-            <ac:spMk id="115" creationId="{00000000-0000-0000-0000-000000000000}"/>
-          </ac:spMkLst>
-        </pc:spChg>
       </pc:sldChg>
       <pc:sldChg chg="new del">
         <pc:chgData name="Nahom Abera" userId="353caa7d06450a03" providerId="LiveId" clId="{EF4BD426-AD95-4C4E-91F3-AF062316F62B}" dt="2024-09-29T22:09:06.532" v="1" actId="680"/>
@@ -446,38 +352,6 @@
           <pc:docMk/>
           <pc:sldMk cId="2282804308" sldId="263"/>
         </pc:sldMkLst>
-        <pc:spChg chg="del mod ord">
-          <ac:chgData name="Nahom Abera" userId="353caa7d06450a03" providerId="LiveId" clId="{EF4BD426-AD95-4C4E-91F3-AF062316F62B}" dt="2024-09-29T22:12:44.675" v="112" actId="700"/>
-          <ac:spMkLst>
-            <pc:docMk/>
-            <pc:sldMk cId="2282804308" sldId="263"/>
-            <ac:spMk id="2" creationId="{9F6AA5A1-2A47-D570-7DA3-E3D1472B2D16}"/>
-          </ac:spMkLst>
-        </pc:spChg>
-        <pc:spChg chg="del mod ord">
-          <ac:chgData name="Nahom Abera" userId="353caa7d06450a03" providerId="LiveId" clId="{EF4BD426-AD95-4C4E-91F3-AF062316F62B}" dt="2024-09-29T22:12:44.675" v="112" actId="700"/>
-          <ac:spMkLst>
-            <pc:docMk/>
-            <pc:sldMk cId="2282804308" sldId="263"/>
-            <ac:spMk id="3" creationId="{71F1B70F-28EC-2049-0A75-49B7A83A1A0B}"/>
-          </ac:spMkLst>
-        </pc:spChg>
-        <pc:spChg chg="add mod ord">
-          <ac:chgData name="Nahom Abera" userId="353caa7d06450a03" providerId="LiveId" clId="{EF4BD426-AD95-4C4E-91F3-AF062316F62B}" dt="2024-09-29T22:12:54.331" v="118" actId="20577"/>
-          <ac:spMkLst>
-            <pc:docMk/>
-            <pc:sldMk cId="2282804308" sldId="263"/>
-            <ac:spMk id="4" creationId="{37E03CE7-C3D2-64F4-E77F-7AEA0EDFE0E8}"/>
-          </ac:spMkLst>
-        </pc:spChg>
-        <pc:spChg chg="add mod ord">
-          <ac:chgData name="Nahom Abera" userId="353caa7d06450a03" providerId="LiveId" clId="{EF4BD426-AD95-4C4E-91F3-AF062316F62B}" dt="2024-09-29T22:23:21.408" v="221" actId="403"/>
-          <ac:spMkLst>
-            <pc:docMk/>
-            <pc:sldMk cId="2282804308" sldId="263"/>
-            <ac:spMk id="5" creationId="{A3A3A836-2F90-94B8-9E44-2E466FC59942}"/>
-          </ac:spMkLst>
-        </pc:spChg>
       </pc:sldChg>
       <pc:sldChg chg="addSp delSp modSp new mod modClrScheme chgLayout">
         <pc:chgData name="Nahom Abera" userId="353caa7d06450a03" providerId="LiveId" clId="{EF4BD426-AD95-4C4E-91F3-AF062316F62B}" dt="2024-09-29T22:26:31.757" v="345" actId="20577"/>
@@ -485,38 +359,6 @@
           <pc:docMk/>
           <pc:sldMk cId="196379574" sldId="264"/>
         </pc:sldMkLst>
-        <pc:spChg chg="del mod ord">
-          <ac:chgData name="Nahom Abera" userId="353caa7d06450a03" providerId="LiveId" clId="{EF4BD426-AD95-4C4E-91F3-AF062316F62B}" dt="2024-09-29T22:14:27.533" v="128" actId="700"/>
-          <ac:spMkLst>
-            <pc:docMk/>
-            <pc:sldMk cId="196379574" sldId="264"/>
-            <ac:spMk id="2" creationId="{06FC7C61-6AA5-8DF5-E711-0B19C5931FBC}"/>
-          </ac:spMkLst>
-        </pc:spChg>
-        <pc:spChg chg="del mod ord">
-          <ac:chgData name="Nahom Abera" userId="353caa7d06450a03" providerId="LiveId" clId="{EF4BD426-AD95-4C4E-91F3-AF062316F62B}" dt="2024-09-29T22:14:27.533" v="128" actId="700"/>
-          <ac:spMkLst>
-            <pc:docMk/>
-            <pc:sldMk cId="196379574" sldId="264"/>
-            <ac:spMk id="3" creationId="{1EB7A293-A7A6-FE10-FB85-7276441BCD43}"/>
-          </ac:spMkLst>
-        </pc:spChg>
-        <pc:spChg chg="add mod ord">
-          <ac:chgData name="Nahom Abera" userId="353caa7d06450a03" providerId="LiveId" clId="{EF4BD426-AD95-4C4E-91F3-AF062316F62B}" dt="2024-09-29T22:14:36.907" v="135" actId="20577"/>
-          <ac:spMkLst>
-            <pc:docMk/>
-            <pc:sldMk cId="196379574" sldId="264"/>
-            <ac:spMk id="4" creationId="{5620A639-0CBC-17C9-ECFB-C99FE96BD726}"/>
-          </ac:spMkLst>
-        </pc:spChg>
-        <pc:spChg chg="add mod ord">
-          <ac:chgData name="Nahom Abera" userId="353caa7d06450a03" providerId="LiveId" clId="{EF4BD426-AD95-4C4E-91F3-AF062316F62B}" dt="2024-09-29T22:26:31.757" v="345" actId="20577"/>
-          <ac:spMkLst>
-            <pc:docMk/>
-            <pc:sldMk cId="196379574" sldId="264"/>
-            <ac:spMk id="5" creationId="{0E15DB0F-C616-DBA7-9BC2-7DBA002B921B}"/>
-          </ac:spMkLst>
-        </pc:spChg>
       </pc:sldChg>
       <pc:sldChg chg="addSp delSp modSp new mod modClrScheme chgLayout">
         <pc:chgData name="Nahom Abera" userId="353caa7d06450a03" providerId="LiveId" clId="{EF4BD426-AD95-4C4E-91F3-AF062316F62B}" dt="2024-09-29T22:25:13.923" v="261" actId="20577"/>
@@ -524,46 +366,6 @@
           <pc:docMk/>
           <pc:sldMk cId="1449609527" sldId="265"/>
         </pc:sldMkLst>
-        <pc:spChg chg="del mod ord">
-          <ac:chgData name="Nahom Abera" userId="353caa7d06450a03" providerId="LiveId" clId="{EF4BD426-AD95-4C4E-91F3-AF062316F62B}" dt="2024-09-29T22:14:41.810" v="137" actId="700"/>
-          <ac:spMkLst>
-            <pc:docMk/>
-            <pc:sldMk cId="1449609527" sldId="265"/>
-            <ac:spMk id="2" creationId="{FA7E5B44-9174-1D04-CF12-E11B0844C551}"/>
-          </ac:spMkLst>
-        </pc:spChg>
-        <pc:spChg chg="del mod ord">
-          <ac:chgData name="Nahom Abera" userId="353caa7d06450a03" providerId="LiveId" clId="{EF4BD426-AD95-4C4E-91F3-AF062316F62B}" dt="2024-09-29T22:14:41.810" v="137" actId="700"/>
-          <ac:spMkLst>
-            <pc:docMk/>
-            <pc:sldMk cId="1449609527" sldId="265"/>
-            <ac:spMk id="3" creationId="{D96E8E3F-34E4-2D1B-6AC0-EC6B717C3501}"/>
-          </ac:spMkLst>
-        </pc:spChg>
-        <pc:spChg chg="add mod ord">
-          <ac:chgData name="Nahom Abera" userId="353caa7d06450a03" providerId="LiveId" clId="{EF4BD426-AD95-4C4E-91F3-AF062316F62B}" dt="2024-09-29T22:14:52.617" v="139" actId="113"/>
-          <ac:spMkLst>
-            <pc:docMk/>
-            <pc:sldMk cId="1449609527" sldId="265"/>
-            <ac:spMk id="4" creationId="{5F00C52E-271B-3C46-2729-388B1528ECF0}"/>
-          </ac:spMkLst>
-        </pc:spChg>
-        <pc:spChg chg="add del mod ord">
-          <ac:chgData name="Nahom Abera" userId="353caa7d06450a03" providerId="LiveId" clId="{EF4BD426-AD95-4C4E-91F3-AF062316F62B}" dt="2024-09-29T22:25:13.923" v="261" actId="20577"/>
-          <ac:spMkLst>
-            <pc:docMk/>
-            <pc:sldMk cId="1449609527" sldId="265"/>
-            <ac:spMk id="5" creationId="{AC916008-D5E6-ECFD-D84B-C62A30355B2B}"/>
-          </ac:spMkLst>
-        </pc:spChg>
-        <pc:spChg chg="add mod">
-          <ac:chgData name="Nahom Abera" userId="353caa7d06450a03" providerId="LiveId" clId="{EF4BD426-AD95-4C4E-91F3-AF062316F62B}" dt="2024-09-29T22:15:07.838" v="141"/>
-          <ac:spMkLst>
-            <pc:docMk/>
-            <pc:sldMk cId="1449609527" sldId="265"/>
-            <ac:spMk id="6" creationId="{D8CF78D5-7323-87BB-337C-6B73D22B0D67}"/>
-          </ac:spMkLst>
-        </pc:spChg>
       </pc:sldChg>
       <pc:sldChg chg="addSp delSp modSp new mod modClrScheme chgLayout">
         <pc:chgData name="Nahom Abera" userId="353caa7d06450a03" providerId="LiveId" clId="{EF4BD426-AD95-4C4E-91F3-AF062316F62B}" dt="2024-09-29T22:25:52.889" v="285" actId="20577"/>
@@ -571,56 +373,24 @@
           <pc:docMk/>
           <pc:sldMk cId="3245614201" sldId="266"/>
         </pc:sldMkLst>
-        <pc:spChg chg="del mod ord">
-          <ac:chgData name="Nahom Abera" userId="353caa7d06450a03" providerId="LiveId" clId="{EF4BD426-AD95-4C4E-91F3-AF062316F62B}" dt="2024-09-29T22:16:58.658" v="155" actId="700"/>
-          <ac:spMkLst>
-            <pc:docMk/>
-            <pc:sldMk cId="3245614201" sldId="266"/>
-            <ac:spMk id="2" creationId="{3B1AB5A0-467A-6182-F858-7C9DEBEA6907}"/>
-          </ac:spMkLst>
-        </pc:spChg>
-        <pc:spChg chg="del mod ord">
-          <ac:chgData name="Nahom Abera" userId="353caa7d06450a03" providerId="LiveId" clId="{EF4BD426-AD95-4C4E-91F3-AF062316F62B}" dt="2024-09-29T22:16:58.658" v="155" actId="700"/>
-          <ac:spMkLst>
-            <pc:docMk/>
-            <pc:sldMk cId="3245614201" sldId="266"/>
-            <ac:spMk id="3" creationId="{5F827C03-C9BF-5044-DB13-C3FE575D98EC}"/>
-          </ac:spMkLst>
-        </pc:spChg>
-        <pc:spChg chg="add mod ord">
-          <ac:chgData name="Nahom Abera" userId="353caa7d06450a03" providerId="LiveId" clId="{EF4BD426-AD95-4C4E-91F3-AF062316F62B}" dt="2024-09-29T22:17:08.801" v="162" actId="20577"/>
-          <ac:spMkLst>
-            <pc:docMk/>
-            <pc:sldMk cId="3245614201" sldId="266"/>
-            <ac:spMk id="4" creationId="{E363AB97-04D4-8BD5-181A-F0F40CE95BA4}"/>
-          </ac:spMkLst>
-        </pc:spChg>
-        <pc:spChg chg="add mod ord">
-          <ac:chgData name="Nahom Abera" userId="353caa7d06450a03" providerId="LiveId" clId="{EF4BD426-AD95-4C4E-91F3-AF062316F62B}" dt="2024-09-29T22:25:52.889" v="285" actId="20577"/>
-          <ac:spMkLst>
-            <pc:docMk/>
-            <pc:sldMk cId="3245614201" sldId="266"/>
-            <ac:spMk id="5" creationId="{4D0759F6-6B4A-EBC3-6776-46EA45D8756E}"/>
-          </ac:spMkLst>
-        </pc:spChg>
       </pc:sldChg>
     </pc:docChg>
   </pc:docChgLst>
   <pc:docChgLst>
     <pc:chgData name="Nahom Abera" userId="353caa7d06450a03" providerId="LiveId" clId="{FB7DD56A-0233-49C1-A634-A1BF0EE2BCFE}"/>
     <pc:docChg chg="undo redo custSel addSld delSld modSld addSection delSection">
-      <pc:chgData name="Nahom Abera" userId="353caa7d06450a03" providerId="LiveId" clId="{FB7DD56A-0233-49C1-A634-A1BF0EE2BCFE}" dt="2024-12-06T21:40:47.956" v="649" actId="2696"/>
+      <pc:chgData name="Nahom Abera" userId="353caa7d06450a03" providerId="LiveId" clId="{FB7DD56A-0233-49C1-A634-A1BF0EE2BCFE}" dt="2024-12-14T01:05:36.475" v="1409" actId="20577"/>
       <pc:docMkLst>
         <pc:docMk/>
       </pc:docMkLst>
       <pc:sldChg chg="modSp mod">
-        <pc:chgData name="Nahom Abera" userId="353caa7d06450a03" providerId="LiveId" clId="{FB7DD56A-0233-49C1-A634-A1BF0EE2BCFE}" dt="2024-12-06T15:54:45.104" v="84"/>
+        <pc:chgData name="Nahom Abera" userId="353caa7d06450a03" providerId="LiveId" clId="{FB7DD56A-0233-49C1-A634-A1BF0EE2BCFE}" dt="2024-12-14T01:03:14.408" v="1306" actId="20577"/>
         <pc:sldMkLst>
           <pc:docMk/>
           <pc:sldMk cId="0" sldId="256"/>
         </pc:sldMkLst>
         <pc:spChg chg="mod">
-          <ac:chgData name="Nahom Abera" userId="353caa7d06450a03" providerId="LiveId" clId="{FB7DD56A-0233-49C1-A634-A1BF0EE2BCFE}" dt="2024-12-06T13:35:23.402" v="33" actId="313"/>
+          <ac:chgData name="Nahom Abera" userId="353caa7d06450a03" providerId="LiveId" clId="{FB7DD56A-0233-49C1-A634-A1BF0EE2BCFE}" dt="2024-12-14T01:03:14.408" v="1306" actId="20577"/>
           <ac:spMkLst>
             <pc:docMk/>
             <pc:sldMk cId="0" sldId="256"/>
@@ -628,7 +398,7 @@
           </ac:spMkLst>
         </pc:spChg>
         <pc:spChg chg="mod">
-          <ac:chgData name="Nahom Abera" userId="353caa7d06450a03" providerId="LiveId" clId="{FB7DD56A-0233-49C1-A634-A1BF0EE2BCFE}" dt="2024-12-06T15:54:45.104" v="84"/>
+          <ac:chgData name="Nahom Abera" userId="353caa7d06450a03" providerId="LiveId" clId="{FB7DD56A-0233-49C1-A634-A1BF0EE2BCFE}" dt="2024-12-13T23:19:18.989" v="866" actId="20577"/>
           <ac:spMkLst>
             <pc:docMk/>
             <pc:sldMk cId="0" sldId="256"/>
@@ -800,17 +570,9 @@
             <ac:spMk id="3" creationId="{54EF7F7D-8AB5-987D-7E57-92DC5050E94C}"/>
           </ac:spMkLst>
         </pc:spChg>
-        <pc:spChg chg="add mod">
-          <ac:chgData name="Nahom Abera" userId="353caa7d06450a03" providerId="LiveId" clId="{FB7DD56A-0233-49C1-A634-A1BF0EE2BCFE}" dt="2024-12-06T15:57:19.916" v="103"/>
-          <ac:spMkLst>
-            <pc:docMk/>
-            <pc:sldMk cId="985705380" sldId="284"/>
-            <ac:spMk id="4" creationId="{A054713F-D9A8-1304-7C60-F18EB1F4E663}"/>
-          </ac:spMkLst>
-        </pc:spChg>
       </pc:sldChg>
       <pc:sldChg chg="modSp add mod">
-        <pc:chgData name="Nahom Abera" userId="353caa7d06450a03" providerId="LiveId" clId="{FB7DD56A-0233-49C1-A634-A1BF0EE2BCFE}" dt="2024-12-06T16:58:56.646" v="185" actId="20577"/>
+        <pc:chgData name="Nahom Abera" userId="353caa7d06450a03" providerId="LiveId" clId="{FB7DD56A-0233-49C1-A634-A1BF0EE2BCFE}" dt="2024-12-13T01:49:09.061" v="751" actId="20577"/>
         <pc:sldMkLst>
           <pc:docMk/>
           <pc:sldMk cId="3499980928" sldId="285"/>
@@ -824,7 +586,7 @@
           </ac:spMkLst>
         </pc:spChg>
         <pc:spChg chg="mod">
-          <ac:chgData name="Nahom Abera" userId="353caa7d06450a03" providerId="LiveId" clId="{FB7DD56A-0233-49C1-A634-A1BF0EE2BCFE}" dt="2024-12-06T16:58:56.646" v="185" actId="20577"/>
+          <ac:chgData name="Nahom Abera" userId="353caa7d06450a03" providerId="LiveId" clId="{FB7DD56A-0233-49C1-A634-A1BF0EE2BCFE}" dt="2024-12-13T01:49:09.061" v="751" actId="20577"/>
           <ac:spMkLst>
             <pc:docMk/>
             <pc:sldMk cId="3499980928" sldId="285"/>
@@ -846,30 +608,6 @@
             <ac:spMk id="2" creationId="{C06C013B-017F-BE8C-1ED9-C4D9A13657AA}"/>
           </ac:spMkLst>
         </pc:spChg>
-        <pc:spChg chg="del">
-          <ac:chgData name="Nahom Abera" userId="353caa7d06450a03" providerId="LiveId" clId="{FB7DD56A-0233-49C1-A634-A1BF0EE2BCFE}" dt="2024-12-06T16:40:50.391" v="171" actId="478"/>
-          <ac:spMkLst>
-            <pc:docMk/>
-            <pc:sldMk cId="2564498195" sldId="286"/>
-            <ac:spMk id="3" creationId="{A6111ED7-CF52-85C8-8BAD-67B84EAB95D6}"/>
-          </ac:spMkLst>
-        </pc:spChg>
-        <pc:picChg chg="add del mod">
-          <ac:chgData name="Nahom Abera" userId="353caa7d06450a03" providerId="LiveId" clId="{FB7DD56A-0233-49C1-A634-A1BF0EE2BCFE}" dt="2024-12-06T16:40:55.037" v="173" actId="478"/>
-          <ac:picMkLst>
-            <pc:docMk/>
-            <pc:sldMk cId="2564498195" sldId="286"/>
-            <ac:picMk id="5" creationId="{68B1F0EA-CA78-7844-B9AF-4C95F7CD2284}"/>
-          </ac:picMkLst>
-        </pc:picChg>
-        <pc:picChg chg="add del mod">
-          <ac:chgData name="Nahom Abera" userId="353caa7d06450a03" providerId="LiveId" clId="{FB7DD56A-0233-49C1-A634-A1BF0EE2BCFE}" dt="2024-12-06T16:51:17.171" v="178" actId="478"/>
-          <ac:picMkLst>
-            <pc:docMk/>
-            <pc:sldMk cId="2564498195" sldId="286"/>
-            <ac:picMk id="7" creationId="{8E9428D6-05DE-46B7-821F-E6F21C1F9EF5}"/>
-          </ac:picMkLst>
-        </pc:picChg>
         <pc:picChg chg="add mod">
           <ac:chgData name="Nahom Abera" userId="353caa7d06450a03" providerId="LiveId" clId="{FB7DD56A-0233-49C1-A634-A1BF0EE2BCFE}" dt="2024-12-06T16:51:28.111" v="182" actId="1076"/>
           <ac:picMkLst>
@@ -880,7 +618,7 @@
         </pc:picChg>
       </pc:sldChg>
       <pc:sldChg chg="addSp delSp modSp add mod">
-        <pc:chgData name="Nahom Abera" userId="353caa7d06450a03" providerId="LiveId" clId="{FB7DD56A-0233-49C1-A634-A1BF0EE2BCFE}" dt="2024-12-06T17:20:36.395" v="268" actId="20577"/>
+        <pc:chgData name="Nahom Abera" userId="353caa7d06450a03" providerId="LiveId" clId="{FB7DD56A-0233-49C1-A634-A1BF0EE2BCFE}" dt="2024-12-13T23:20:37.846" v="889" actId="14100"/>
         <pc:sldMkLst>
           <pc:docMk/>
           <pc:sldMk cId="1155674834" sldId="287"/>
@@ -894,30 +632,22 @@
           </ac:spMkLst>
         </pc:spChg>
         <pc:spChg chg="add del mod">
-          <ac:chgData name="Nahom Abera" userId="353caa7d06450a03" providerId="LiveId" clId="{FB7DD56A-0233-49C1-A634-A1BF0EE2BCFE}" dt="2024-12-06T17:20:36.395" v="268" actId="20577"/>
+          <ac:chgData name="Nahom Abera" userId="353caa7d06450a03" providerId="LiveId" clId="{FB7DD56A-0233-49C1-A634-A1BF0EE2BCFE}" dt="2024-12-13T23:20:37.846" v="889" actId="14100"/>
           <ac:spMkLst>
             <pc:docMk/>
             <pc:sldMk cId="1155674834" sldId="287"/>
             <ac:spMk id="3" creationId="{86BC697D-BDBA-F321-D225-3C0B30785980}"/>
           </ac:spMkLst>
         </pc:spChg>
-        <pc:spChg chg="add mod">
-          <ac:chgData name="Nahom Abera" userId="353caa7d06450a03" providerId="LiveId" clId="{FB7DD56A-0233-49C1-A634-A1BF0EE2BCFE}" dt="2024-12-06T17:17:54.236" v="191"/>
-          <ac:spMkLst>
-            <pc:docMk/>
-            <pc:sldMk cId="1155674834" sldId="287"/>
-            <ac:spMk id="4" creationId="{A1ABC812-1D7E-FAD8-52D9-9902D20E201B}"/>
-          </ac:spMkLst>
-        </pc:spChg>
       </pc:sldChg>
       <pc:sldChg chg="addSp delSp modSp add mod">
-        <pc:chgData name="Nahom Abera" userId="353caa7d06450a03" providerId="LiveId" clId="{FB7DD56A-0233-49C1-A634-A1BF0EE2BCFE}" dt="2024-12-06T18:15:06.941" v="525" actId="14100"/>
+        <pc:chgData name="Nahom Abera" userId="353caa7d06450a03" providerId="LiveId" clId="{FB7DD56A-0233-49C1-A634-A1BF0EE2BCFE}" dt="2024-12-14T01:02:31.006" v="1297" actId="1076"/>
         <pc:sldMkLst>
           <pc:docMk/>
           <pc:sldMk cId="3727334159" sldId="288"/>
         </pc:sldMkLst>
         <pc:spChg chg="mod">
-          <ac:chgData name="Nahom Abera" userId="353caa7d06450a03" providerId="LiveId" clId="{FB7DD56A-0233-49C1-A634-A1BF0EE2BCFE}" dt="2024-12-06T18:06:37.098" v="278" actId="113"/>
+          <ac:chgData name="Nahom Abera" userId="353caa7d06450a03" providerId="LiveId" clId="{FB7DD56A-0233-49C1-A634-A1BF0EE2BCFE}" dt="2024-12-14T01:02:31.006" v="1297" actId="1076"/>
           <ac:spMkLst>
             <pc:docMk/>
             <pc:sldMk cId="3727334159" sldId="288"/>
@@ -925,46 +655,78 @@
           </ac:spMkLst>
         </pc:spChg>
         <pc:spChg chg="add del mod">
-          <ac:chgData name="Nahom Abera" userId="353caa7d06450a03" providerId="LiveId" clId="{FB7DD56A-0233-49C1-A634-A1BF0EE2BCFE}" dt="2024-12-06T18:15:06.941" v="525" actId="14100"/>
+          <ac:chgData name="Nahom Abera" userId="353caa7d06450a03" providerId="LiveId" clId="{FB7DD56A-0233-49C1-A634-A1BF0EE2BCFE}" dt="2024-12-14T01:02:21.732" v="1296" actId="14100"/>
           <ac:spMkLst>
             <pc:docMk/>
             <pc:sldMk cId="3727334159" sldId="288"/>
             <ac:spMk id="3" creationId="{C969AEB9-E52B-D601-64DF-B8B48A9740AA}"/>
           </ac:spMkLst>
         </pc:spChg>
-        <pc:spChg chg="add mod">
-          <ac:chgData name="Nahom Abera" userId="353caa7d06450a03" providerId="LiveId" clId="{FB7DD56A-0233-49C1-A634-A1BF0EE2BCFE}" dt="2024-12-06T18:07:23.868" v="282"/>
+        <pc:spChg chg="add">
+          <ac:chgData name="Nahom Abera" userId="353caa7d06450a03" providerId="LiveId" clId="{FB7DD56A-0233-49C1-A634-A1BF0EE2BCFE}" dt="2024-12-14T00:39:27.063" v="932"/>
           <ac:spMkLst>
             <pc:docMk/>
             <pc:sldMk cId="3727334159" sldId="288"/>
-            <ac:spMk id="4" creationId="{226F6BAB-2809-6A97-1720-F330B6E949E7}"/>
+            <ac:spMk id="4" creationId="{B3D71681-3BDB-F541-C0CC-813D43529791}"/>
           </ac:spMkLst>
         </pc:spChg>
         <pc:spChg chg="add">
-          <ac:chgData name="Nahom Abera" userId="353caa7d06450a03" providerId="LiveId" clId="{FB7DD56A-0233-49C1-A634-A1BF0EE2BCFE}" dt="2024-12-06T18:11:30.302" v="449"/>
+          <ac:chgData name="Nahom Abera" userId="353caa7d06450a03" providerId="LiveId" clId="{FB7DD56A-0233-49C1-A634-A1BF0EE2BCFE}" dt="2024-12-14T00:39:27.063" v="932"/>
           <ac:spMkLst>
             <pc:docMk/>
             <pc:sldMk cId="3727334159" sldId="288"/>
-            <ac:spMk id="5" creationId="{AF4E6E55-4BAA-57A2-B64C-F15E618E29ED}"/>
+            <ac:spMk id="5" creationId="{74E1B29F-76DC-DEC6-736E-B42BBBA4FA46}"/>
           </ac:spMkLst>
         </pc:spChg>
-        <pc:spChg chg="add del mod">
-          <ac:chgData name="Nahom Abera" userId="353caa7d06450a03" providerId="LiveId" clId="{FB7DD56A-0233-49C1-A634-A1BF0EE2BCFE}" dt="2024-12-06T18:13:54.543" v="512"/>
+        <pc:spChg chg="add">
+          <ac:chgData name="Nahom Abera" userId="353caa7d06450a03" providerId="LiveId" clId="{FB7DD56A-0233-49C1-A634-A1BF0EE2BCFE}" dt="2024-12-14T00:39:27.063" v="932"/>
           <ac:spMkLst>
             <pc:docMk/>
             <pc:sldMk cId="3727334159" sldId="288"/>
-            <ac:spMk id="6" creationId="{AC70E5E8-2626-9E09-7EE2-0F0AFC567C01}"/>
+            <ac:spMk id="6" creationId="{37190DE9-9C2F-1D2E-4977-039030A6ED20}"/>
+          </ac:spMkLst>
+        </pc:spChg>
+        <pc:spChg chg="add">
+          <ac:chgData name="Nahom Abera" userId="353caa7d06450a03" providerId="LiveId" clId="{FB7DD56A-0233-49C1-A634-A1BF0EE2BCFE}" dt="2024-12-14T00:39:27.063" v="932"/>
+          <ac:spMkLst>
+            <pc:docMk/>
+            <pc:sldMk cId="3727334159" sldId="288"/>
+            <ac:spMk id="7" creationId="{C37A9B3A-BEA3-8996-0C94-542EE3F1B147}"/>
+          </ac:spMkLst>
+        </pc:spChg>
+        <pc:spChg chg="add">
+          <ac:chgData name="Nahom Abera" userId="353caa7d06450a03" providerId="LiveId" clId="{FB7DD56A-0233-49C1-A634-A1BF0EE2BCFE}" dt="2024-12-14T00:39:27.063" v="932"/>
+          <ac:spMkLst>
+            <pc:docMk/>
+            <pc:sldMk cId="3727334159" sldId="288"/>
+            <ac:spMk id="8" creationId="{67869FBF-CFF8-9D53-4EB0-50CD76134D76}"/>
+          </ac:spMkLst>
+        </pc:spChg>
+        <pc:spChg chg="add">
+          <ac:chgData name="Nahom Abera" userId="353caa7d06450a03" providerId="LiveId" clId="{FB7DD56A-0233-49C1-A634-A1BF0EE2BCFE}" dt="2024-12-14T00:39:27.063" v="932"/>
+          <ac:spMkLst>
+            <pc:docMk/>
+            <pc:sldMk cId="3727334159" sldId="288"/>
+            <ac:spMk id="9" creationId="{5D2F1841-5ECE-7456-B411-0F0E0CECB650}"/>
+          </ac:spMkLst>
+        </pc:spChg>
+        <pc:spChg chg="add">
+          <ac:chgData name="Nahom Abera" userId="353caa7d06450a03" providerId="LiveId" clId="{FB7DD56A-0233-49C1-A634-A1BF0EE2BCFE}" dt="2024-12-14T00:39:27.063" v="932"/>
+          <ac:spMkLst>
+            <pc:docMk/>
+            <pc:sldMk cId="3727334159" sldId="288"/>
+            <ac:spMk id="10" creationId="{4ED49CFE-9248-4442-13A6-5A56B8066DDD}"/>
           </ac:spMkLst>
         </pc:spChg>
       </pc:sldChg>
-      <pc:sldChg chg="addSp modSp add mod">
-        <pc:chgData name="Nahom Abera" userId="353caa7d06450a03" providerId="LiveId" clId="{FB7DD56A-0233-49C1-A634-A1BF0EE2BCFE}" dt="2024-12-06T18:44:25.518" v="553" actId="1076"/>
+      <pc:sldChg chg="addSp delSp modSp add mod">
+        <pc:chgData name="Nahom Abera" userId="353caa7d06450a03" providerId="LiveId" clId="{FB7DD56A-0233-49C1-A634-A1BF0EE2BCFE}" dt="2024-12-14T00:51:05.535" v="1154" actId="20577"/>
         <pc:sldMkLst>
           <pc:docMk/>
           <pc:sldMk cId="648078706" sldId="289"/>
         </pc:sldMkLst>
         <pc:spChg chg="mod">
-          <ac:chgData name="Nahom Abera" userId="353caa7d06450a03" providerId="LiveId" clId="{FB7DD56A-0233-49C1-A634-A1BF0EE2BCFE}" dt="2024-12-06T18:15:24.748" v="527" actId="113"/>
+          <ac:chgData name="Nahom Abera" userId="353caa7d06450a03" providerId="LiveId" clId="{FB7DD56A-0233-49C1-A634-A1BF0EE2BCFE}" dt="2024-12-14T00:51:05.535" v="1154" actId="20577"/>
           <ac:spMkLst>
             <pc:docMk/>
             <pc:sldMk cId="648078706" sldId="289"/>
@@ -987,23 +749,31 @@
             <ac:picMk id="4" creationId="{706BD422-0402-9A03-DCCF-FCAA843D97D9}"/>
           </ac:picMkLst>
         </pc:picChg>
-        <pc:picChg chg="add mod">
-          <ac:chgData name="Nahom Abera" userId="353caa7d06450a03" providerId="LiveId" clId="{FB7DD56A-0233-49C1-A634-A1BF0EE2BCFE}" dt="2024-12-06T18:44:25.518" v="553" actId="1076"/>
+        <pc:picChg chg="add del mod">
+          <ac:chgData name="Nahom Abera" userId="353caa7d06450a03" providerId="LiveId" clId="{FB7DD56A-0233-49C1-A634-A1BF0EE2BCFE}" dt="2024-12-14T00:45:22.459" v="1113" actId="478"/>
           <ac:picMkLst>
             <pc:docMk/>
             <pc:sldMk cId="648078706" sldId="289"/>
             <ac:picMk id="5" creationId="{19049A2A-EA09-E04D-1C9A-1A3F8D5F7549}"/>
           </ac:picMkLst>
         </pc:picChg>
+        <pc:picChg chg="add mod">
+          <ac:chgData name="Nahom Abera" userId="353caa7d06450a03" providerId="LiveId" clId="{FB7DD56A-0233-49C1-A634-A1BF0EE2BCFE}" dt="2024-12-14T00:48:14.238" v="1123" actId="1076"/>
+          <ac:picMkLst>
+            <pc:docMk/>
+            <pc:sldMk cId="648078706" sldId="289"/>
+            <ac:picMk id="7" creationId="{DE566206-0A24-779C-5084-6412EDC5855E}"/>
+          </ac:picMkLst>
+        </pc:picChg>
       </pc:sldChg>
-      <pc:sldChg chg="addSp modSp add mod">
-        <pc:chgData name="Nahom Abera" userId="353caa7d06450a03" providerId="LiveId" clId="{FB7DD56A-0233-49C1-A634-A1BF0EE2BCFE}" dt="2024-12-06T18:45:33.218" v="577" actId="1076"/>
+      <pc:sldChg chg="addSp delSp modSp add mod">
+        <pc:chgData name="Nahom Abera" userId="353caa7d06450a03" providerId="LiveId" clId="{FB7DD56A-0233-49C1-A634-A1BF0EE2BCFE}" dt="2024-12-14T00:51:10.648" v="1158" actId="20577"/>
         <pc:sldMkLst>
           <pc:docMk/>
           <pc:sldMk cId="500379956" sldId="290"/>
         </pc:sldMkLst>
         <pc:spChg chg="mod">
-          <ac:chgData name="Nahom Abera" userId="353caa7d06450a03" providerId="LiveId" clId="{FB7DD56A-0233-49C1-A634-A1BF0EE2BCFE}" dt="2024-12-06T18:44:37.526" v="554"/>
+          <ac:chgData name="Nahom Abera" userId="353caa7d06450a03" providerId="LiveId" clId="{FB7DD56A-0233-49C1-A634-A1BF0EE2BCFE}" dt="2024-12-14T00:51:10.648" v="1158" actId="20577"/>
           <ac:spMkLst>
             <pc:docMk/>
             <pc:sldMk cId="500379956" sldId="290"/>
@@ -1026,23 +796,31 @@
             <ac:picMk id="4" creationId="{3A8DFB1C-7B22-466F-A32F-B0D5D0F7E234}"/>
           </ac:picMkLst>
         </pc:picChg>
-        <pc:picChg chg="add mod">
-          <ac:chgData name="Nahom Abera" userId="353caa7d06450a03" providerId="LiveId" clId="{FB7DD56A-0233-49C1-A634-A1BF0EE2BCFE}" dt="2024-12-06T18:45:33.218" v="577" actId="1076"/>
+        <pc:picChg chg="add del mod">
+          <ac:chgData name="Nahom Abera" userId="353caa7d06450a03" providerId="LiveId" clId="{FB7DD56A-0233-49C1-A634-A1BF0EE2BCFE}" dt="2024-12-14T00:47:55.179" v="1118" actId="478"/>
           <ac:picMkLst>
             <pc:docMk/>
             <pc:sldMk cId="500379956" sldId="290"/>
             <ac:picMk id="5" creationId="{DA179469-7FF7-3BFC-9970-7DA5AB6FC134}"/>
           </ac:picMkLst>
         </pc:picChg>
+        <pc:picChg chg="add mod">
+          <ac:chgData name="Nahom Abera" userId="353caa7d06450a03" providerId="LiveId" clId="{FB7DD56A-0233-49C1-A634-A1BF0EE2BCFE}" dt="2024-12-14T00:48:20.189" v="1124" actId="1076"/>
+          <ac:picMkLst>
+            <pc:docMk/>
+            <pc:sldMk cId="500379956" sldId="290"/>
+            <ac:picMk id="7" creationId="{CD7D9760-FCAD-E80F-F846-54B075968C34}"/>
+          </ac:picMkLst>
+        </pc:picChg>
       </pc:sldChg>
       <pc:sldChg chg="addSp modSp add mod">
-        <pc:chgData name="Nahom Abera" userId="353caa7d06450a03" providerId="LiveId" clId="{FB7DD56A-0233-49C1-A634-A1BF0EE2BCFE}" dt="2024-12-06T18:47:17.030" v="600" actId="14100"/>
+        <pc:chgData name="Nahom Abera" userId="353caa7d06450a03" providerId="LiveId" clId="{FB7DD56A-0233-49C1-A634-A1BF0EE2BCFE}" dt="2024-12-14T00:51:15.017" v="1162" actId="20577"/>
         <pc:sldMkLst>
           <pc:docMk/>
           <pc:sldMk cId="2727313919" sldId="291"/>
         </pc:sldMkLst>
         <pc:spChg chg="mod">
-          <ac:chgData name="Nahom Abera" userId="353caa7d06450a03" providerId="LiveId" clId="{FB7DD56A-0233-49C1-A634-A1BF0EE2BCFE}" dt="2024-12-06T18:46:02.778" v="578"/>
+          <ac:chgData name="Nahom Abera" userId="353caa7d06450a03" providerId="LiveId" clId="{FB7DD56A-0233-49C1-A634-A1BF0EE2BCFE}" dt="2024-12-14T00:51:15.017" v="1162" actId="20577"/>
           <ac:spMkLst>
             <pc:docMk/>
             <pc:sldMk cId="2727313919" sldId="291"/>
@@ -1058,7 +836,7 @@
           </ac:spMkLst>
         </pc:spChg>
         <pc:picChg chg="add mod">
-          <ac:chgData name="Nahom Abera" userId="353caa7d06450a03" providerId="LiveId" clId="{FB7DD56A-0233-49C1-A634-A1BF0EE2BCFE}" dt="2024-12-06T18:47:17.030" v="600" actId="14100"/>
+          <ac:chgData name="Nahom Abera" userId="353caa7d06450a03" providerId="LiveId" clId="{FB7DD56A-0233-49C1-A634-A1BF0EE2BCFE}" dt="2024-12-14T00:49:43.284" v="1139" actId="14100"/>
           <ac:picMkLst>
             <pc:docMk/>
             <pc:sldMk cId="2727313919" sldId="291"/>
@@ -1067,7 +845,7 @@
         </pc:picChg>
       </pc:sldChg>
       <pc:sldChg chg="modSp add mod">
-        <pc:chgData name="Nahom Abera" userId="353caa7d06450a03" providerId="LiveId" clId="{FB7DD56A-0233-49C1-A634-A1BF0EE2BCFE}" dt="2024-12-06T18:49:51.706" v="645" actId="27636"/>
+        <pc:chgData name="Nahom Abera" userId="353caa7d06450a03" providerId="LiveId" clId="{FB7DD56A-0233-49C1-A634-A1BF0EE2BCFE}" dt="2024-12-14T00:59:20.358" v="1272" actId="14"/>
         <pc:sldMkLst>
           <pc:docMk/>
           <pc:sldMk cId="2571136336" sldId="292"/>
@@ -1081,7 +859,7 @@
           </ac:spMkLst>
         </pc:spChg>
         <pc:spChg chg="mod">
-          <ac:chgData name="Nahom Abera" userId="353caa7d06450a03" providerId="LiveId" clId="{FB7DD56A-0233-49C1-A634-A1BF0EE2BCFE}" dt="2024-12-06T18:49:51.706" v="645" actId="27636"/>
+          <ac:chgData name="Nahom Abera" userId="353caa7d06450a03" providerId="LiveId" clId="{FB7DD56A-0233-49C1-A634-A1BF0EE2BCFE}" dt="2024-12-14T00:59:20.358" v="1272" actId="14"/>
           <ac:spMkLst>
             <pc:docMk/>
             <pc:sldMk cId="2571136336" sldId="292"/>
@@ -1090,13 +868,13 @@
         </pc:spChg>
       </pc:sldChg>
       <pc:sldChg chg="modSp add mod">
-        <pc:chgData name="Nahom Abera" userId="353caa7d06450a03" providerId="LiveId" clId="{FB7DD56A-0233-49C1-A634-A1BF0EE2BCFE}" dt="2024-12-06T18:50:37.756" v="646" actId="255"/>
+        <pc:chgData name="Nahom Abera" userId="353caa7d06450a03" providerId="LiveId" clId="{FB7DD56A-0233-49C1-A634-A1BF0EE2BCFE}" dt="2024-12-14T01:05:36.475" v="1409" actId="20577"/>
         <pc:sldMkLst>
           <pc:docMk/>
           <pc:sldMk cId="1023816822" sldId="293"/>
         </pc:sldMkLst>
         <pc:spChg chg="mod">
-          <ac:chgData name="Nahom Abera" userId="353caa7d06450a03" providerId="LiveId" clId="{FB7DD56A-0233-49C1-A634-A1BF0EE2BCFE}" dt="2024-12-06T18:49:29.661" v="636" actId="113"/>
+          <ac:chgData name="Nahom Abera" userId="353caa7d06450a03" providerId="LiveId" clId="{FB7DD56A-0233-49C1-A634-A1BF0EE2BCFE}" dt="2024-12-14T01:04:12.952" v="1318" actId="20577"/>
           <ac:spMkLst>
             <pc:docMk/>
             <pc:sldMk cId="1023816822" sldId="293"/>
@@ -1104,11 +882,34 @@
           </ac:spMkLst>
         </pc:spChg>
         <pc:spChg chg="mod">
-          <ac:chgData name="Nahom Abera" userId="353caa7d06450a03" providerId="LiveId" clId="{FB7DD56A-0233-49C1-A634-A1BF0EE2BCFE}" dt="2024-12-06T18:50:37.756" v="646" actId="255"/>
+          <ac:chgData name="Nahom Abera" userId="353caa7d06450a03" providerId="LiveId" clId="{FB7DD56A-0233-49C1-A634-A1BF0EE2BCFE}" dt="2024-12-14T01:05:36.475" v="1409" actId="20577"/>
           <ac:spMkLst>
             <pc:docMk/>
             <pc:sldMk cId="1023816822" sldId="293"/>
             <ac:spMk id="3" creationId="{E837C907-606A-10CB-0D3F-E8493FB62C24}"/>
+          </ac:spMkLst>
+        </pc:spChg>
+      </pc:sldChg>
+      <pc:sldChg chg="modSp new add del mod">
+        <pc:chgData name="Nahom Abera" userId="353caa7d06450a03" providerId="LiveId" clId="{FB7DD56A-0233-49C1-A634-A1BF0EE2BCFE}" dt="2024-12-14T01:02:42.240" v="1298" actId="47"/>
+        <pc:sldMkLst>
+          <pc:docMk/>
+          <pc:sldMk cId="1837331373" sldId="294"/>
+        </pc:sldMkLst>
+        <pc:spChg chg="mod">
+          <ac:chgData name="Nahom Abera" userId="353caa7d06450a03" providerId="LiveId" clId="{FB7DD56A-0233-49C1-A634-A1BF0EE2BCFE}" dt="2024-12-14T00:43:12.144" v="1107" actId="1076"/>
+          <ac:spMkLst>
+            <pc:docMk/>
+            <pc:sldMk cId="1837331373" sldId="294"/>
+            <ac:spMk id="2" creationId="{350B6424-7267-13BF-8E83-CD609411079D}"/>
+          </ac:spMkLst>
+        </pc:spChg>
+        <pc:spChg chg="mod">
+          <ac:chgData name="Nahom Abera" userId="353caa7d06450a03" providerId="LiveId" clId="{FB7DD56A-0233-49C1-A634-A1BF0EE2BCFE}" dt="2024-12-14T01:00:57.958" v="1281" actId="20577"/>
+          <ac:spMkLst>
+            <pc:docMk/>
+            <pc:sldMk cId="1837331373" sldId="294"/>
+            <ac:spMk id="3" creationId="{70EEE8DA-E14A-190E-120A-F12448C482E0}"/>
           </ac:spMkLst>
         </pc:spChg>
       </pc:sldChg>
@@ -1119,6 +920,76 @@
           <pc:sldMk cId="3572209729" sldId="294"/>
         </pc:sldMkLst>
       </pc:sldChg>
+      <pc:sldChg chg="new del">
+        <pc:chgData name="Nahom Abera" userId="353caa7d06450a03" providerId="LiveId" clId="{FB7DD56A-0233-49C1-A634-A1BF0EE2BCFE}" dt="2024-12-14T00:39:35.046" v="934" actId="680"/>
+        <pc:sldMkLst>
+          <pc:docMk/>
+          <pc:sldMk cId="94001578" sldId="295"/>
+        </pc:sldMkLst>
+      </pc:sldChg>
+      <pc:sldChg chg="addSp new del">
+        <pc:chgData name="Nahom Abera" userId="353caa7d06450a03" providerId="LiveId" clId="{FB7DD56A-0233-49C1-A634-A1BF0EE2BCFE}" dt="2024-12-14T00:39:43.216" v="937" actId="680"/>
+        <pc:sldMkLst>
+          <pc:docMk/>
+          <pc:sldMk cId="192501053" sldId="295"/>
+        </pc:sldMkLst>
+        <pc:spChg chg="add">
+          <ac:chgData name="Nahom Abera" userId="353caa7d06450a03" providerId="LiveId" clId="{FB7DD56A-0233-49C1-A634-A1BF0EE2BCFE}" dt="2024-12-14T00:39:39.791" v="936"/>
+          <ac:spMkLst>
+            <pc:docMk/>
+            <pc:sldMk cId="192501053" sldId="295"/>
+            <ac:spMk id="4" creationId="{85D85073-D85C-A445-29A3-7AF9ECB96AD0}"/>
+          </ac:spMkLst>
+        </pc:spChg>
+        <pc:spChg chg="add">
+          <ac:chgData name="Nahom Abera" userId="353caa7d06450a03" providerId="LiveId" clId="{FB7DD56A-0233-49C1-A634-A1BF0EE2BCFE}" dt="2024-12-14T00:39:39.791" v="936"/>
+          <ac:spMkLst>
+            <pc:docMk/>
+            <pc:sldMk cId="192501053" sldId="295"/>
+            <ac:spMk id="5" creationId="{5EE7950D-15F9-B6B7-4190-1E2DD03FC0D9}"/>
+          </ac:spMkLst>
+        </pc:spChg>
+        <pc:spChg chg="add">
+          <ac:chgData name="Nahom Abera" userId="353caa7d06450a03" providerId="LiveId" clId="{FB7DD56A-0233-49C1-A634-A1BF0EE2BCFE}" dt="2024-12-14T00:39:39.791" v="936"/>
+          <ac:spMkLst>
+            <pc:docMk/>
+            <pc:sldMk cId="192501053" sldId="295"/>
+            <ac:spMk id="6" creationId="{1379C00D-92A9-BAC3-CCA1-34D4A174036F}"/>
+          </ac:spMkLst>
+        </pc:spChg>
+        <pc:spChg chg="add">
+          <ac:chgData name="Nahom Abera" userId="353caa7d06450a03" providerId="LiveId" clId="{FB7DD56A-0233-49C1-A634-A1BF0EE2BCFE}" dt="2024-12-14T00:39:39.791" v="936"/>
+          <ac:spMkLst>
+            <pc:docMk/>
+            <pc:sldMk cId="192501053" sldId="295"/>
+            <ac:spMk id="7" creationId="{EE3F1027-E753-30B2-915A-60B45814FB49}"/>
+          </ac:spMkLst>
+        </pc:spChg>
+        <pc:spChg chg="add">
+          <ac:chgData name="Nahom Abera" userId="353caa7d06450a03" providerId="LiveId" clId="{FB7DD56A-0233-49C1-A634-A1BF0EE2BCFE}" dt="2024-12-14T00:39:39.791" v="936"/>
+          <ac:spMkLst>
+            <pc:docMk/>
+            <pc:sldMk cId="192501053" sldId="295"/>
+            <ac:spMk id="8" creationId="{DDCD9FC0-F21C-DDAB-B3C4-BAED89C0A33C}"/>
+          </ac:spMkLst>
+        </pc:spChg>
+        <pc:spChg chg="add">
+          <ac:chgData name="Nahom Abera" userId="353caa7d06450a03" providerId="LiveId" clId="{FB7DD56A-0233-49C1-A634-A1BF0EE2BCFE}" dt="2024-12-14T00:39:39.791" v="936"/>
+          <ac:spMkLst>
+            <pc:docMk/>
+            <pc:sldMk cId="192501053" sldId="295"/>
+            <ac:spMk id="9" creationId="{9747A572-7C49-5AC3-813F-D9C28852D84E}"/>
+          </ac:spMkLst>
+        </pc:spChg>
+        <pc:spChg chg="add">
+          <ac:chgData name="Nahom Abera" userId="353caa7d06450a03" providerId="LiveId" clId="{FB7DD56A-0233-49C1-A634-A1BF0EE2BCFE}" dt="2024-12-14T00:39:39.791" v="936"/>
+          <ac:spMkLst>
+            <pc:docMk/>
+            <pc:sldMk cId="192501053" sldId="295"/>
+            <ac:spMk id="10" creationId="{6D990FA6-5B28-F425-02B8-6D10B3D3A83A}"/>
+          </ac:spMkLst>
+        </pc:spChg>
+      </pc:sldChg>
       <pc:sldChg chg="add del">
         <pc:chgData name="Nahom Abera" userId="353caa7d06450a03" providerId="LiveId" clId="{FB7DD56A-0233-49C1-A634-A1BF0EE2BCFE}" dt="2024-12-06T18:50:45.037" v="647" actId="47"/>
         <pc:sldMkLst>
@@ -1126,8 +997,85 @@
           <pc:sldMk cId="606543337" sldId="295"/>
         </pc:sldMkLst>
       </pc:sldChg>
+      <pc:sldChg chg="modSp new del mod">
+        <pc:chgData name="Nahom Abera" userId="353caa7d06450a03" providerId="LiveId" clId="{FB7DD56A-0233-49C1-A634-A1BF0EE2BCFE}" dt="2024-12-14T00:49:00.481" v="1130" actId="2696"/>
+        <pc:sldMkLst>
+          <pc:docMk/>
+          <pc:sldMk cId="3678050549" sldId="295"/>
+        </pc:sldMkLst>
+        <pc:spChg chg="mod">
+          <ac:chgData name="Nahom Abera" userId="353caa7d06450a03" providerId="LiveId" clId="{FB7DD56A-0233-49C1-A634-A1BF0EE2BCFE}" dt="2024-12-14T00:48:38.822" v="1126"/>
+          <ac:spMkLst>
+            <pc:docMk/>
+            <pc:sldMk cId="3678050549" sldId="295"/>
+            <ac:spMk id="2" creationId="{58D08ADA-55BE-FB32-7EA3-56F0B87D6F9C}"/>
+          </ac:spMkLst>
+        </pc:spChg>
+      </pc:sldChg>
+      <pc:sldChg chg="addSp modSp new mod">
+        <pc:chgData name="Nahom Abera" userId="353caa7d06450a03" providerId="LiveId" clId="{FB7DD56A-0233-49C1-A634-A1BF0EE2BCFE}" dt="2024-12-14T00:51:19.888" v="1166" actId="20577"/>
+        <pc:sldMkLst>
+          <pc:docMk/>
+          <pc:sldMk cId="1799675026" sldId="296"/>
+        </pc:sldMkLst>
+        <pc:spChg chg="mod">
+          <ac:chgData name="Nahom Abera" userId="353caa7d06450a03" providerId="LiveId" clId="{FB7DD56A-0233-49C1-A634-A1BF0EE2BCFE}" dt="2024-12-14T00:51:19.888" v="1166" actId="20577"/>
+          <ac:spMkLst>
+            <pc:docMk/>
+            <pc:sldMk cId="1799675026" sldId="296"/>
+            <ac:spMk id="2" creationId="{0A99D0B2-3EAD-A65F-B470-BB38E95AA861}"/>
+          </ac:spMkLst>
+        </pc:spChg>
+        <pc:spChg chg="mod">
+          <ac:chgData name="Nahom Abera" userId="353caa7d06450a03" providerId="LiveId" clId="{FB7DD56A-0233-49C1-A634-A1BF0EE2BCFE}" dt="2024-12-14T00:49:03.545" v="1134" actId="20577"/>
+          <ac:spMkLst>
+            <pc:docMk/>
+            <pc:sldMk cId="1799675026" sldId="296"/>
+            <ac:spMk id="3" creationId="{7B32798F-E9BC-EB07-75F5-AC1B631EC079}"/>
+          </ac:spMkLst>
+        </pc:spChg>
+        <pc:picChg chg="add mod">
+          <ac:chgData name="Nahom Abera" userId="353caa7d06450a03" providerId="LiveId" clId="{FB7DD56A-0233-49C1-A634-A1BF0EE2BCFE}" dt="2024-12-14T00:49:59.740" v="1143" actId="1076"/>
+          <ac:picMkLst>
+            <pc:docMk/>
+            <pc:sldMk cId="1799675026" sldId="296"/>
+            <ac:picMk id="5" creationId="{FF93A925-5790-4893-CBF5-92C85FA1D80E}"/>
+          </ac:picMkLst>
+        </pc:picChg>
+      </pc:sldChg>
+      <pc:sldChg chg="addSp modSp new mod">
+        <pc:chgData name="Nahom Abera" userId="353caa7d06450a03" providerId="LiveId" clId="{FB7DD56A-0233-49C1-A634-A1BF0EE2BCFE}" dt="2024-12-14T00:52:01.009" v="1179" actId="1076"/>
+        <pc:sldMkLst>
+          <pc:docMk/>
+          <pc:sldMk cId="3925872806" sldId="297"/>
+        </pc:sldMkLst>
+        <pc:spChg chg="mod">
+          <ac:chgData name="Nahom Abera" userId="353caa7d06450a03" providerId="LiveId" clId="{FB7DD56A-0233-49C1-A634-A1BF0EE2BCFE}" dt="2024-12-14T00:51:23.973" v="1170" actId="20577"/>
+          <ac:spMkLst>
+            <pc:docMk/>
+            <pc:sldMk cId="3925872806" sldId="297"/>
+            <ac:spMk id="2" creationId="{E43E4D0C-D3D9-6C6C-96EF-EAD24AFF54A1}"/>
+          </ac:spMkLst>
+        </pc:spChg>
+        <pc:spChg chg="mod">
+          <ac:chgData name="Nahom Abera" userId="353caa7d06450a03" providerId="LiveId" clId="{FB7DD56A-0233-49C1-A634-A1BF0EE2BCFE}" dt="2024-12-14T00:51:36.893" v="1173" actId="20577"/>
+          <ac:spMkLst>
+            <pc:docMk/>
+            <pc:sldMk cId="3925872806" sldId="297"/>
+            <ac:spMk id="3" creationId="{4D92053E-C08A-57E1-281B-115149211171}"/>
+          </ac:spMkLst>
+        </pc:spChg>
+        <pc:picChg chg="add mod">
+          <ac:chgData name="Nahom Abera" userId="353caa7d06450a03" providerId="LiveId" clId="{FB7DD56A-0233-49C1-A634-A1BF0EE2BCFE}" dt="2024-12-14T00:52:01.009" v="1179" actId="1076"/>
+          <ac:picMkLst>
+            <pc:docMk/>
+            <pc:sldMk cId="3925872806" sldId="297"/>
+            <ac:picMk id="5" creationId="{86C4B34E-8E32-086C-5C93-BA24BB692000}"/>
+          </ac:picMkLst>
+        </pc:picChg>
+      </pc:sldChg>
       <pc:sldMasterChg chg="delSldLayout">
-        <pc:chgData name="Nahom Abera" userId="353caa7d06450a03" providerId="LiveId" clId="{FB7DD56A-0233-49C1-A634-A1BF0EE2BCFE}" dt="2024-12-06T13:39:14.273" v="53" actId="47"/>
+        <pc:chgData name="Nahom Abera" userId="353caa7d06450a03" providerId="LiveId" clId="{FB7DD56A-0233-49C1-A634-A1BF0EE2BCFE}" dt="2024-12-14T00:49:00.481" v="1130" actId="2696"/>
         <pc:sldMasterMkLst>
           <pc:docMk/>
           <pc:sldMasterMk cId="0" sldId="2147483661"/>
@@ -1146,6 +1094,14 @@
             <pc:docMk/>
             <pc:sldMasterMk cId="0" sldId="2147483661"/>
             <pc:sldLayoutMk cId="0" sldId="2147483653"/>
+          </pc:sldLayoutMkLst>
+        </pc:sldLayoutChg>
+        <pc:sldLayoutChg chg="del">
+          <pc:chgData name="Nahom Abera" userId="353caa7d06450a03" providerId="LiveId" clId="{FB7DD56A-0233-49C1-A634-A1BF0EE2BCFE}" dt="2024-12-14T00:49:00.481" v="1130" actId="2696"/>
+          <pc:sldLayoutMkLst>
+            <pc:docMk/>
+            <pc:sldMasterMk cId="0" sldId="2147483661"/>
+            <pc:sldLayoutMk cId="0" sldId="2147483654"/>
           </pc:sldLayoutMkLst>
         </pc:sldLayoutChg>
       </pc:sldMasterChg>
@@ -1179,14 +1135,6 @@
           <pc:docMk/>
           <pc:sldMk cId="0" sldId="257"/>
         </pc:sldMkLst>
-        <pc:spChg chg="mod">
-          <ac:chgData name="Nahom Abera" userId="353caa7d06450a03" providerId="LiveId" clId="{6752131C-1256-4D62-A9B4-0E1D0A1AE175}" dt="2024-12-06T13:31:58.225" v="1356" actId="313"/>
-          <ac:spMkLst>
-            <pc:docMk/>
-            <pc:sldMk cId="0" sldId="257"/>
-            <ac:spMk id="109" creationId="{00000000-0000-0000-0000-000000000000}"/>
-          </ac:spMkLst>
-        </pc:spChg>
       </pc:sldChg>
       <pc:sldChg chg="addSp delSp modSp mod">
         <pc:chgData name="Nahom Abera" userId="353caa7d06450a03" providerId="LiveId" clId="{6752131C-1256-4D62-A9B4-0E1D0A1AE175}" dt="2024-11-25T19:00:48.778" v="1147" actId="20577"/>
@@ -1194,46 +1142,6 @@
           <pc:docMk/>
           <pc:sldMk cId="0" sldId="259"/>
         </pc:sldMkLst>
-        <pc:spChg chg="mod">
-          <ac:chgData name="Nahom Abera" userId="353caa7d06450a03" providerId="LiveId" clId="{6752131C-1256-4D62-A9B4-0E1D0A1AE175}" dt="2024-11-25T19:00:48.778" v="1147" actId="20577"/>
-          <ac:spMkLst>
-            <pc:docMk/>
-            <pc:sldMk cId="0" sldId="259"/>
-            <ac:spMk id="120" creationId="{00000000-0000-0000-0000-000000000000}"/>
-          </ac:spMkLst>
-        </pc:spChg>
-        <pc:spChg chg="mod">
-          <ac:chgData name="Nahom Abera" userId="353caa7d06450a03" providerId="LiveId" clId="{6752131C-1256-4D62-A9B4-0E1D0A1AE175}" dt="2024-11-25T18:58:33.346" v="1075" actId="14100"/>
-          <ac:spMkLst>
-            <pc:docMk/>
-            <pc:sldMk cId="0" sldId="259"/>
-            <ac:spMk id="121" creationId="{00000000-0000-0000-0000-000000000000}"/>
-          </ac:spMkLst>
-        </pc:spChg>
-        <pc:picChg chg="add del mod">
-          <ac:chgData name="Nahom Abera" userId="353caa7d06450a03" providerId="LiveId" clId="{6752131C-1256-4D62-A9B4-0E1D0A1AE175}" dt="2024-11-25T18:58:04.277" v="1069" actId="22"/>
-          <ac:picMkLst>
-            <pc:docMk/>
-            <pc:sldMk cId="0" sldId="259"/>
-            <ac:picMk id="3" creationId="{7CD58FDD-1334-1764-D40B-5DAC6832B8E0}"/>
-          </ac:picMkLst>
-        </pc:picChg>
-        <pc:picChg chg="add del mod">
-          <ac:chgData name="Nahom Abera" userId="353caa7d06450a03" providerId="LiveId" clId="{6752131C-1256-4D62-A9B4-0E1D0A1AE175}" dt="2024-11-25T19:00:47.348" v="1144" actId="478"/>
-          <ac:picMkLst>
-            <pc:docMk/>
-            <pc:sldMk cId="0" sldId="259"/>
-            <ac:picMk id="5" creationId="{CDEEED45-9E8F-D450-8F3A-55112F72A5E5}"/>
-          </ac:picMkLst>
-        </pc:picChg>
-        <pc:picChg chg="add mod">
-          <ac:chgData name="Nahom Abera" userId="353caa7d06450a03" providerId="LiveId" clId="{6752131C-1256-4D62-A9B4-0E1D0A1AE175}" dt="2024-11-25T19:00:46.697" v="1143" actId="14100"/>
-          <ac:picMkLst>
-            <pc:docMk/>
-            <pc:sldMk cId="0" sldId="259"/>
-            <ac:picMk id="6" creationId="{B734333B-7847-4022-7E15-6D803ADD43FD}"/>
-          </ac:picMkLst>
-        </pc:picChg>
       </pc:sldChg>
       <pc:sldChg chg="modSp mod">
         <pc:chgData name="Nahom Abera" userId="353caa7d06450a03" providerId="LiveId" clId="{6752131C-1256-4D62-A9B4-0E1D0A1AE175}" dt="2024-11-25T19:25:48.721" v="1255" actId="27636"/>
@@ -1241,22 +1149,6 @@
           <pc:docMk/>
           <pc:sldMk cId="0" sldId="260"/>
         </pc:sldMkLst>
-        <pc:spChg chg="mod">
-          <ac:chgData name="Nahom Abera" userId="353caa7d06450a03" providerId="LiveId" clId="{6752131C-1256-4D62-A9B4-0E1D0A1AE175}" dt="2024-11-25T18:07:29.089" v="167"/>
-          <ac:spMkLst>
-            <pc:docMk/>
-            <pc:sldMk cId="0" sldId="260"/>
-            <ac:spMk id="126" creationId="{00000000-0000-0000-0000-000000000000}"/>
-          </ac:spMkLst>
-        </pc:spChg>
-        <pc:spChg chg="mod">
-          <ac:chgData name="Nahom Abera" userId="353caa7d06450a03" providerId="LiveId" clId="{6752131C-1256-4D62-A9B4-0E1D0A1AE175}" dt="2024-11-25T19:25:48.721" v="1255" actId="27636"/>
-          <ac:spMkLst>
-            <pc:docMk/>
-            <pc:sldMk cId="0" sldId="260"/>
-            <ac:spMk id="127" creationId="{00000000-0000-0000-0000-000000000000}"/>
-          </ac:spMkLst>
-        </pc:spChg>
       </pc:sldChg>
       <pc:sldChg chg="modSp mod">
         <pc:chgData name="Nahom Abera" userId="353caa7d06450a03" providerId="LiveId" clId="{6752131C-1256-4D62-A9B4-0E1D0A1AE175}" dt="2024-11-25T19:18:06.371" v="1250" actId="20577"/>
@@ -1264,22 +1156,6 @@
           <pc:docMk/>
           <pc:sldMk cId="0" sldId="261"/>
         </pc:sldMkLst>
-        <pc:spChg chg="mod">
-          <ac:chgData name="Nahom Abera" userId="353caa7d06450a03" providerId="LiveId" clId="{6752131C-1256-4D62-A9B4-0E1D0A1AE175}" dt="2024-11-25T18:32:06.784" v="591" actId="20577"/>
-          <ac:spMkLst>
-            <pc:docMk/>
-            <pc:sldMk cId="0" sldId="261"/>
-            <ac:spMk id="132" creationId="{00000000-0000-0000-0000-000000000000}"/>
-          </ac:spMkLst>
-        </pc:spChg>
-        <pc:spChg chg="mod">
-          <ac:chgData name="Nahom Abera" userId="353caa7d06450a03" providerId="LiveId" clId="{6752131C-1256-4D62-A9B4-0E1D0A1AE175}" dt="2024-11-25T19:18:06.371" v="1250" actId="20577"/>
-          <ac:spMkLst>
-            <pc:docMk/>
-            <pc:sldMk cId="0" sldId="261"/>
-            <ac:spMk id="133" creationId="{00000000-0000-0000-0000-000000000000}"/>
-          </ac:spMkLst>
-        </pc:spChg>
       </pc:sldChg>
       <pc:sldChg chg="addSp delSp modSp mod">
         <pc:chgData name="Nahom Abera" userId="353caa7d06450a03" providerId="LiveId" clId="{6752131C-1256-4D62-A9B4-0E1D0A1AE175}" dt="2024-11-25T18:54:47.780" v="1054" actId="14100"/>
@@ -1287,38 +1163,6 @@
           <pc:docMk/>
           <pc:sldMk cId="730944751" sldId="262"/>
         </pc:sldMkLst>
-        <pc:spChg chg="mod">
-          <ac:chgData name="Nahom Abera" userId="353caa7d06450a03" providerId="LiveId" clId="{6752131C-1256-4D62-A9B4-0E1D0A1AE175}" dt="2024-11-25T18:01:37.176" v="11"/>
-          <ac:spMkLst>
-            <pc:docMk/>
-            <pc:sldMk cId="730944751" sldId="262"/>
-            <ac:spMk id="114" creationId="{00000000-0000-0000-0000-000000000000}"/>
-          </ac:spMkLst>
-        </pc:spChg>
-        <pc:spChg chg="mod">
-          <ac:chgData name="Nahom Abera" userId="353caa7d06450a03" providerId="LiveId" clId="{6752131C-1256-4D62-A9B4-0E1D0A1AE175}" dt="2024-11-25T18:02:11.849" v="40" actId="20577"/>
-          <ac:spMkLst>
-            <pc:docMk/>
-            <pc:sldMk cId="730944751" sldId="262"/>
-            <ac:spMk id="115" creationId="{00000000-0000-0000-0000-000000000000}"/>
-          </ac:spMkLst>
-        </pc:spChg>
-        <pc:picChg chg="add mod">
-          <ac:chgData name="Nahom Abera" userId="353caa7d06450a03" providerId="LiveId" clId="{6752131C-1256-4D62-A9B4-0E1D0A1AE175}" dt="2024-11-25T18:54:47.780" v="1054" actId="14100"/>
-          <ac:picMkLst>
-            <pc:docMk/>
-            <pc:sldMk cId="730944751" sldId="262"/>
-            <ac:picMk id="3" creationId="{8795E8A3-1885-592A-2C97-E12A18DCBDCF}"/>
-          </ac:picMkLst>
-        </pc:picChg>
-        <pc:picChg chg="del">
-          <ac:chgData name="Nahom Abera" userId="353caa7d06450a03" providerId="LiveId" clId="{6752131C-1256-4D62-A9B4-0E1D0A1AE175}" dt="2024-11-25T18:01:39.602" v="12" actId="478"/>
-          <ac:picMkLst>
-            <pc:docMk/>
-            <pc:sldMk cId="730944751" sldId="262"/>
-            <ac:picMk id="12" creationId="{B9E97364-F314-2C00-E8AF-1F5B59B19C19}"/>
-          </ac:picMkLst>
-        </pc:picChg>
       </pc:sldChg>
       <pc:sldChg chg="addSp delSp modSp mod">
         <pc:chgData name="Nahom Abera" userId="353caa7d06450a03" providerId="LiveId" clId="{6752131C-1256-4D62-A9B4-0E1D0A1AE175}" dt="2024-11-25T19:00:52.258" v="1153" actId="478"/>
@@ -1326,30 +1170,6 @@
           <pc:docMk/>
           <pc:sldMk cId="2282804308" sldId="263"/>
         </pc:sldMkLst>
-        <pc:spChg chg="mod">
-          <ac:chgData name="Nahom Abera" userId="353caa7d06450a03" providerId="LiveId" clId="{6752131C-1256-4D62-A9B4-0E1D0A1AE175}" dt="2024-11-25T19:00:50.660" v="1150" actId="20577"/>
-          <ac:spMkLst>
-            <pc:docMk/>
-            <pc:sldMk cId="2282804308" sldId="263"/>
-            <ac:spMk id="4" creationId="{37E03CE7-C3D2-64F4-E77F-7AEA0EDFE0E8}"/>
-          </ac:spMkLst>
-        </pc:spChg>
-        <pc:spChg chg="mod">
-          <ac:chgData name="Nahom Abera" userId="353caa7d06450a03" providerId="LiveId" clId="{6752131C-1256-4D62-A9B4-0E1D0A1AE175}" dt="2024-11-25T19:00:51.637" v="1152" actId="14100"/>
-          <ac:spMkLst>
-            <pc:docMk/>
-            <pc:sldMk cId="2282804308" sldId="263"/>
-            <ac:spMk id="5" creationId="{A3A3A836-2F90-94B8-9E44-2E466FC59942}"/>
-          </ac:spMkLst>
-        </pc:spChg>
-        <pc:picChg chg="add del mod">
-          <ac:chgData name="Nahom Abera" userId="353caa7d06450a03" providerId="LiveId" clId="{6752131C-1256-4D62-A9B4-0E1D0A1AE175}" dt="2024-11-25T19:00:52.258" v="1153" actId="478"/>
-          <ac:picMkLst>
-            <pc:docMk/>
-            <pc:sldMk cId="2282804308" sldId="263"/>
-            <ac:picMk id="3" creationId="{637E3A9C-387F-7E41-5073-A87773712847}"/>
-          </ac:picMkLst>
-        </pc:picChg>
       </pc:sldChg>
       <pc:sldChg chg="modSp mod">
         <pc:chgData name="Nahom Abera" userId="353caa7d06450a03" providerId="LiveId" clId="{6752131C-1256-4D62-A9B4-0E1D0A1AE175}" dt="2024-11-25T18:05:53.724" v="155" actId="20577"/>
@@ -1357,22 +1177,6 @@
           <pc:docMk/>
           <pc:sldMk cId="196379574" sldId="264"/>
         </pc:sldMkLst>
-        <pc:spChg chg="mod">
-          <ac:chgData name="Nahom Abera" userId="353caa7d06450a03" providerId="LiveId" clId="{6752131C-1256-4D62-A9B4-0E1D0A1AE175}" dt="2024-11-25T18:05:53.724" v="155" actId="20577"/>
-          <ac:spMkLst>
-            <pc:docMk/>
-            <pc:sldMk cId="196379574" sldId="264"/>
-            <ac:spMk id="4" creationId="{5620A639-0CBC-17C9-ECFB-C99FE96BD726}"/>
-          </ac:spMkLst>
-        </pc:spChg>
-        <pc:spChg chg="mod">
-          <ac:chgData name="Nahom Abera" userId="353caa7d06450a03" providerId="LiveId" clId="{6752131C-1256-4D62-A9B4-0E1D0A1AE175}" dt="2024-11-25T18:05:45.549" v="143" actId="12"/>
-          <ac:spMkLst>
-            <pc:docMk/>
-            <pc:sldMk cId="196379574" sldId="264"/>
-            <ac:spMk id="5" creationId="{0E15DB0F-C616-DBA7-9BC2-7DBA002B921B}"/>
-          </ac:spMkLst>
-        </pc:spChg>
       </pc:sldChg>
       <pc:sldChg chg="addSp delSp modSp mod modClrScheme chgLayout">
         <pc:chgData name="Nahom Abera" userId="353caa7d06450a03" providerId="LiveId" clId="{6752131C-1256-4D62-A9B4-0E1D0A1AE175}" dt="2024-12-06T13:32:37.873" v="1359" actId="122"/>
@@ -1380,62 +1184,6 @@
           <pc:docMk/>
           <pc:sldMk cId="1449609527" sldId="265"/>
         </pc:sldMkLst>
-        <pc:spChg chg="mod ord">
-          <ac:chgData name="Nahom Abera" userId="353caa7d06450a03" providerId="LiveId" clId="{6752131C-1256-4D62-A9B4-0E1D0A1AE175}" dt="2024-11-25T19:02:30.565" v="1167" actId="700"/>
-          <ac:spMkLst>
-            <pc:docMk/>
-            <pc:sldMk cId="1449609527" sldId="265"/>
-            <ac:spMk id="4" creationId="{5F00C52E-271B-3C46-2729-388B1528ECF0}"/>
-          </ac:spMkLst>
-        </pc:spChg>
-        <pc:spChg chg="del mod ord">
-          <ac:chgData name="Nahom Abera" userId="353caa7d06450a03" providerId="LiveId" clId="{6752131C-1256-4D62-A9B4-0E1D0A1AE175}" dt="2024-11-25T19:02:55.553" v="1178" actId="21"/>
-          <ac:spMkLst>
-            <pc:docMk/>
-            <pc:sldMk cId="1449609527" sldId="265"/>
-            <ac:spMk id="5" creationId="{AC916008-D5E6-ECFD-D84B-C62A30355B2B}"/>
-          </ac:spMkLst>
-        </pc:spChg>
-        <pc:spChg chg="add mod ord">
-          <ac:chgData name="Nahom Abera" userId="353caa7d06450a03" providerId="LiveId" clId="{6752131C-1256-4D62-A9B4-0E1D0A1AE175}" dt="2024-11-25T19:03:03.355" v="1182" actId="27636"/>
-          <ac:spMkLst>
-            <pc:docMk/>
-            <pc:sldMk cId="1449609527" sldId="265"/>
-            <ac:spMk id="6" creationId="{77CB7F3E-58F8-8C1B-0AB9-F360567458DE}"/>
-          </ac:spMkLst>
-        </pc:spChg>
-        <pc:spChg chg="add del mod ord">
-          <ac:chgData name="Nahom Abera" userId="353caa7d06450a03" providerId="LiveId" clId="{6752131C-1256-4D62-A9B4-0E1D0A1AE175}" dt="2024-11-25T19:02:35.024" v="1170" actId="478"/>
-          <ac:spMkLst>
-            <pc:docMk/>
-            <pc:sldMk cId="1449609527" sldId="265"/>
-            <ac:spMk id="7" creationId="{04B92389-D3E8-EAEC-1FAE-A1B989610835}"/>
-          </ac:spMkLst>
-        </pc:spChg>
-        <pc:spChg chg="add mod ord">
-          <ac:chgData name="Nahom Abera" userId="353caa7d06450a03" providerId="LiveId" clId="{6752131C-1256-4D62-A9B4-0E1D0A1AE175}" dt="2024-12-06T13:32:37.873" v="1359" actId="122"/>
-          <ac:spMkLst>
-            <pc:docMk/>
-            <pc:sldMk cId="1449609527" sldId="265"/>
-            <ac:spMk id="8" creationId="{06FF8BE4-E157-B63D-689D-F2508DAA91A4}"/>
-          </ac:spMkLst>
-        </pc:spChg>
-        <pc:picChg chg="add del mod">
-          <ac:chgData name="Nahom Abera" userId="353caa7d06450a03" providerId="LiveId" clId="{6752131C-1256-4D62-A9B4-0E1D0A1AE175}" dt="2024-11-25T19:02:18.900" v="1166" actId="478"/>
-          <ac:picMkLst>
-            <pc:docMk/>
-            <pc:sldMk cId="1449609527" sldId="265"/>
-            <ac:picMk id="3" creationId="{1CE85AC2-B2BE-70D7-9B75-5FBA4D093674}"/>
-          </ac:picMkLst>
-        </pc:picChg>
-        <pc:picChg chg="add mod">
-          <ac:chgData name="Nahom Abera" userId="353caa7d06450a03" providerId="LiveId" clId="{6752131C-1256-4D62-A9B4-0E1D0A1AE175}" dt="2024-11-25T19:03:24.217" v="1186" actId="14100"/>
-          <ac:picMkLst>
-            <pc:docMk/>
-            <pc:sldMk cId="1449609527" sldId="265"/>
-            <ac:picMk id="9" creationId="{E8395D43-FFB5-4457-8C4B-7DCF317E6E2E}"/>
-          </ac:picMkLst>
-        </pc:picChg>
       </pc:sldChg>
       <pc:sldChg chg="modSp mod">
         <pc:chgData name="Nahom Abera" userId="353caa7d06450a03" providerId="LiveId" clId="{6752131C-1256-4D62-A9B4-0E1D0A1AE175}" dt="2024-11-25T19:25:35.394" v="1253" actId="5793"/>
@@ -1443,22 +1191,6 @@
           <pc:docMk/>
           <pc:sldMk cId="3245614201" sldId="266"/>
         </pc:sldMkLst>
-        <pc:spChg chg="mod">
-          <ac:chgData name="Nahom Abera" userId="353caa7d06450a03" providerId="LiveId" clId="{6752131C-1256-4D62-A9B4-0E1D0A1AE175}" dt="2024-11-25T18:06:17.522" v="160"/>
-          <ac:spMkLst>
-            <pc:docMk/>
-            <pc:sldMk cId="3245614201" sldId="266"/>
-            <ac:spMk id="4" creationId="{E363AB97-04D4-8BD5-181A-F0F40CE95BA4}"/>
-          </ac:spMkLst>
-        </pc:spChg>
-        <pc:spChg chg="mod">
-          <ac:chgData name="Nahom Abera" userId="353caa7d06450a03" providerId="LiveId" clId="{6752131C-1256-4D62-A9B4-0E1D0A1AE175}" dt="2024-11-25T19:25:35.394" v="1253" actId="5793"/>
-          <ac:spMkLst>
-            <pc:docMk/>
-            <pc:sldMk cId="3245614201" sldId="266"/>
-            <ac:spMk id="5" creationId="{4D0759F6-6B4A-EBC3-6776-46EA45D8756E}"/>
-          </ac:spMkLst>
-        </pc:spChg>
       </pc:sldChg>
       <pc:sldChg chg="addSp modSp mod">
         <pc:chgData name="Nahom Abera" userId="353caa7d06450a03" providerId="LiveId" clId="{6752131C-1256-4D62-A9B4-0E1D0A1AE175}" dt="2024-11-25T19:08:09.673" v="1239" actId="1076"/>
@@ -1466,30 +1198,6 @@
           <pc:docMk/>
           <pc:sldMk cId="2051251490" sldId="267"/>
         </pc:sldMkLst>
-        <pc:spChg chg="mod">
-          <ac:chgData name="Nahom Abera" userId="353caa7d06450a03" providerId="LiveId" clId="{6752131C-1256-4D62-A9B4-0E1D0A1AE175}" dt="2024-11-25T18:38:23.009" v="862" actId="20577"/>
-          <ac:spMkLst>
-            <pc:docMk/>
-            <pc:sldMk cId="2051251490" sldId="267"/>
-            <ac:spMk id="4" creationId="{732CEE5F-6218-52E1-E268-B1CB7D48441C}"/>
-          </ac:spMkLst>
-        </pc:spChg>
-        <pc:spChg chg="mod">
-          <ac:chgData name="Nahom Abera" userId="353caa7d06450a03" providerId="LiveId" clId="{6752131C-1256-4D62-A9B4-0E1D0A1AE175}" dt="2024-11-25T19:08:03.777" v="1237" actId="14100"/>
-          <ac:spMkLst>
-            <pc:docMk/>
-            <pc:sldMk cId="2051251490" sldId="267"/>
-            <ac:spMk id="5" creationId="{9AF305BF-C069-030C-6FDF-D2D1B499E75A}"/>
-          </ac:spMkLst>
-        </pc:spChg>
-        <pc:picChg chg="add mod">
-          <ac:chgData name="Nahom Abera" userId="353caa7d06450a03" providerId="LiveId" clId="{6752131C-1256-4D62-A9B4-0E1D0A1AE175}" dt="2024-11-25T19:08:09.673" v="1239" actId="1076"/>
-          <ac:picMkLst>
-            <pc:docMk/>
-            <pc:sldMk cId="2051251490" sldId="267"/>
-            <ac:picMk id="3" creationId="{0FAA306B-87B4-F61B-6A2E-81AE4F2F01F9}"/>
-          </ac:picMkLst>
-        </pc:picChg>
       </pc:sldChg>
       <pc:sldChg chg="addSp delSp modSp mod">
         <pc:chgData name="Nahom Abera" userId="353caa7d06450a03" providerId="LiveId" clId="{6752131C-1256-4D62-A9B4-0E1D0A1AE175}" dt="2024-11-25T19:16:47.828" v="1246" actId="1076"/>
@@ -1497,54 +1205,6 @@
           <pc:docMk/>
           <pc:sldMk cId="3858812852" sldId="268"/>
         </pc:sldMkLst>
-        <pc:spChg chg="add">
-          <ac:chgData name="Nahom Abera" userId="353caa7d06450a03" providerId="LiveId" clId="{6752131C-1256-4D62-A9B4-0E1D0A1AE175}" dt="2024-11-25T18:20:26.719" v="208"/>
-          <ac:spMkLst>
-            <pc:docMk/>
-            <pc:sldMk cId="3858812852" sldId="268"/>
-            <ac:spMk id="2" creationId="{3D652163-0BC0-A58F-8D0F-17D33873B03E}"/>
-          </ac:spMkLst>
-        </pc:spChg>
-        <pc:spChg chg="add mod">
-          <ac:chgData name="Nahom Abera" userId="353caa7d06450a03" providerId="LiveId" clId="{6752131C-1256-4D62-A9B4-0E1D0A1AE175}" dt="2024-11-25T18:20:50.893" v="217"/>
-          <ac:spMkLst>
-            <pc:docMk/>
-            <pc:sldMk cId="3858812852" sldId="268"/>
-            <ac:spMk id="3" creationId="{093DFAF9-B6F8-3F91-DC14-8274804B262A}"/>
-          </ac:spMkLst>
-        </pc:spChg>
-        <pc:spChg chg="mod">
-          <ac:chgData name="Nahom Abera" userId="353caa7d06450a03" providerId="LiveId" clId="{6752131C-1256-4D62-A9B4-0E1D0A1AE175}" dt="2024-11-25T18:40:56.400" v="887" actId="255"/>
-          <ac:spMkLst>
-            <pc:docMk/>
-            <pc:sldMk cId="3858812852" sldId="268"/>
-            <ac:spMk id="4" creationId="{B2CC604B-1AA4-2015-4CB9-CA2A12A7DFE1}"/>
-          </ac:spMkLst>
-        </pc:spChg>
-        <pc:spChg chg="add del mod">
-          <ac:chgData name="Nahom Abera" userId="353caa7d06450a03" providerId="LiveId" clId="{6752131C-1256-4D62-A9B4-0E1D0A1AE175}" dt="2024-11-25T18:21:46.337" v="228" actId="1076"/>
-          <ac:spMkLst>
-            <pc:docMk/>
-            <pc:sldMk cId="3858812852" sldId="268"/>
-            <ac:spMk id="5" creationId="{31474F62-CC43-A206-1E15-0CFE5FD4E792}"/>
-          </ac:spMkLst>
-        </pc:spChg>
-        <pc:picChg chg="add del mod">
-          <ac:chgData name="Nahom Abera" userId="353caa7d06450a03" providerId="LiveId" clId="{6752131C-1256-4D62-A9B4-0E1D0A1AE175}" dt="2024-11-25T19:16:00.166" v="1243" actId="22"/>
-          <ac:picMkLst>
-            <pc:docMk/>
-            <pc:sldMk cId="3858812852" sldId="268"/>
-            <ac:picMk id="7" creationId="{B51AAA48-11A6-6105-8748-1C5334A27E58}"/>
-          </ac:picMkLst>
-        </pc:picChg>
-        <pc:picChg chg="add mod">
-          <ac:chgData name="Nahom Abera" userId="353caa7d06450a03" providerId="LiveId" clId="{6752131C-1256-4D62-A9B4-0E1D0A1AE175}" dt="2024-11-25T19:16:47.828" v="1246" actId="1076"/>
-          <ac:picMkLst>
-            <pc:docMk/>
-            <pc:sldMk cId="3858812852" sldId="268"/>
-            <ac:picMk id="9" creationId="{D0112862-70DF-032B-2F1D-BA05D593DC1D}"/>
-          </ac:picMkLst>
-        </pc:picChg>
       </pc:sldChg>
       <pc:sldChg chg="delSp modSp mod">
         <pc:chgData name="Nahom Abera" userId="353caa7d06450a03" providerId="LiveId" clId="{6752131C-1256-4D62-A9B4-0E1D0A1AE175}" dt="2024-11-25T18:46:15.991" v="906" actId="5793"/>
@@ -1552,30 +1212,6 @@
           <pc:docMk/>
           <pc:sldMk cId="3279245370" sldId="269"/>
         </pc:sldMkLst>
-        <pc:spChg chg="mod">
-          <ac:chgData name="Nahom Abera" userId="353caa7d06450a03" providerId="LiveId" clId="{6752131C-1256-4D62-A9B4-0E1D0A1AE175}" dt="2024-11-25T18:22:05.450" v="231"/>
-          <ac:spMkLst>
-            <pc:docMk/>
-            <pc:sldMk cId="3279245370" sldId="269"/>
-            <ac:spMk id="4" creationId="{ED21A7B7-83CC-BC1F-373C-F59506F88AFE}"/>
-          </ac:spMkLst>
-        </pc:spChg>
-        <pc:spChg chg="mod">
-          <ac:chgData name="Nahom Abera" userId="353caa7d06450a03" providerId="LiveId" clId="{6752131C-1256-4D62-A9B4-0E1D0A1AE175}" dt="2024-11-25T18:46:15.991" v="906" actId="5793"/>
-          <ac:spMkLst>
-            <pc:docMk/>
-            <pc:sldMk cId="3279245370" sldId="269"/>
-            <ac:spMk id="5" creationId="{69193057-EDED-879D-1261-1988D06211E2}"/>
-          </ac:spMkLst>
-        </pc:spChg>
-        <pc:graphicFrameChg chg="del">
-          <ac:chgData name="Nahom Abera" userId="353caa7d06450a03" providerId="LiveId" clId="{6752131C-1256-4D62-A9B4-0E1D0A1AE175}" dt="2024-11-25T18:22:09.592" v="234" actId="478"/>
-          <ac:graphicFrameMkLst>
-            <pc:docMk/>
-            <pc:sldMk cId="3279245370" sldId="269"/>
-            <ac:graphicFrameMk id="9" creationId="{42E763C8-3E19-38A5-F84E-BA18D5AD3C3E}"/>
-          </ac:graphicFrameMkLst>
-        </pc:graphicFrameChg>
       </pc:sldChg>
       <pc:sldChg chg="modSp mod">
         <pc:chgData name="Nahom Abera" userId="353caa7d06450a03" providerId="LiveId" clId="{6752131C-1256-4D62-A9B4-0E1D0A1AE175}" dt="2024-11-25T20:00:57.980" v="1284" actId="20577"/>
@@ -1583,22 +1219,6 @@
           <pc:docMk/>
           <pc:sldMk cId="2445429715" sldId="271"/>
         </pc:sldMkLst>
-        <pc:spChg chg="mod">
-          <ac:chgData name="Nahom Abera" userId="353caa7d06450a03" providerId="LiveId" clId="{6752131C-1256-4D62-A9B4-0E1D0A1AE175}" dt="2024-11-25T18:24:02.385" v="319"/>
-          <ac:spMkLst>
-            <pc:docMk/>
-            <pc:sldMk cId="2445429715" sldId="271"/>
-            <ac:spMk id="4" creationId="{F3DB6C75-656E-F49F-ECD7-B07B54B094F8}"/>
-          </ac:spMkLst>
-        </pc:spChg>
-        <pc:spChg chg="mod">
-          <ac:chgData name="Nahom Abera" userId="353caa7d06450a03" providerId="LiveId" clId="{6752131C-1256-4D62-A9B4-0E1D0A1AE175}" dt="2024-11-25T20:00:57.980" v="1284" actId="20577"/>
-          <ac:spMkLst>
-            <pc:docMk/>
-            <pc:sldMk cId="2445429715" sldId="271"/>
-            <ac:spMk id="5" creationId="{47552E03-AEE7-6313-60B2-A684718AD201}"/>
-          </ac:spMkLst>
-        </pc:spChg>
       </pc:sldChg>
       <pc:sldChg chg="delSp modSp del mod">
         <pc:chgData name="Nahom Abera" userId="353caa7d06450a03" providerId="LiveId" clId="{6752131C-1256-4D62-A9B4-0E1D0A1AE175}" dt="2024-11-25T18:23:52.461" v="315" actId="2696"/>
@@ -1606,30 +1226,6 @@
           <pc:docMk/>
           <pc:sldMk cId="2156426386" sldId="276"/>
         </pc:sldMkLst>
-        <pc:spChg chg="mod">
-          <ac:chgData name="Nahom Abera" userId="353caa7d06450a03" providerId="LiveId" clId="{6752131C-1256-4D62-A9B4-0E1D0A1AE175}" dt="2024-11-25T18:23:38.642" v="312"/>
-          <ac:spMkLst>
-            <pc:docMk/>
-            <pc:sldMk cId="2156426386" sldId="276"/>
-            <ac:spMk id="4" creationId="{52949CE9-F14B-7DA8-76AD-29C585773329}"/>
-          </ac:spMkLst>
-        </pc:spChg>
-        <pc:spChg chg="del">
-          <ac:chgData name="Nahom Abera" userId="353caa7d06450a03" providerId="LiveId" clId="{6752131C-1256-4D62-A9B4-0E1D0A1AE175}" dt="2024-11-25T18:23:44.235" v="314" actId="21"/>
-          <ac:spMkLst>
-            <pc:docMk/>
-            <pc:sldMk cId="2156426386" sldId="276"/>
-            <ac:spMk id="6" creationId="{3D6BA702-F9A3-E3A4-3A6B-B4CA1A435ACA}"/>
-          </ac:spMkLst>
-        </pc:spChg>
-        <pc:picChg chg="del">
-          <ac:chgData name="Nahom Abera" userId="353caa7d06450a03" providerId="LiveId" clId="{6752131C-1256-4D62-A9B4-0E1D0A1AE175}" dt="2024-11-25T18:23:40.720" v="313" actId="478"/>
-          <ac:picMkLst>
-            <pc:docMk/>
-            <pc:sldMk cId="2156426386" sldId="276"/>
-            <ac:picMk id="9" creationId="{95D84CE8-B7B7-8158-BE6F-53876417F5C0}"/>
-          </ac:picMkLst>
-        </pc:picChg>
       </pc:sldChg>
       <pc:sldChg chg="modSp mod">
         <pc:chgData name="Nahom Abera" userId="353caa7d06450a03" providerId="LiveId" clId="{6752131C-1256-4D62-A9B4-0E1D0A1AE175}" dt="2024-11-25T18:49:13.743" v="909" actId="5793"/>
@@ -1637,22 +1233,6 @@
           <pc:docMk/>
           <pc:sldMk cId="4271672237" sldId="277"/>
         </pc:sldMkLst>
-        <pc:spChg chg="mod">
-          <ac:chgData name="Nahom Abera" userId="353caa7d06450a03" providerId="LiveId" clId="{6752131C-1256-4D62-A9B4-0E1D0A1AE175}" dt="2024-11-25T18:26:02.734" v="399"/>
-          <ac:spMkLst>
-            <pc:docMk/>
-            <pc:sldMk cId="4271672237" sldId="277"/>
-            <ac:spMk id="4" creationId="{D335847D-FDB2-50F8-6221-EDB7E52D5039}"/>
-          </ac:spMkLst>
-        </pc:spChg>
-        <pc:spChg chg="mod">
-          <ac:chgData name="Nahom Abera" userId="353caa7d06450a03" providerId="LiveId" clId="{6752131C-1256-4D62-A9B4-0E1D0A1AE175}" dt="2024-11-25T18:49:13.743" v="909" actId="5793"/>
-          <ac:spMkLst>
-            <pc:docMk/>
-            <pc:sldMk cId="4271672237" sldId="277"/>
-            <ac:spMk id="5" creationId="{D5772677-4423-0197-B849-1BB2298265D3}"/>
-          </ac:spMkLst>
-        </pc:spChg>
       </pc:sldChg>
       <pc:sldChg chg="addSp modSp mod">
         <pc:chgData name="Nahom Abera" userId="353caa7d06450a03" providerId="LiveId" clId="{6752131C-1256-4D62-A9B4-0E1D0A1AE175}" dt="2024-11-25T20:21:01.975" v="1355" actId="20577"/>
@@ -1660,70 +1240,6 @@
           <pc:docMk/>
           <pc:sldMk cId="1661413565" sldId="279"/>
         </pc:sldMkLst>
-        <pc:spChg chg="mod">
-          <ac:chgData name="Nahom Abera" userId="353caa7d06450a03" providerId="LiveId" clId="{6752131C-1256-4D62-A9B4-0E1D0A1AE175}" dt="2024-11-25T18:28:33.308" v="477"/>
-          <ac:spMkLst>
-            <pc:docMk/>
-            <pc:sldMk cId="1661413565" sldId="279"/>
-            <ac:spMk id="2" creationId="{F45B76E0-D66F-D28C-E0C0-578459987B0C}"/>
-          </ac:spMkLst>
-        </pc:spChg>
-        <pc:spChg chg="mod">
-          <ac:chgData name="Nahom Abera" userId="353caa7d06450a03" providerId="LiveId" clId="{6752131C-1256-4D62-A9B4-0E1D0A1AE175}" dt="2024-11-25T20:21:01.975" v="1355" actId="20577"/>
-          <ac:spMkLst>
-            <pc:docMk/>
-            <pc:sldMk cId="1661413565" sldId="279"/>
-            <ac:spMk id="3" creationId="{B8D689E1-B21D-B4A9-D3FC-3F1E6546A1CE}"/>
-          </ac:spMkLst>
-        </pc:spChg>
-        <pc:spChg chg="add">
-          <ac:chgData name="Nahom Abera" userId="353caa7d06450a03" providerId="LiveId" clId="{6752131C-1256-4D62-A9B4-0E1D0A1AE175}" dt="2024-11-25T18:27:28.350" v="443"/>
-          <ac:spMkLst>
-            <pc:docMk/>
-            <pc:sldMk cId="1661413565" sldId="279"/>
-            <ac:spMk id="4" creationId="{FFE872C7-9BD0-7ADB-885D-DBD5D87E0EB1}"/>
-          </ac:spMkLst>
-        </pc:spChg>
-        <pc:spChg chg="add">
-          <ac:chgData name="Nahom Abera" userId="353caa7d06450a03" providerId="LiveId" clId="{6752131C-1256-4D62-A9B4-0E1D0A1AE175}" dt="2024-11-25T18:27:28.350" v="443"/>
-          <ac:spMkLst>
-            <pc:docMk/>
-            <pc:sldMk cId="1661413565" sldId="279"/>
-            <ac:spMk id="5" creationId="{7565BE22-E1A0-8747-91FA-4ABC82AEC80B}"/>
-          </ac:spMkLst>
-        </pc:spChg>
-        <pc:spChg chg="add">
-          <ac:chgData name="Nahom Abera" userId="353caa7d06450a03" providerId="LiveId" clId="{6752131C-1256-4D62-A9B4-0E1D0A1AE175}" dt="2024-11-25T18:27:28.350" v="443"/>
-          <ac:spMkLst>
-            <pc:docMk/>
-            <pc:sldMk cId="1661413565" sldId="279"/>
-            <ac:spMk id="6" creationId="{9BB0D054-B20A-D364-82BE-569DA2896744}"/>
-          </ac:spMkLst>
-        </pc:spChg>
-        <pc:spChg chg="add">
-          <ac:chgData name="Nahom Abera" userId="353caa7d06450a03" providerId="LiveId" clId="{6752131C-1256-4D62-A9B4-0E1D0A1AE175}" dt="2024-11-25T18:27:30.786" v="446"/>
-          <ac:spMkLst>
-            <pc:docMk/>
-            <pc:sldMk cId="1661413565" sldId="279"/>
-            <ac:spMk id="7" creationId="{3002D90B-619B-BDD8-B8C9-FA16964D3C6A}"/>
-          </ac:spMkLst>
-        </pc:spChg>
-        <pc:spChg chg="add">
-          <ac:chgData name="Nahom Abera" userId="353caa7d06450a03" providerId="LiveId" clId="{6752131C-1256-4D62-A9B4-0E1D0A1AE175}" dt="2024-11-25T18:27:30.786" v="446"/>
-          <ac:spMkLst>
-            <pc:docMk/>
-            <pc:sldMk cId="1661413565" sldId="279"/>
-            <ac:spMk id="8" creationId="{229B3907-9BF2-4274-9FAE-F00F0900E19D}"/>
-          </ac:spMkLst>
-        </pc:spChg>
-        <pc:spChg chg="add">
-          <ac:chgData name="Nahom Abera" userId="353caa7d06450a03" providerId="LiveId" clId="{6752131C-1256-4D62-A9B4-0E1D0A1AE175}" dt="2024-11-25T18:27:30.786" v="446"/>
-          <ac:spMkLst>
-            <pc:docMk/>
-            <pc:sldMk cId="1661413565" sldId="279"/>
-            <ac:spMk id="9" creationId="{0288B177-7253-86F1-C297-ABF7D01D82A3}"/>
-          </ac:spMkLst>
-        </pc:spChg>
       </pc:sldChg>
       <pc:sldChg chg="addSp modSp mod ord">
         <pc:chgData name="Nahom Abera" userId="353caa7d06450a03" providerId="LiveId" clId="{6752131C-1256-4D62-A9B4-0E1D0A1AE175}" dt="2024-11-25T18:52:03.533" v="973" actId="1076"/>
@@ -1731,38 +1247,6 @@
           <pc:docMk/>
           <pc:sldMk cId="4064847051" sldId="280"/>
         </pc:sldMkLst>
-        <pc:spChg chg="mod">
-          <ac:chgData name="Nahom Abera" userId="353caa7d06450a03" providerId="LiveId" clId="{6752131C-1256-4D62-A9B4-0E1D0A1AE175}" dt="2024-11-25T18:52:03.533" v="973" actId="1076"/>
-          <ac:spMkLst>
-            <pc:docMk/>
-            <pc:sldMk cId="4064847051" sldId="280"/>
-            <ac:spMk id="2" creationId="{A4DBC502-FFC4-1655-C141-C28B549B6B00}"/>
-          </ac:spMkLst>
-        </pc:spChg>
-        <pc:spChg chg="mod">
-          <ac:chgData name="Nahom Abera" userId="353caa7d06450a03" providerId="LiveId" clId="{6752131C-1256-4D62-A9B4-0E1D0A1AE175}" dt="2024-11-25T18:31:46.272" v="573"/>
-          <ac:spMkLst>
-            <pc:docMk/>
-            <pc:sldMk cId="4064847051" sldId="280"/>
-            <ac:spMk id="3" creationId="{82206338-CD65-ADAD-D685-E80759758398}"/>
-          </ac:spMkLst>
-        </pc:spChg>
-        <pc:spChg chg="add">
-          <ac:chgData name="Nahom Abera" userId="353caa7d06450a03" providerId="LiveId" clId="{6752131C-1256-4D62-A9B4-0E1D0A1AE175}" dt="2024-11-25T18:28:52.781" v="483"/>
-          <ac:spMkLst>
-            <pc:docMk/>
-            <pc:sldMk cId="4064847051" sldId="280"/>
-            <ac:spMk id="4" creationId="{9B02CC71-E1F0-EA3F-CDEA-70664EBC3E16}"/>
-          </ac:spMkLst>
-        </pc:spChg>
-        <pc:spChg chg="add">
-          <ac:chgData name="Nahom Abera" userId="353caa7d06450a03" providerId="LiveId" clId="{6752131C-1256-4D62-A9B4-0E1D0A1AE175}" dt="2024-11-25T18:30:02.652" v="529"/>
-          <ac:spMkLst>
-            <pc:docMk/>
-            <pc:sldMk cId="4064847051" sldId="280"/>
-            <ac:spMk id="5" creationId="{B8C78663-BB9B-360D-E4FE-34E3C8699A01}"/>
-          </ac:spMkLst>
-        </pc:spChg>
       </pc:sldChg>
       <pc:sldChg chg="new del">
         <pc:chgData name="Nahom Abera" userId="353caa7d06450a03" providerId="LiveId" clId="{6752131C-1256-4D62-A9B4-0E1D0A1AE175}" dt="2024-11-25T19:05:21.702" v="1229" actId="680"/>
@@ -1817,14 +1301,6 @@
             <ac:spMk id="103" creationId="{00000000-0000-0000-0000-000000000000}"/>
           </ac:spMkLst>
         </pc:spChg>
-        <pc:picChg chg="add del mod">
-          <ac:chgData name="Nahom Abera" userId="353caa7d06450a03" providerId="LiveId" clId="{7D592896-C443-454A-8922-6D678E27F5C1}" dt="2024-11-18T19:49:06.218" v="954" actId="931"/>
-          <ac:picMkLst>
-            <pc:docMk/>
-            <pc:sldMk cId="0" sldId="256"/>
-            <ac:picMk id="3" creationId="{520302FB-39EB-EA99-9E27-90C37B2DEFC4}"/>
-          </ac:picMkLst>
-        </pc:picChg>
       </pc:sldChg>
       <pc:sldChg chg="modSp mod">
         <pc:chgData name="Nahom Abera" userId="353caa7d06450a03" providerId="LiveId" clId="{7D592896-C443-454A-8922-6D678E27F5C1}" dt="2024-11-18T20:39:04.027" v="1548" actId="20577"/>
@@ -1832,14 +1308,6 @@
           <pc:docMk/>
           <pc:sldMk cId="0" sldId="257"/>
         </pc:sldMkLst>
-        <pc:spChg chg="mod">
-          <ac:chgData name="Nahom Abera" userId="353caa7d06450a03" providerId="LiveId" clId="{7D592896-C443-454A-8922-6D678E27F5C1}" dt="2024-11-18T20:39:04.027" v="1548" actId="20577"/>
-          <ac:spMkLst>
-            <pc:docMk/>
-            <pc:sldMk cId="0" sldId="257"/>
-            <ac:spMk id="109" creationId="{00000000-0000-0000-0000-000000000000}"/>
-          </ac:spMkLst>
-        </pc:spChg>
       </pc:sldChg>
       <pc:sldChg chg="modSp del mod">
         <pc:chgData name="Nahom Abera" userId="353caa7d06450a03" providerId="LiveId" clId="{7D592896-C443-454A-8922-6D678E27F5C1}" dt="2024-11-18T19:49:18.009" v="962" actId="47"/>
@@ -1847,14 +1315,6 @@
           <pc:docMk/>
           <pc:sldMk cId="0" sldId="258"/>
         </pc:sldMkLst>
-        <pc:spChg chg="mod">
-          <ac:chgData name="Nahom Abera" userId="353caa7d06450a03" providerId="LiveId" clId="{7D592896-C443-454A-8922-6D678E27F5C1}" dt="2024-11-18T18:45:46.770" v="56" actId="20577"/>
-          <ac:spMkLst>
-            <pc:docMk/>
-            <pc:sldMk cId="0" sldId="258"/>
-            <ac:spMk id="115" creationId="{00000000-0000-0000-0000-000000000000}"/>
-          </ac:spMkLst>
-        </pc:spChg>
       </pc:sldChg>
       <pc:sldChg chg="addSp modSp mod">
         <pc:chgData name="Nahom Abera" userId="353caa7d06450a03" providerId="LiveId" clId="{7D592896-C443-454A-8922-6D678E27F5C1}" dt="2024-11-18T20:47:31.881" v="1549" actId="12"/>
@@ -1862,30 +1322,6 @@
           <pc:docMk/>
           <pc:sldMk cId="0" sldId="259"/>
         </pc:sldMkLst>
-        <pc:spChg chg="add">
-          <ac:chgData name="Nahom Abera" userId="353caa7d06450a03" providerId="LiveId" clId="{7D592896-C443-454A-8922-6D678E27F5C1}" dt="2024-11-18T18:47:14.550" v="92"/>
-          <ac:spMkLst>
-            <pc:docMk/>
-            <pc:sldMk cId="0" sldId="259"/>
-            <ac:spMk id="2" creationId="{5A163CED-2B65-0FC8-A64C-283F0C219EB9}"/>
-          </ac:spMkLst>
-        </pc:spChg>
-        <pc:spChg chg="mod">
-          <ac:chgData name="Nahom Abera" userId="353caa7d06450a03" providerId="LiveId" clId="{7D592896-C443-454A-8922-6D678E27F5C1}" dt="2024-11-18T18:46:56.289" v="88"/>
-          <ac:spMkLst>
-            <pc:docMk/>
-            <pc:sldMk cId="0" sldId="259"/>
-            <ac:spMk id="120" creationId="{00000000-0000-0000-0000-000000000000}"/>
-          </ac:spMkLst>
-        </pc:spChg>
-        <pc:spChg chg="mod">
-          <ac:chgData name="Nahom Abera" userId="353caa7d06450a03" providerId="LiveId" clId="{7D592896-C443-454A-8922-6D678E27F5C1}" dt="2024-11-18T20:47:31.881" v="1549" actId="12"/>
-          <ac:spMkLst>
-            <pc:docMk/>
-            <pc:sldMk cId="0" sldId="259"/>
-            <ac:spMk id="121" creationId="{00000000-0000-0000-0000-000000000000}"/>
-          </ac:spMkLst>
-        </pc:spChg>
       </pc:sldChg>
       <pc:sldChg chg="modSp mod">
         <pc:chgData name="Nahom Abera" userId="353caa7d06450a03" providerId="LiveId" clId="{7D592896-C443-454A-8922-6D678E27F5C1}" dt="2024-11-18T20:48:41.700" v="1554" actId="20577"/>
@@ -1893,22 +1329,6 @@
           <pc:docMk/>
           <pc:sldMk cId="0" sldId="260"/>
         </pc:sldMkLst>
-        <pc:spChg chg="mod">
-          <ac:chgData name="Nahom Abera" userId="353caa7d06450a03" providerId="LiveId" clId="{7D592896-C443-454A-8922-6D678E27F5C1}" dt="2024-11-18T19:02:59.639" v="372"/>
-          <ac:spMkLst>
-            <pc:docMk/>
-            <pc:sldMk cId="0" sldId="260"/>
-            <ac:spMk id="126" creationId="{00000000-0000-0000-0000-000000000000}"/>
-          </ac:spMkLst>
-        </pc:spChg>
-        <pc:spChg chg="mod">
-          <ac:chgData name="Nahom Abera" userId="353caa7d06450a03" providerId="LiveId" clId="{7D592896-C443-454A-8922-6D678E27F5C1}" dt="2024-11-18T20:48:41.700" v="1554" actId="20577"/>
-          <ac:spMkLst>
-            <pc:docMk/>
-            <pc:sldMk cId="0" sldId="260"/>
-            <ac:spMk id="127" creationId="{00000000-0000-0000-0000-000000000000}"/>
-          </ac:spMkLst>
-        </pc:spChg>
       </pc:sldChg>
       <pc:sldChg chg="modSp mod">
         <pc:chgData name="Nahom Abera" userId="353caa7d06450a03" providerId="LiveId" clId="{7D592896-C443-454A-8922-6D678E27F5C1}" dt="2024-11-18T19:56:17.776" v="1037" actId="114"/>
@@ -1916,14 +1336,6 @@
           <pc:docMk/>
           <pc:sldMk cId="0" sldId="261"/>
         </pc:sldMkLst>
-        <pc:spChg chg="mod">
-          <ac:chgData name="Nahom Abera" userId="353caa7d06450a03" providerId="LiveId" clId="{7D592896-C443-454A-8922-6D678E27F5C1}" dt="2024-11-18T19:56:17.776" v="1037" actId="114"/>
-          <ac:spMkLst>
-            <pc:docMk/>
-            <pc:sldMk cId="0" sldId="261"/>
-            <ac:spMk id="133" creationId="{00000000-0000-0000-0000-000000000000}"/>
-          </ac:spMkLst>
-        </pc:spChg>
       </pc:sldChg>
       <pc:sldChg chg="addSp modSp mod">
         <pc:chgData name="Nahom Abera" userId="353caa7d06450a03" providerId="LiveId" clId="{7D592896-C443-454A-8922-6D678E27F5C1}" dt="2024-11-18T19:53:57.147" v="974" actId="1076"/>
@@ -1931,102 +1343,6 @@
           <pc:docMk/>
           <pc:sldMk cId="730944751" sldId="262"/>
         </pc:sldMkLst>
-        <pc:spChg chg="add">
-          <ac:chgData name="Nahom Abera" userId="353caa7d06450a03" providerId="LiveId" clId="{7D592896-C443-454A-8922-6D678E27F5C1}" dt="2024-11-18T18:44:14.258" v="16"/>
-          <ac:spMkLst>
-            <pc:docMk/>
-            <pc:sldMk cId="730944751" sldId="262"/>
-            <ac:spMk id="2" creationId="{2F45F59C-FD34-416D-4255-AEA59B4C1B76}"/>
-          </ac:spMkLst>
-        </pc:spChg>
-        <pc:spChg chg="add">
-          <ac:chgData name="Nahom Abera" userId="353caa7d06450a03" providerId="LiveId" clId="{7D592896-C443-454A-8922-6D678E27F5C1}" dt="2024-11-18T18:44:18.129" v="18"/>
-          <ac:spMkLst>
-            <pc:docMk/>
-            <pc:sldMk cId="730944751" sldId="262"/>
-            <ac:spMk id="3" creationId="{3D03CAE8-7670-28C8-7439-AC1E16C32BF1}"/>
-          </ac:spMkLst>
-        </pc:spChg>
-        <pc:spChg chg="add">
-          <ac:chgData name="Nahom Abera" userId="353caa7d06450a03" providerId="LiveId" clId="{7D592896-C443-454A-8922-6D678E27F5C1}" dt="2024-11-18T18:44:26.605" v="21"/>
-          <ac:spMkLst>
-            <pc:docMk/>
-            <pc:sldMk cId="730944751" sldId="262"/>
-            <ac:spMk id="4" creationId="{1EFB5D4F-CD85-96E2-2524-0BF1F43DAD5C}"/>
-          </ac:spMkLst>
-        </pc:spChg>
-        <pc:spChg chg="add">
-          <ac:chgData name="Nahom Abera" userId="353caa7d06450a03" providerId="LiveId" clId="{7D592896-C443-454A-8922-6D678E27F5C1}" dt="2024-11-18T18:44:44.651" v="25"/>
-          <ac:spMkLst>
-            <pc:docMk/>
-            <pc:sldMk cId="730944751" sldId="262"/>
-            <ac:spMk id="5" creationId="{019E1BB3-F769-69DF-DE13-EA73D3FC7276}"/>
-          </ac:spMkLst>
-        </pc:spChg>
-        <pc:spChg chg="add mod">
-          <ac:chgData name="Nahom Abera" userId="353caa7d06450a03" providerId="LiveId" clId="{7D592896-C443-454A-8922-6D678E27F5C1}" dt="2024-11-18T18:45:05.594" v="29" actId="1076"/>
-          <ac:spMkLst>
-            <pc:docMk/>
-            <pc:sldMk cId="730944751" sldId="262"/>
-            <ac:spMk id="6" creationId="{FEC1BC2C-C6C7-B7AD-A80F-F0138035B78C}"/>
-          </ac:spMkLst>
-        </pc:spChg>
-        <pc:spChg chg="add">
-          <ac:chgData name="Nahom Abera" userId="353caa7d06450a03" providerId="LiveId" clId="{7D592896-C443-454A-8922-6D678E27F5C1}" dt="2024-11-18T18:45:25.412" v="33"/>
-          <ac:spMkLst>
-            <pc:docMk/>
-            <pc:sldMk cId="730944751" sldId="262"/>
-            <ac:spMk id="7" creationId="{6B037EDF-9BDC-9F8C-8352-F9C810AAC978}"/>
-          </ac:spMkLst>
-        </pc:spChg>
-        <pc:spChg chg="add">
-          <ac:chgData name="Nahom Abera" userId="353caa7d06450a03" providerId="LiveId" clId="{7D592896-C443-454A-8922-6D678E27F5C1}" dt="2024-11-18T18:45:31.575" v="34"/>
-          <ac:spMkLst>
-            <pc:docMk/>
-            <pc:sldMk cId="730944751" sldId="262"/>
-            <ac:spMk id="8" creationId="{51609906-8048-0203-6A3B-F52BE4957CF9}"/>
-          </ac:spMkLst>
-        </pc:spChg>
-        <pc:spChg chg="add">
-          <ac:chgData name="Nahom Abera" userId="353caa7d06450a03" providerId="LiveId" clId="{7D592896-C443-454A-8922-6D678E27F5C1}" dt="2024-11-18T18:45:37.727" v="37"/>
-          <ac:spMkLst>
-            <pc:docMk/>
-            <pc:sldMk cId="730944751" sldId="262"/>
-            <ac:spMk id="9" creationId="{89DDA143-0F57-054C-A67E-E3B841297944}"/>
-          </ac:spMkLst>
-        </pc:spChg>
-        <pc:spChg chg="add">
-          <ac:chgData name="Nahom Abera" userId="353caa7d06450a03" providerId="LiveId" clId="{7D592896-C443-454A-8922-6D678E27F5C1}" dt="2024-11-18T18:45:40.691" v="39"/>
-          <ac:spMkLst>
-            <pc:docMk/>
-            <pc:sldMk cId="730944751" sldId="262"/>
-            <ac:spMk id="10" creationId="{B146A7BA-724A-B9F0-A0C5-226AB1543F29}"/>
-          </ac:spMkLst>
-        </pc:spChg>
-        <pc:spChg chg="mod">
-          <ac:chgData name="Nahom Abera" userId="353caa7d06450a03" providerId="LiveId" clId="{7D592896-C443-454A-8922-6D678E27F5C1}" dt="2024-11-18T18:45:47.147" v="57"/>
-          <ac:spMkLst>
-            <pc:docMk/>
-            <pc:sldMk cId="730944751" sldId="262"/>
-            <ac:spMk id="114" creationId="{00000000-0000-0000-0000-000000000000}"/>
-          </ac:spMkLst>
-        </pc:spChg>
-        <pc:spChg chg="mod">
-          <ac:chgData name="Nahom Abera" userId="353caa7d06450a03" providerId="LiveId" clId="{7D592896-C443-454A-8922-6D678E27F5C1}" dt="2024-11-18T19:49:33.631" v="965" actId="14100"/>
-          <ac:spMkLst>
-            <pc:docMk/>
-            <pc:sldMk cId="730944751" sldId="262"/>
-            <ac:spMk id="115" creationId="{00000000-0000-0000-0000-000000000000}"/>
-          </ac:spMkLst>
-        </pc:spChg>
-        <pc:picChg chg="add mod">
-          <ac:chgData name="Nahom Abera" userId="353caa7d06450a03" providerId="LiveId" clId="{7D592896-C443-454A-8922-6D678E27F5C1}" dt="2024-11-18T19:53:57.147" v="974" actId="1076"/>
-          <ac:picMkLst>
-            <pc:docMk/>
-            <pc:sldMk cId="730944751" sldId="262"/>
-            <ac:picMk id="12" creationId="{B9E97364-F314-2C00-E8AF-1F5B59B19C19}"/>
-          </ac:picMkLst>
-        </pc:picChg>
       </pc:sldChg>
       <pc:sldChg chg="addSp modSp mod">
         <pc:chgData name="Nahom Abera" userId="353caa7d06450a03" providerId="LiveId" clId="{7D592896-C443-454A-8922-6D678E27F5C1}" dt="2024-11-18T18:52:24.446" v="185" actId="2710"/>
@@ -2034,62 +1350,6 @@
           <pc:docMk/>
           <pc:sldMk cId="2282804308" sldId="263"/>
         </pc:sldMkLst>
-        <pc:spChg chg="add">
-          <ac:chgData name="Nahom Abera" userId="353caa7d06450a03" providerId="LiveId" clId="{7D592896-C443-454A-8922-6D678E27F5C1}" dt="2024-11-18T18:50:21.399" v="149"/>
-          <ac:spMkLst>
-            <pc:docMk/>
-            <pc:sldMk cId="2282804308" sldId="263"/>
-            <ac:spMk id="2" creationId="{DDEF664E-5DED-1EAF-1F7C-2D9BE856CAC3}"/>
-          </ac:spMkLst>
-        </pc:spChg>
-        <pc:spChg chg="add">
-          <ac:chgData name="Nahom Abera" userId="353caa7d06450a03" providerId="LiveId" clId="{7D592896-C443-454A-8922-6D678E27F5C1}" dt="2024-11-18T18:50:28.137" v="150"/>
-          <ac:spMkLst>
-            <pc:docMk/>
-            <pc:sldMk cId="2282804308" sldId="263"/>
-            <ac:spMk id="3" creationId="{9E3C1B7F-1E2A-FFD3-541A-36AE2426E0A5}"/>
-          </ac:spMkLst>
-        </pc:spChg>
-        <pc:spChg chg="mod">
-          <ac:chgData name="Nahom Abera" userId="353caa7d06450a03" providerId="LiveId" clId="{7D592896-C443-454A-8922-6D678E27F5C1}" dt="2024-11-18T18:49:24.914" v="141"/>
-          <ac:spMkLst>
-            <pc:docMk/>
-            <pc:sldMk cId="2282804308" sldId="263"/>
-            <ac:spMk id="4" creationId="{37E03CE7-C3D2-64F4-E77F-7AEA0EDFE0E8}"/>
-          </ac:spMkLst>
-        </pc:spChg>
-        <pc:spChg chg="mod">
-          <ac:chgData name="Nahom Abera" userId="353caa7d06450a03" providerId="LiveId" clId="{7D592896-C443-454A-8922-6D678E27F5C1}" dt="2024-11-18T18:52:24.446" v="185" actId="2710"/>
-          <ac:spMkLst>
-            <pc:docMk/>
-            <pc:sldMk cId="2282804308" sldId="263"/>
-            <ac:spMk id="5" creationId="{A3A3A836-2F90-94B8-9E44-2E466FC59942}"/>
-          </ac:spMkLst>
-        </pc:spChg>
-        <pc:spChg chg="add">
-          <ac:chgData name="Nahom Abera" userId="353caa7d06450a03" providerId="LiveId" clId="{7D592896-C443-454A-8922-6D678E27F5C1}" dt="2024-11-18T18:50:49.385" v="154"/>
-          <ac:spMkLst>
-            <pc:docMk/>
-            <pc:sldMk cId="2282804308" sldId="263"/>
-            <ac:spMk id="6" creationId="{A6CA68D9-6258-695C-BE38-BFE9C159356C}"/>
-          </ac:spMkLst>
-        </pc:spChg>
-        <pc:spChg chg="add">
-          <ac:chgData name="Nahom Abera" userId="353caa7d06450a03" providerId="LiveId" clId="{7D592896-C443-454A-8922-6D678E27F5C1}" dt="2024-11-18T18:51:02.645" v="157"/>
-          <ac:spMkLst>
-            <pc:docMk/>
-            <pc:sldMk cId="2282804308" sldId="263"/>
-            <ac:spMk id="7" creationId="{CD37ACFC-2B4A-59F0-474C-4B9D70491A7E}"/>
-          </ac:spMkLst>
-        </pc:spChg>
-        <pc:spChg chg="add">
-          <ac:chgData name="Nahom Abera" userId="353caa7d06450a03" providerId="LiveId" clId="{7D592896-C443-454A-8922-6D678E27F5C1}" dt="2024-11-18T18:51:05.020" v="159"/>
-          <ac:spMkLst>
-            <pc:docMk/>
-            <pc:sldMk cId="2282804308" sldId="263"/>
-            <ac:spMk id="8" creationId="{EF40FA6E-047C-84B5-FE7C-E1E646511AF3}"/>
-          </ac:spMkLst>
-        </pc:spChg>
       </pc:sldChg>
       <pc:sldChg chg="modSp mod">
         <pc:chgData name="Nahom Abera" userId="353caa7d06450a03" providerId="LiveId" clId="{7D592896-C443-454A-8922-6D678E27F5C1}" dt="2024-11-18T19:57:51.485" v="1072" actId="1076"/>
@@ -2097,22 +1357,6 @@
           <pc:docMk/>
           <pc:sldMk cId="196379574" sldId="264"/>
         </pc:sldMkLst>
-        <pc:spChg chg="mod">
-          <ac:chgData name="Nahom Abera" userId="353caa7d06450a03" providerId="LiveId" clId="{7D592896-C443-454A-8922-6D678E27F5C1}" dt="2024-11-18T19:57:51.485" v="1072" actId="1076"/>
-          <ac:spMkLst>
-            <pc:docMk/>
-            <pc:sldMk cId="196379574" sldId="264"/>
-            <ac:spMk id="4" creationId="{5620A639-0CBC-17C9-ECFB-C99FE96BD726}"/>
-          </ac:spMkLst>
-        </pc:spChg>
-        <pc:spChg chg="mod">
-          <ac:chgData name="Nahom Abera" userId="353caa7d06450a03" providerId="LiveId" clId="{7D592896-C443-454A-8922-6D678E27F5C1}" dt="2024-11-18T18:55:28.330" v="308" actId="113"/>
-          <ac:spMkLst>
-            <pc:docMk/>
-            <pc:sldMk cId="196379574" sldId="264"/>
-            <ac:spMk id="5" creationId="{0E15DB0F-C616-DBA7-9BC2-7DBA002B921B}"/>
-          </ac:spMkLst>
-        </pc:spChg>
       </pc:sldChg>
       <pc:sldChg chg="modSp mod">
         <pc:chgData name="Nahom Abera" userId="353caa7d06450a03" providerId="LiveId" clId="{7D592896-C443-454A-8922-6D678E27F5C1}" dt="2024-11-18T19:11:47.050" v="523" actId="113"/>
@@ -2120,22 +1364,6 @@
           <pc:docMk/>
           <pc:sldMk cId="1449609527" sldId="265"/>
         </pc:sldMkLst>
-        <pc:spChg chg="mod">
-          <ac:chgData name="Nahom Abera" userId="353caa7d06450a03" providerId="LiveId" clId="{7D592896-C443-454A-8922-6D678E27F5C1}" dt="2024-11-18T19:09:18.063" v="470" actId="255"/>
-          <ac:spMkLst>
-            <pc:docMk/>
-            <pc:sldMk cId="1449609527" sldId="265"/>
-            <ac:spMk id="4" creationId="{5F00C52E-271B-3C46-2729-388B1528ECF0}"/>
-          </ac:spMkLst>
-        </pc:spChg>
-        <pc:spChg chg="mod">
-          <ac:chgData name="Nahom Abera" userId="353caa7d06450a03" providerId="LiveId" clId="{7D592896-C443-454A-8922-6D678E27F5C1}" dt="2024-11-18T19:11:47.050" v="523" actId="113"/>
-          <ac:spMkLst>
-            <pc:docMk/>
-            <pc:sldMk cId="1449609527" sldId="265"/>
-            <ac:spMk id="5" creationId="{AC916008-D5E6-ECFD-D84B-C62A30355B2B}"/>
-          </ac:spMkLst>
-        </pc:spChg>
       </pc:sldChg>
       <pc:sldChg chg="addSp modSp mod">
         <pc:chgData name="Nahom Abera" userId="353caa7d06450a03" providerId="LiveId" clId="{7D592896-C443-454A-8922-6D678E27F5C1}" dt="2024-11-18T20:48:18.889" v="1550" actId="2710"/>
@@ -2143,54 +1371,6 @@
           <pc:docMk/>
           <pc:sldMk cId="3245614201" sldId="266"/>
         </pc:sldMkLst>
-        <pc:spChg chg="add">
-          <ac:chgData name="Nahom Abera" userId="353caa7d06450a03" providerId="LiveId" clId="{7D592896-C443-454A-8922-6D678E27F5C1}" dt="2024-11-18T18:56:34.214" v="314"/>
-          <ac:spMkLst>
-            <pc:docMk/>
-            <pc:sldMk cId="3245614201" sldId="266"/>
-            <ac:spMk id="2" creationId="{8B130B6E-3433-6765-9F5F-83BB4398DB11}"/>
-          </ac:spMkLst>
-        </pc:spChg>
-        <pc:spChg chg="add">
-          <ac:chgData name="Nahom Abera" userId="353caa7d06450a03" providerId="LiveId" clId="{7D592896-C443-454A-8922-6D678E27F5C1}" dt="2024-11-18T18:56:37.720" v="317"/>
-          <ac:spMkLst>
-            <pc:docMk/>
-            <pc:sldMk cId="3245614201" sldId="266"/>
-            <ac:spMk id="3" creationId="{DAC1A662-1BDF-8B53-5ADD-B0D5BA8568B3}"/>
-          </ac:spMkLst>
-        </pc:spChg>
-        <pc:spChg chg="mod">
-          <ac:chgData name="Nahom Abera" userId="353caa7d06450a03" providerId="LiveId" clId="{7D592896-C443-454A-8922-6D678E27F5C1}" dt="2024-11-18T18:56:18.444" v="313"/>
-          <ac:spMkLst>
-            <pc:docMk/>
-            <pc:sldMk cId="3245614201" sldId="266"/>
-            <ac:spMk id="4" creationId="{E363AB97-04D4-8BD5-181A-F0F40CE95BA4}"/>
-          </ac:spMkLst>
-        </pc:spChg>
-        <pc:spChg chg="mod">
-          <ac:chgData name="Nahom Abera" userId="353caa7d06450a03" providerId="LiveId" clId="{7D592896-C443-454A-8922-6D678E27F5C1}" dt="2024-11-18T20:48:18.889" v="1550" actId="2710"/>
-          <ac:spMkLst>
-            <pc:docMk/>
-            <pc:sldMk cId="3245614201" sldId="266"/>
-            <ac:spMk id="5" creationId="{4D0759F6-6B4A-EBC3-6776-46EA45D8756E}"/>
-          </ac:spMkLst>
-        </pc:spChg>
-        <pc:spChg chg="add">
-          <ac:chgData name="Nahom Abera" userId="353caa7d06450a03" providerId="LiveId" clId="{7D592896-C443-454A-8922-6D678E27F5C1}" dt="2024-11-18T18:56:41.399" v="319"/>
-          <ac:spMkLst>
-            <pc:docMk/>
-            <pc:sldMk cId="3245614201" sldId="266"/>
-            <ac:spMk id="6" creationId="{4C297E20-07B8-9686-1BD2-244D049D327A}"/>
-          </ac:spMkLst>
-        </pc:spChg>
-        <pc:spChg chg="add">
-          <ac:chgData name="Nahom Abera" userId="353caa7d06450a03" providerId="LiveId" clId="{7D592896-C443-454A-8922-6D678E27F5C1}" dt="2024-11-18T18:57:17.088" v="333"/>
-          <ac:spMkLst>
-            <pc:docMk/>
-            <pc:sldMk cId="3245614201" sldId="266"/>
-            <ac:spMk id="7" creationId="{3C338852-B0F3-8AC4-E1D5-CFD8A353FF09}"/>
-          </ac:spMkLst>
-        </pc:spChg>
       </pc:sldChg>
       <pc:sldChg chg="addSp modSp add mod">
         <pc:chgData name="Nahom Abera" userId="353caa7d06450a03" providerId="LiveId" clId="{7D592896-C443-454A-8922-6D678E27F5C1}" dt="2024-11-18T21:03:13.641" v="1576" actId="20577"/>
@@ -2198,38 +1378,6 @@
           <pc:docMk/>
           <pc:sldMk cId="2051251490" sldId="267"/>
         </pc:sldMkLst>
-        <pc:spChg chg="add">
-          <ac:chgData name="Nahom Abera" userId="353caa7d06450a03" providerId="LiveId" clId="{7D592896-C443-454A-8922-6D678E27F5C1}" dt="2024-11-18T19:13:57.700" v="622"/>
-          <ac:spMkLst>
-            <pc:docMk/>
-            <pc:sldMk cId="2051251490" sldId="267"/>
-            <ac:spMk id="2" creationId="{621F8587-8ABC-4880-B56F-7C2F21CB6CE6}"/>
-          </ac:spMkLst>
-        </pc:spChg>
-        <pc:spChg chg="add">
-          <ac:chgData name="Nahom Abera" userId="353caa7d06450a03" providerId="LiveId" clId="{7D592896-C443-454A-8922-6D678E27F5C1}" dt="2024-11-18T19:14:07.298" v="630"/>
-          <ac:spMkLst>
-            <pc:docMk/>
-            <pc:sldMk cId="2051251490" sldId="267"/>
-            <ac:spMk id="3" creationId="{14A3E24B-9BEB-19C3-99F3-431AF038AF2B}"/>
-          </ac:spMkLst>
-        </pc:spChg>
-        <pc:spChg chg="mod">
-          <ac:chgData name="Nahom Abera" userId="353caa7d06450a03" providerId="LiveId" clId="{7D592896-C443-454A-8922-6D678E27F5C1}" dt="2024-11-18T19:12:20.337" v="537"/>
-          <ac:spMkLst>
-            <pc:docMk/>
-            <pc:sldMk cId="2051251490" sldId="267"/>
-            <ac:spMk id="4" creationId="{732CEE5F-6218-52E1-E268-B1CB7D48441C}"/>
-          </ac:spMkLst>
-        </pc:spChg>
-        <pc:spChg chg="mod">
-          <ac:chgData name="Nahom Abera" userId="353caa7d06450a03" providerId="LiveId" clId="{7D592896-C443-454A-8922-6D678E27F5C1}" dt="2024-11-18T21:03:13.641" v="1576" actId="20577"/>
-          <ac:spMkLst>
-            <pc:docMk/>
-            <pc:sldMk cId="2051251490" sldId="267"/>
-            <ac:spMk id="5" creationId="{9AF305BF-C069-030C-6FDF-D2D1B499E75A}"/>
-          </ac:spMkLst>
-        </pc:spChg>
       </pc:sldChg>
       <pc:sldChg chg="modSp add mod">
         <pc:chgData name="Nahom Abera" userId="353caa7d06450a03" providerId="LiveId" clId="{7D592896-C443-454A-8922-6D678E27F5C1}" dt="2024-11-18T19:19:19.961" v="774" actId="113"/>
@@ -2237,22 +1385,6 @@
           <pc:docMk/>
           <pc:sldMk cId="3858812852" sldId="268"/>
         </pc:sldMkLst>
-        <pc:spChg chg="mod">
-          <ac:chgData name="Nahom Abera" userId="353caa7d06450a03" providerId="LiveId" clId="{7D592896-C443-454A-8922-6D678E27F5C1}" dt="2024-11-18T19:17:36.589" v="682" actId="255"/>
-          <ac:spMkLst>
-            <pc:docMk/>
-            <pc:sldMk cId="3858812852" sldId="268"/>
-            <ac:spMk id="4" creationId="{B2CC604B-1AA4-2015-4CB9-CA2A12A7DFE1}"/>
-          </ac:spMkLst>
-        </pc:spChg>
-        <pc:spChg chg="mod">
-          <ac:chgData name="Nahom Abera" userId="353caa7d06450a03" providerId="LiveId" clId="{7D592896-C443-454A-8922-6D678E27F5C1}" dt="2024-11-18T19:19:19.961" v="774" actId="113"/>
-          <ac:spMkLst>
-            <pc:docMk/>
-            <pc:sldMk cId="3858812852" sldId="268"/>
-            <ac:spMk id="5" creationId="{31474F62-CC43-A206-1E15-0CFE5FD4E792}"/>
-          </ac:spMkLst>
-        </pc:spChg>
       </pc:sldChg>
       <pc:sldChg chg="addSp modSp add mod">
         <pc:chgData name="Nahom Abera" userId="353caa7d06450a03" providerId="LiveId" clId="{7D592896-C443-454A-8922-6D678E27F5C1}" dt="2024-11-18T20:21:26.342" v="1264" actId="20577"/>
@@ -2260,70 +1392,6 @@
           <pc:docMk/>
           <pc:sldMk cId="3279245370" sldId="269"/>
         </pc:sldMkLst>
-        <pc:spChg chg="mod">
-          <ac:chgData name="Nahom Abera" userId="353caa7d06450a03" providerId="LiveId" clId="{7D592896-C443-454A-8922-6D678E27F5C1}" dt="2024-11-18T19:23:32.811" v="777"/>
-          <ac:spMkLst>
-            <pc:docMk/>
-            <pc:sldMk cId="3279245370" sldId="269"/>
-            <ac:spMk id="4" creationId="{ED21A7B7-83CC-BC1F-373C-F59506F88AFE}"/>
-          </ac:spMkLst>
-        </pc:spChg>
-        <pc:spChg chg="mod">
-          <ac:chgData name="Nahom Abera" userId="353caa7d06450a03" providerId="LiveId" clId="{7D592896-C443-454A-8922-6D678E27F5C1}" dt="2024-11-18T20:21:26.342" v="1264" actId="20577"/>
-          <ac:spMkLst>
-            <pc:docMk/>
-            <pc:sldMk cId="3279245370" sldId="269"/>
-            <ac:spMk id="5" creationId="{69193057-EDED-879D-1261-1988D06211E2}"/>
-          </ac:spMkLst>
-        </pc:spChg>
-        <pc:graphicFrameChg chg="add mod">
-          <ac:chgData name="Nahom Abera" userId="353caa7d06450a03" providerId="LiveId" clId="{7D592896-C443-454A-8922-6D678E27F5C1}" dt="2024-11-18T19:23:48.581" v="785"/>
-          <ac:graphicFrameMkLst>
-            <pc:docMk/>
-            <pc:sldMk cId="3279245370" sldId="269"/>
-            <ac:graphicFrameMk id="2" creationId="{C4B6AE42-05A5-D25C-C3A6-20F508023F92}"/>
-          </ac:graphicFrameMkLst>
-        </pc:graphicFrameChg>
-        <pc:graphicFrameChg chg="add mod">
-          <ac:chgData name="Nahom Abera" userId="353caa7d06450a03" providerId="LiveId" clId="{7D592896-C443-454A-8922-6D678E27F5C1}" dt="2024-11-18T19:23:48.581" v="785"/>
-          <ac:graphicFrameMkLst>
-            <pc:docMk/>
-            <pc:sldMk cId="3279245370" sldId="269"/>
-            <ac:graphicFrameMk id="3" creationId="{CD53F643-1514-945E-5CF1-867E6946BF82}"/>
-          </ac:graphicFrameMkLst>
-        </pc:graphicFrameChg>
-        <pc:graphicFrameChg chg="add mod">
-          <ac:chgData name="Nahom Abera" userId="353caa7d06450a03" providerId="LiveId" clId="{7D592896-C443-454A-8922-6D678E27F5C1}" dt="2024-11-18T19:23:48.581" v="785"/>
-          <ac:graphicFrameMkLst>
-            <pc:docMk/>
-            <pc:sldMk cId="3279245370" sldId="269"/>
-            <ac:graphicFrameMk id="6" creationId="{E02C7E12-6038-14E4-2BCE-73AC42105D7D}"/>
-          </ac:graphicFrameMkLst>
-        </pc:graphicFrameChg>
-        <pc:graphicFrameChg chg="add mod">
-          <ac:chgData name="Nahom Abera" userId="353caa7d06450a03" providerId="LiveId" clId="{7D592896-C443-454A-8922-6D678E27F5C1}" dt="2024-11-18T19:23:48.581" v="785"/>
-          <ac:graphicFrameMkLst>
-            <pc:docMk/>
-            <pc:sldMk cId="3279245370" sldId="269"/>
-            <ac:graphicFrameMk id="7" creationId="{50DC6FBF-5B4D-683F-4D84-2CBFE291285B}"/>
-          </ac:graphicFrameMkLst>
-        </pc:graphicFrameChg>
-        <pc:graphicFrameChg chg="add mod">
-          <ac:chgData name="Nahom Abera" userId="353caa7d06450a03" providerId="LiveId" clId="{7D592896-C443-454A-8922-6D678E27F5C1}" dt="2024-11-18T19:23:48.581" v="785"/>
-          <ac:graphicFrameMkLst>
-            <pc:docMk/>
-            <pc:sldMk cId="3279245370" sldId="269"/>
-            <ac:graphicFrameMk id="8" creationId="{9E862A9A-8580-B9D6-9B35-5E32315FE0D0}"/>
-          </ac:graphicFrameMkLst>
-        </pc:graphicFrameChg>
-        <pc:graphicFrameChg chg="add mod modGraphic">
-          <ac:chgData name="Nahom Abera" userId="353caa7d06450a03" providerId="LiveId" clId="{7D592896-C443-454A-8922-6D678E27F5C1}" dt="2024-11-18T19:26:21.977" v="809" actId="1076"/>
-          <ac:graphicFrameMkLst>
-            <pc:docMk/>
-            <pc:sldMk cId="3279245370" sldId="269"/>
-            <ac:graphicFrameMk id="9" creationId="{42E763C8-3E19-38A5-F84E-BA18D5AD3C3E}"/>
-          </ac:graphicFrameMkLst>
-        </pc:graphicFrameChg>
       </pc:sldChg>
       <pc:sldChg chg="modSp add del mod">
         <pc:chgData name="Nahom Abera" userId="353caa7d06450a03" providerId="LiveId" clId="{7D592896-C443-454A-8922-6D678E27F5C1}" dt="2024-11-18T19:28:57.500" v="838" actId="2696"/>
@@ -2331,14 +1399,6 @@
           <pc:docMk/>
           <pc:sldMk cId="19490528" sldId="270"/>
         </pc:sldMkLst>
-        <pc:spChg chg="mod">
-          <ac:chgData name="Nahom Abera" userId="353caa7d06450a03" providerId="LiveId" clId="{7D592896-C443-454A-8922-6D678E27F5C1}" dt="2024-11-18T19:28:04.564" v="835"/>
-          <ac:spMkLst>
-            <pc:docMk/>
-            <pc:sldMk cId="19490528" sldId="270"/>
-            <ac:spMk id="4" creationId="{B14CDEB3-8A83-44D9-B67D-7D47B606360B}"/>
-          </ac:spMkLst>
-        </pc:spChg>
       </pc:sldChg>
       <pc:sldChg chg="modSp add mod">
         <pc:chgData name="Nahom Abera" userId="353caa7d06450a03" providerId="LiveId" clId="{7D592896-C443-454A-8922-6D678E27F5C1}" dt="2024-11-18T20:30:09.937" v="1378" actId="113"/>
@@ -2346,22 +1406,6 @@
           <pc:docMk/>
           <pc:sldMk cId="2445429715" sldId="271"/>
         </pc:sldMkLst>
-        <pc:spChg chg="mod">
-          <ac:chgData name="Nahom Abera" userId="353caa7d06450a03" providerId="LiveId" clId="{7D592896-C443-454A-8922-6D678E27F5C1}" dt="2024-11-18T20:26:45.949" v="1316" actId="255"/>
-          <ac:spMkLst>
-            <pc:docMk/>
-            <pc:sldMk cId="2445429715" sldId="271"/>
-            <ac:spMk id="4" creationId="{F3DB6C75-656E-F49F-ECD7-B07B54B094F8}"/>
-          </ac:spMkLst>
-        </pc:spChg>
-        <pc:spChg chg="mod">
-          <ac:chgData name="Nahom Abera" userId="353caa7d06450a03" providerId="LiveId" clId="{7D592896-C443-454A-8922-6D678E27F5C1}" dt="2024-11-18T20:30:09.937" v="1378" actId="113"/>
-          <ac:spMkLst>
-            <pc:docMk/>
-            <pc:sldMk cId="2445429715" sldId="271"/>
-            <ac:spMk id="5" creationId="{47552E03-AEE7-6313-60B2-A684718AD201}"/>
-          </ac:spMkLst>
-        </pc:spChg>
       </pc:sldChg>
       <pc:sldChg chg="add del">
         <pc:chgData name="Nahom Abera" userId="353caa7d06450a03" providerId="LiveId" clId="{7D592896-C443-454A-8922-6D678E27F5C1}" dt="2024-11-18T19:56:29.479" v="1041" actId="47"/>
@@ -2397,86 +1441,6 @@
           <pc:docMk/>
           <pc:sldMk cId="2156426386" sldId="276"/>
         </pc:sldMkLst>
-        <pc:spChg chg="del mod ord">
-          <ac:chgData name="Nahom Abera" userId="353caa7d06450a03" providerId="LiveId" clId="{7D592896-C443-454A-8922-6D678E27F5C1}" dt="2024-11-18T19:28:43.597" v="837" actId="700"/>
-          <ac:spMkLst>
-            <pc:docMk/>
-            <pc:sldMk cId="2156426386" sldId="276"/>
-            <ac:spMk id="2" creationId="{D32B26E6-633D-6AA3-9812-935F5A796D67}"/>
-          </ac:spMkLst>
-        </pc:spChg>
-        <pc:spChg chg="del mod ord">
-          <ac:chgData name="Nahom Abera" userId="353caa7d06450a03" providerId="LiveId" clId="{7D592896-C443-454A-8922-6D678E27F5C1}" dt="2024-11-18T19:28:43.597" v="837" actId="700"/>
-          <ac:spMkLst>
-            <pc:docMk/>
-            <pc:sldMk cId="2156426386" sldId="276"/>
-            <ac:spMk id="3" creationId="{C5520AC6-FBDB-1113-A363-A50CD7086A4C}"/>
-          </ac:spMkLst>
-        </pc:spChg>
-        <pc:spChg chg="add mod ord">
-          <ac:chgData name="Nahom Abera" userId="353caa7d06450a03" providerId="LiveId" clId="{7D592896-C443-454A-8922-6D678E27F5C1}" dt="2024-11-18T19:29:24.204" v="842" actId="113"/>
-          <ac:spMkLst>
-            <pc:docMk/>
-            <pc:sldMk cId="2156426386" sldId="276"/>
-            <ac:spMk id="4" creationId="{52949CE9-F14B-7DA8-76AD-29C585773329}"/>
-          </ac:spMkLst>
-        </pc:spChg>
-        <pc:spChg chg="add mod ord">
-          <ac:chgData name="Nahom Abera" userId="353caa7d06450a03" providerId="LiveId" clId="{7D592896-C443-454A-8922-6D678E27F5C1}" dt="2024-11-18T20:25:54.432" v="1311" actId="255"/>
-          <ac:spMkLst>
-            <pc:docMk/>
-            <pc:sldMk cId="2156426386" sldId="276"/>
-            <ac:spMk id="5" creationId="{C9AF2350-0638-EE4F-3BB7-4DD252F03955}"/>
-          </ac:spMkLst>
-        </pc:spChg>
-        <pc:spChg chg="add mod ord">
-          <ac:chgData name="Nahom Abera" userId="353caa7d06450a03" providerId="LiveId" clId="{7D592896-C443-454A-8922-6D678E27F5C1}" dt="2024-11-18T19:31:33.585" v="878" actId="14100"/>
-          <ac:spMkLst>
-            <pc:docMk/>
-            <pc:sldMk cId="2156426386" sldId="276"/>
-            <ac:spMk id="6" creationId="{3D6BA702-F9A3-E3A4-3A6B-B4CA1A435ACA}"/>
-          </ac:spMkLst>
-        </pc:spChg>
-        <pc:spChg chg="add">
-          <ac:chgData name="Nahom Abera" userId="353caa7d06450a03" providerId="LiveId" clId="{7D592896-C443-454A-8922-6D678E27F5C1}" dt="2024-11-18T19:29:41.204" v="846"/>
-          <ac:spMkLst>
-            <pc:docMk/>
-            <pc:sldMk cId="2156426386" sldId="276"/>
-            <ac:spMk id="7" creationId="{1A8089F1-5C35-2A10-85B6-F17DB6B72E94}"/>
-          </ac:spMkLst>
-        </pc:spChg>
-        <pc:spChg chg="add">
-          <ac:chgData name="Nahom Abera" userId="353caa7d06450a03" providerId="LiveId" clId="{7D592896-C443-454A-8922-6D678E27F5C1}" dt="2024-11-18T20:21:48.367" v="1265"/>
-          <ac:spMkLst>
-            <pc:docMk/>
-            <pc:sldMk cId="2156426386" sldId="276"/>
-            <ac:spMk id="10" creationId="{7B356C49-A604-6C20-9F47-8884AEB40B80}"/>
-          </ac:spMkLst>
-        </pc:spChg>
-        <pc:spChg chg="add">
-          <ac:chgData name="Nahom Abera" userId="353caa7d06450a03" providerId="LiveId" clId="{7D592896-C443-454A-8922-6D678E27F5C1}" dt="2024-11-18T20:21:53.906" v="1270"/>
-          <ac:spMkLst>
-            <pc:docMk/>
-            <pc:sldMk cId="2156426386" sldId="276"/>
-            <ac:spMk id="11" creationId="{0736F2DA-7142-6F61-55A9-E9122134397B}"/>
-          </ac:spMkLst>
-        </pc:spChg>
-        <pc:spChg chg="add">
-          <ac:chgData name="Nahom Abera" userId="353caa7d06450a03" providerId="LiveId" clId="{7D592896-C443-454A-8922-6D678E27F5C1}" dt="2024-11-18T20:22:55.921" v="1286"/>
-          <ac:spMkLst>
-            <pc:docMk/>
-            <pc:sldMk cId="2156426386" sldId="276"/>
-            <ac:spMk id="12" creationId="{853C67E7-9760-D88C-C673-3E11843E9369}"/>
-          </ac:spMkLst>
-        </pc:spChg>
-        <pc:picChg chg="add mod">
-          <ac:chgData name="Nahom Abera" userId="353caa7d06450a03" providerId="LiveId" clId="{7D592896-C443-454A-8922-6D678E27F5C1}" dt="2024-11-18T19:31:45.216" v="881" actId="14100"/>
-          <ac:picMkLst>
-            <pc:docMk/>
-            <pc:sldMk cId="2156426386" sldId="276"/>
-            <ac:picMk id="9" creationId="{95D84CE8-B7B7-8158-BE6F-53876417F5C0}"/>
-          </ac:picMkLst>
-        </pc:picChg>
       </pc:sldChg>
       <pc:sldChg chg="addSp delSp modSp add mod">
         <pc:chgData name="Nahom Abera" userId="353caa7d06450a03" providerId="LiveId" clId="{7D592896-C443-454A-8922-6D678E27F5C1}" dt="2024-11-18T20:32:40.277" v="1425"/>
@@ -2484,30 +1448,6 @@
           <pc:docMk/>
           <pc:sldMk cId="4271672237" sldId="277"/>
         </pc:sldMkLst>
-        <pc:spChg chg="add del mod">
-          <ac:chgData name="Nahom Abera" userId="353caa7d06450a03" providerId="LiveId" clId="{7D592896-C443-454A-8922-6D678E27F5C1}" dt="2024-11-18T20:32:40.277" v="1425"/>
-          <ac:spMkLst>
-            <pc:docMk/>
-            <pc:sldMk cId="4271672237" sldId="277"/>
-            <ac:spMk id="2" creationId="{01B1AE1A-1347-C09C-0509-E954926F32FA}"/>
-          </ac:spMkLst>
-        </pc:spChg>
-        <pc:spChg chg="mod">
-          <ac:chgData name="Nahom Abera" userId="353caa7d06450a03" providerId="LiveId" clId="{7D592896-C443-454A-8922-6D678E27F5C1}" dt="2024-11-18T20:30:56.345" v="1388"/>
-          <ac:spMkLst>
-            <pc:docMk/>
-            <pc:sldMk cId="4271672237" sldId="277"/>
-            <ac:spMk id="4" creationId="{D335847D-FDB2-50F8-6221-EDB7E52D5039}"/>
-          </ac:spMkLst>
-        </pc:spChg>
-        <pc:spChg chg="mod">
-          <ac:chgData name="Nahom Abera" userId="353caa7d06450a03" providerId="LiveId" clId="{7D592896-C443-454A-8922-6D678E27F5C1}" dt="2024-11-18T20:32:37.073" v="1423" actId="113"/>
-          <ac:spMkLst>
-            <pc:docMk/>
-            <pc:sldMk cId="4271672237" sldId="277"/>
-            <ac:spMk id="5" creationId="{D5772677-4423-0197-B849-1BB2298265D3}"/>
-          </ac:spMkLst>
-        </pc:spChg>
       </pc:sldChg>
       <pc:sldChg chg="new del">
         <pc:chgData name="Nahom Abera" userId="353caa7d06450a03" providerId="LiveId" clId="{7D592896-C443-454A-8922-6D678E27F5C1}" dt="2024-11-18T20:34:23.612" v="1432" actId="47"/>
@@ -2522,22 +1462,6 @@
           <pc:docMk/>
           <pc:sldMk cId="1661413565" sldId="279"/>
         </pc:sldMkLst>
-        <pc:spChg chg="mod">
-          <ac:chgData name="Nahom Abera" userId="353caa7d06450a03" providerId="LiveId" clId="{7D592896-C443-454A-8922-6D678E27F5C1}" dt="2024-11-18T20:34:15.571" v="1431" actId="113"/>
-          <ac:spMkLst>
-            <pc:docMk/>
-            <pc:sldMk cId="1661413565" sldId="279"/>
-            <ac:spMk id="2" creationId="{F45B76E0-D66F-D28C-E0C0-578459987B0C}"/>
-          </ac:spMkLst>
-        </pc:spChg>
-        <pc:spChg chg="mod">
-          <ac:chgData name="Nahom Abera" userId="353caa7d06450a03" providerId="LiveId" clId="{7D592896-C443-454A-8922-6D678E27F5C1}" dt="2024-11-18T20:38:13.089" v="1503" actId="113"/>
-          <ac:spMkLst>
-            <pc:docMk/>
-            <pc:sldMk cId="1661413565" sldId="279"/>
-            <ac:spMk id="3" creationId="{B8D689E1-B21D-B4A9-D3FC-3F1E6546A1CE}"/>
-          </ac:spMkLst>
-        </pc:spChg>
       </pc:sldChg>
       <pc:sldChg chg="modSp new mod">
         <pc:chgData name="Nahom Abera" userId="353caa7d06450a03" providerId="LiveId" clId="{7D592896-C443-454A-8922-6D678E27F5C1}" dt="2024-11-18T20:37:35.012" v="1500" actId="113"/>
@@ -2545,22 +1469,6 @@
           <pc:docMk/>
           <pc:sldMk cId="4064847051" sldId="280"/>
         </pc:sldMkLst>
-        <pc:spChg chg="mod">
-          <ac:chgData name="Nahom Abera" userId="353caa7d06450a03" providerId="LiveId" clId="{7D592896-C443-454A-8922-6D678E27F5C1}" dt="2024-11-18T20:36:24.846" v="1470" actId="113"/>
-          <ac:spMkLst>
-            <pc:docMk/>
-            <pc:sldMk cId="4064847051" sldId="280"/>
-            <ac:spMk id="2" creationId="{A4DBC502-FFC4-1655-C141-C28B549B6B00}"/>
-          </ac:spMkLst>
-        </pc:spChg>
-        <pc:spChg chg="mod">
-          <ac:chgData name="Nahom Abera" userId="353caa7d06450a03" providerId="LiveId" clId="{7D592896-C443-454A-8922-6D678E27F5C1}" dt="2024-11-18T20:37:35.012" v="1500" actId="113"/>
-          <ac:spMkLst>
-            <pc:docMk/>
-            <pc:sldMk cId="4064847051" sldId="280"/>
-            <ac:spMk id="3" creationId="{82206338-CD65-ADAD-D685-E80759758398}"/>
-          </ac:spMkLst>
-        </pc:spChg>
       </pc:sldChg>
       <pc:sldChg chg="modSp new mod modClrScheme chgLayout">
         <pc:chgData name="Nahom Abera" userId="353caa7d06450a03" providerId="LiveId" clId="{7D592896-C443-454A-8922-6D678E27F5C1}" dt="2024-11-18T21:04:36.252" v="1591" actId="14100"/>
@@ -3150,6 +2058,72 @@
 </p:notes>
 </file>
 
+<file path=ppt/notesSlides/notesSlide10.xml><?xml version="1.0" encoding="utf-8"?>
+<p:notes xmlns:a="http://schemas.openxmlformats.org/drawingml/2006/main" xmlns:r="http://schemas.openxmlformats.org/officeDocument/2006/relationships" xmlns:p="http://schemas.openxmlformats.org/presentationml/2006/main">
+  <p:cSld>
+    <p:spTree>
+      <p:nvGrpSpPr>
+        <p:cNvPr id="1" name=""/>
+        <p:cNvGrpSpPr/>
+        <p:nvPr/>
+      </p:nvGrpSpPr>
+      <p:grpSpPr>
+        <a:xfrm>
+          <a:off x="0" y="0"/>
+          <a:ext cx="0" cy="0"/>
+          <a:chOff x="0" y="0"/>
+          <a:chExt cx="0" cy="0"/>
+        </a:xfrm>
+      </p:grpSpPr>
+      <p:sp>
+        <p:nvSpPr>
+          <p:cNvPr id="2" name="Slide Image Placeholder 1"/>
+          <p:cNvSpPr>
+            <a:spLocks noGrp="1" noRot="1" noChangeAspect="1"/>
+          </p:cNvSpPr>
+          <p:nvPr>
+            <p:ph type="sldImg"/>
+          </p:nvPr>
+        </p:nvSpPr>
+        <p:spPr>
+          <a:xfrm>
+            <a:off x="381000" y="685800"/>
+            <a:ext cx="6096000" cy="3429000"/>
+          </a:xfrm>
+        </p:spPr>
+      </p:sp>
+      <p:sp>
+        <p:nvSpPr>
+          <p:cNvPr id="3" name="Notes Placeholder 2"/>
+          <p:cNvSpPr>
+            <a:spLocks noGrp="1"/>
+          </p:cNvSpPr>
+          <p:nvPr>
+            <p:ph type="body" idx="1"/>
+          </p:nvPr>
+        </p:nvSpPr>
+        <p:spPr/>
+        <p:txBody>
+          <a:bodyPr/>
+          <a:lstStyle/>
+          <a:p>
+            <a:endParaRPr lang="en-US" dirty="0"/>
+          </a:p>
+        </p:txBody>
+      </p:sp>
+    </p:spTree>
+    <p:extLst>
+      <p:ext uri="{BB962C8B-B14F-4D97-AF65-F5344CB8AC3E}">
+        <p14:creationId xmlns:p14="http://schemas.microsoft.com/office/powerpoint/2010/main" val="3433269747"/>
+      </p:ext>
+    </p:extLst>
+  </p:cSld>
+  <p:clrMapOvr>
+    <a:masterClrMapping/>
+  </p:clrMapOvr>
+</p:notes>
+</file>
+
 <file path=ppt/notesSlides/notesSlide2.xml><?xml version="1.0" encoding="utf-8"?>
 <p:notes xmlns:a="http://schemas.openxmlformats.org/drawingml/2006/main" xmlns:r="http://schemas.openxmlformats.org/officeDocument/2006/relationships" xmlns:p="http://schemas.openxmlformats.org/presentationml/2006/main">
   <p:cSld>
@@ -3470,7 +2444,7 @@
     </p:spTree>
     <p:extLst>
       <p:ext uri="{BB962C8B-B14F-4D97-AF65-F5344CB8AC3E}">
-        <p14:creationId xmlns:p14="http://schemas.microsoft.com/office/powerpoint/2010/main" val="415139166"/>
+        <p14:creationId xmlns:p14="http://schemas.microsoft.com/office/powerpoint/2010/main" val="383513794"/>
       </p:ext>
     </p:extLst>
   </p:cSld>
@@ -3536,7 +2510,7 @@
     </p:spTree>
     <p:extLst>
       <p:ext uri="{BB962C8B-B14F-4D97-AF65-F5344CB8AC3E}">
-        <p14:creationId xmlns:p14="http://schemas.microsoft.com/office/powerpoint/2010/main" val="213835609"/>
+        <p14:creationId xmlns:p14="http://schemas.microsoft.com/office/powerpoint/2010/main" val="2883166984"/>
       </p:ext>
     </p:extLst>
   </p:cSld>
@@ -3602,7 +2576,73 @@
     </p:spTree>
     <p:extLst>
       <p:ext uri="{BB962C8B-B14F-4D97-AF65-F5344CB8AC3E}">
-        <p14:creationId xmlns:p14="http://schemas.microsoft.com/office/powerpoint/2010/main" val="3433269747"/>
+        <p14:creationId xmlns:p14="http://schemas.microsoft.com/office/powerpoint/2010/main" val="415139166"/>
+      </p:ext>
+    </p:extLst>
+  </p:cSld>
+  <p:clrMapOvr>
+    <a:masterClrMapping/>
+  </p:clrMapOvr>
+</p:notes>
+</file>
+
+<file path=ppt/notesSlides/notesSlide9.xml><?xml version="1.0" encoding="utf-8"?>
+<p:notes xmlns:a="http://schemas.openxmlformats.org/drawingml/2006/main" xmlns:r="http://schemas.openxmlformats.org/officeDocument/2006/relationships" xmlns:p="http://schemas.openxmlformats.org/presentationml/2006/main">
+  <p:cSld>
+    <p:spTree>
+      <p:nvGrpSpPr>
+        <p:cNvPr id="1" name=""/>
+        <p:cNvGrpSpPr/>
+        <p:nvPr/>
+      </p:nvGrpSpPr>
+      <p:grpSpPr>
+        <a:xfrm>
+          <a:off x="0" y="0"/>
+          <a:ext cx="0" cy="0"/>
+          <a:chOff x="0" y="0"/>
+          <a:chExt cx="0" cy="0"/>
+        </a:xfrm>
+      </p:grpSpPr>
+      <p:sp>
+        <p:nvSpPr>
+          <p:cNvPr id="2" name="Slide Image Placeholder 1"/>
+          <p:cNvSpPr>
+            <a:spLocks noGrp="1" noRot="1" noChangeAspect="1"/>
+          </p:cNvSpPr>
+          <p:nvPr>
+            <p:ph type="sldImg"/>
+          </p:nvPr>
+        </p:nvSpPr>
+        <p:spPr>
+          <a:xfrm>
+            <a:off x="381000" y="685800"/>
+            <a:ext cx="6096000" cy="3429000"/>
+          </a:xfrm>
+        </p:spPr>
+      </p:sp>
+      <p:sp>
+        <p:nvSpPr>
+          <p:cNvPr id="3" name="Notes Placeholder 2"/>
+          <p:cNvSpPr>
+            <a:spLocks noGrp="1"/>
+          </p:cNvSpPr>
+          <p:nvPr>
+            <p:ph type="body" idx="1"/>
+          </p:nvPr>
+        </p:nvSpPr>
+        <p:spPr/>
+        <p:txBody>
+          <a:bodyPr/>
+          <a:lstStyle/>
+          <a:p>
+            <a:endParaRPr lang="en-US" dirty="0"/>
+          </a:p>
+        </p:txBody>
+      </p:sp>
+    </p:spTree>
+    <p:extLst>
+      <p:ext uri="{BB962C8B-B14F-4D97-AF65-F5344CB8AC3E}">
+        <p14:creationId xmlns:p14="http://schemas.microsoft.com/office/powerpoint/2010/main" val="213835609"/>
       </p:ext>
     </p:extLst>
   </p:cSld>
@@ -5150,546 +4190,6 @@
 </file>
 
 <file path=ppt/slideLayouts/slideLayout3.xml><?xml version="1.0" encoding="utf-8"?>
-<p:sldLayout xmlns:a="http://schemas.openxmlformats.org/drawingml/2006/main" xmlns:r="http://schemas.openxmlformats.org/officeDocument/2006/relationships" xmlns:p="http://schemas.openxmlformats.org/presentationml/2006/main" matchingName="Title Only" type="titleOnly">
-  <p:cSld name="TITLE_ONLY">
-    <p:spTree>
-      <p:nvGrpSpPr>
-        <p:cNvPr id="1" name="Shape 62"/>
-        <p:cNvGrpSpPr/>
-        <p:nvPr/>
-      </p:nvGrpSpPr>
-      <p:grpSpPr>
-        <a:xfrm>
-          <a:off x="0" y="0"/>
-          <a:ext cx="0" cy="0"/>
-          <a:chOff x="0" y="0"/>
-          <a:chExt cx="0" cy="0"/>
-        </a:xfrm>
-      </p:grpSpPr>
-      <p:sp>
-        <p:nvSpPr>
-          <p:cNvPr id="63" name="Google Shape;63;p9"/>
-          <p:cNvSpPr txBox="1">
-            <a:spLocks noGrp="1"/>
-          </p:cNvSpPr>
-          <p:nvPr>
-            <p:ph type="title"/>
-          </p:nvPr>
-        </p:nvSpPr>
-        <p:spPr>
-          <a:xfrm>
-            <a:off x="1261872" y="365760"/>
-            <a:ext cx="9692640" cy="1325562"/>
-          </a:xfrm>
-          <a:prstGeom prst="rect">
-            <a:avLst/>
-          </a:prstGeom>
-          <a:noFill/>
-          <a:ln>
-            <a:noFill/>
-          </a:ln>
-        </p:spPr>
-        <p:txBody>
-          <a:bodyPr spcFirstLastPara="1" wrap="square" lIns="91425" tIns="45700" rIns="91425" bIns="45700" anchor="b" anchorCtr="0">
-            <a:normAutofit/>
-          </a:bodyPr>
-          <a:lstStyle>
-            <a:lvl1pPr lvl="0" algn="l">
-              <a:lnSpc>
-                <a:spcPct val="90000"/>
-              </a:lnSpc>
-              <a:spcBef>
-                <a:spcPts val="0"/>
-              </a:spcBef>
-              <a:spcAft>
-                <a:spcPts val="0"/>
-              </a:spcAft>
-              <a:buClr>
-                <a:schemeClr val="dk1"/>
-              </a:buClr>
-              <a:buSzPts val="1800"/>
-              <a:buNone/>
-              <a:defRPr/>
-            </a:lvl1pPr>
-            <a:lvl2pPr lvl="1">
-              <a:spcBef>
-                <a:spcPts val="0"/>
-              </a:spcBef>
-              <a:spcAft>
-                <a:spcPts val="0"/>
-              </a:spcAft>
-              <a:buSzPts val="1400"/>
-              <a:buNone/>
-              <a:defRPr/>
-            </a:lvl2pPr>
-            <a:lvl3pPr lvl="2">
-              <a:spcBef>
-                <a:spcPts val="0"/>
-              </a:spcBef>
-              <a:spcAft>
-                <a:spcPts val="0"/>
-              </a:spcAft>
-              <a:buSzPts val="1400"/>
-              <a:buNone/>
-              <a:defRPr/>
-            </a:lvl3pPr>
-            <a:lvl4pPr lvl="3">
-              <a:spcBef>
-                <a:spcPts val="0"/>
-              </a:spcBef>
-              <a:spcAft>
-                <a:spcPts val="0"/>
-              </a:spcAft>
-              <a:buSzPts val="1400"/>
-              <a:buNone/>
-              <a:defRPr/>
-            </a:lvl4pPr>
-            <a:lvl5pPr lvl="4">
-              <a:spcBef>
-                <a:spcPts val="0"/>
-              </a:spcBef>
-              <a:spcAft>
-                <a:spcPts val="0"/>
-              </a:spcAft>
-              <a:buSzPts val="1400"/>
-              <a:buNone/>
-              <a:defRPr/>
-            </a:lvl5pPr>
-            <a:lvl6pPr lvl="5">
-              <a:spcBef>
-                <a:spcPts val="0"/>
-              </a:spcBef>
-              <a:spcAft>
-                <a:spcPts val="0"/>
-              </a:spcAft>
-              <a:buSzPts val="1400"/>
-              <a:buNone/>
-              <a:defRPr/>
-            </a:lvl6pPr>
-            <a:lvl7pPr lvl="6">
-              <a:spcBef>
-                <a:spcPts val="0"/>
-              </a:spcBef>
-              <a:spcAft>
-                <a:spcPts val="0"/>
-              </a:spcAft>
-              <a:buSzPts val="1400"/>
-              <a:buNone/>
-              <a:defRPr/>
-            </a:lvl7pPr>
-            <a:lvl8pPr lvl="7">
-              <a:spcBef>
-                <a:spcPts val="0"/>
-              </a:spcBef>
-              <a:spcAft>
-                <a:spcPts val="0"/>
-              </a:spcAft>
-              <a:buSzPts val="1400"/>
-              <a:buNone/>
-              <a:defRPr/>
-            </a:lvl8pPr>
-            <a:lvl9pPr lvl="8">
-              <a:spcBef>
-                <a:spcPts val="0"/>
-              </a:spcBef>
-              <a:spcAft>
-                <a:spcPts val="0"/>
-              </a:spcAft>
-              <a:buSzPts val="1400"/>
-              <a:buNone/>
-              <a:defRPr/>
-            </a:lvl9pPr>
-          </a:lstStyle>
-          <a:p>
-            <a:endParaRPr/>
-          </a:p>
-        </p:txBody>
-      </p:sp>
-      <p:sp>
-        <p:nvSpPr>
-          <p:cNvPr id="64" name="Google Shape;64;p9"/>
-          <p:cNvSpPr txBox="1">
-            <a:spLocks noGrp="1"/>
-          </p:cNvSpPr>
-          <p:nvPr>
-            <p:ph type="dt" idx="10"/>
-          </p:nvPr>
-        </p:nvSpPr>
-        <p:spPr>
-          <a:xfrm rot="-5400000">
-            <a:off x="10797542" y="998537"/>
-            <a:ext cx="1904999" cy="365125"/>
-          </a:xfrm>
-          <a:prstGeom prst="rect">
-            <a:avLst/>
-          </a:prstGeom>
-          <a:noFill/>
-          <a:ln>
-            <a:noFill/>
-          </a:ln>
-        </p:spPr>
-        <p:txBody>
-          <a:bodyPr spcFirstLastPara="1" wrap="square" lIns="91425" tIns="45700" rIns="91425" bIns="45700" anchor="ctr" anchorCtr="0">
-            <a:noAutofit/>
-          </a:bodyPr>
-          <a:lstStyle>
-            <a:lvl1pPr lvl="0" algn="r">
-              <a:spcBef>
-                <a:spcPts val="0"/>
-              </a:spcBef>
-              <a:spcAft>
-                <a:spcPts val="0"/>
-              </a:spcAft>
-              <a:buSzPts val="1400"/>
-              <a:buNone/>
-              <a:defRPr/>
-            </a:lvl1pPr>
-            <a:lvl2pPr lvl="1" algn="l">
-              <a:spcBef>
-                <a:spcPts val="0"/>
-              </a:spcBef>
-              <a:spcAft>
-                <a:spcPts val="0"/>
-              </a:spcAft>
-              <a:buSzPts val="1400"/>
-              <a:buNone/>
-              <a:defRPr/>
-            </a:lvl2pPr>
-            <a:lvl3pPr lvl="2" algn="l">
-              <a:spcBef>
-                <a:spcPts val="0"/>
-              </a:spcBef>
-              <a:spcAft>
-                <a:spcPts val="0"/>
-              </a:spcAft>
-              <a:buSzPts val="1400"/>
-              <a:buNone/>
-              <a:defRPr/>
-            </a:lvl3pPr>
-            <a:lvl4pPr lvl="3" algn="l">
-              <a:spcBef>
-                <a:spcPts val="0"/>
-              </a:spcBef>
-              <a:spcAft>
-                <a:spcPts val="0"/>
-              </a:spcAft>
-              <a:buSzPts val="1400"/>
-              <a:buNone/>
-              <a:defRPr/>
-            </a:lvl4pPr>
-            <a:lvl5pPr lvl="4" algn="l">
-              <a:spcBef>
-                <a:spcPts val="0"/>
-              </a:spcBef>
-              <a:spcAft>
-                <a:spcPts val="0"/>
-              </a:spcAft>
-              <a:buSzPts val="1400"/>
-              <a:buNone/>
-              <a:defRPr/>
-            </a:lvl5pPr>
-            <a:lvl6pPr lvl="5" algn="l">
-              <a:spcBef>
-                <a:spcPts val="0"/>
-              </a:spcBef>
-              <a:spcAft>
-                <a:spcPts val="0"/>
-              </a:spcAft>
-              <a:buSzPts val="1400"/>
-              <a:buNone/>
-              <a:defRPr/>
-            </a:lvl6pPr>
-            <a:lvl7pPr lvl="6" algn="l">
-              <a:spcBef>
-                <a:spcPts val="0"/>
-              </a:spcBef>
-              <a:spcAft>
-                <a:spcPts val="0"/>
-              </a:spcAft>
-              <a:buSzPts val="1400"/>
-              <a:buNone/>
-              <a:defRPr/>
-            </a:lvl7pPr>
-            <a:lvl8pPr lvl="7" algn="l">
-              <a:spcBef>
-                <a:spcPts val="0"/>
-              </a:spcBef>
-              <a:spcAft>
-                <a:spcPts val="0"/>
-              </a:spcAft>
-              <a:buSzPts val="1400"/>
-              <a:buNone/>
-              <a:defRPr/>
-            </a:lvl8pPr>
-            <a:lvl9pPr lvl="8" algn="l">
-              <a:spcBef>
-                <a:spcPts val="0"/>
-              </a:spcBef>
-              <a:spcAft>
-                <a:spcPts val="0"/>
-              </a:spcAft>
-              <a:buSzPts val="1400"/>
-              <a:buNone/>
-              <a:defRPr/>
-            </a:lvl9pPr>
-          </a:lstStyle>
-          <a:p>
-            <a:endParaRPr/>
-          </a:p>
-        </p:txBody>
-      </p:sp>
-      <p:sp>
-        <p:nvSpPr>
-          <p:cNvPr id="65" name="Google Shape;65;p9"/>
-          <p:cNvSpPr txBox="1">
-            <a:spLocks noGrp="1"/>
-          </p:cNvSpPr>
-          <p:nvPr>
-            <p:ph type="ftr" idx="11"/>
-          </p:nvPr>
-        </p:nvSpPr>
-        <p:spPr>
-          <a:xfrm rot="-5400000">
-            <a:off x="9959341" y="4046537"/>
-            <a:ext cx="3581400" cy="365125"/>
-          </a:xfrm>
-          <a:prstGeom prst="rect">
-            <a:avLst/>
-          </a:prstGeom>
-          <a:noFill/>
-          <a:ln>
-            <a:noFill/>
-          </a:ln>
-        </p:spPr>
-        <p:txBody>
-          <a:bodyPr spcFirstLastPara="1" wrap="square" lIns="91425" tIns="45700" rIns="91425" bIns="45700" anchor="ctr" anchorCtr="0">
-            <a:noAutofit/>
-          </a:bodyPr>
-          <a:lstStyle>
-            <a:lvl1pPr lvl="0" algn="l">
-              <a:spcBef>
-                <a:spcPts val="0"/>
-              </a:spcBef>
-              <a:spcAft>
-                <a:spcPts val="0"/>
-              </a:spcAft>
-              <a:buSzPts val="1400"/>
-              <a:buNone/>
-              <a:defRPr/>
-            </a:lvl1pPr>
-            <a:lvl2pPr lvl="1" algn="l">
-              <a:spcBef>
-                <a:spcPts val="0"/>
-              </a:spcBef>
-              <a:spcAft>
-                <a:spcPts val="0"/>
-              </a:spcAft>
-              <a:buSzPts val="1400"/>
-              <a:buNone/>
-              <a:defRPr/>
-            </a:lvl2pPr>
-            <a:lvl3pPr lvl="2" algn="l">
-              <a:spcBef>
-                <a:spcPts val="0"/>
-              </a:spcBef>
-              <a:spcAft>
-                <a:spcPts val="0"/>
-              </a:spcAft>
-              <a:buSzPts val="1400"/>
-              <a:buNone/>
-              <a:defRPr/>
-            </a:lvl3pPr>
-            <a:lvl4pPr lvl="3" algn="l">
-              <a:spcBef>
-                <a:spcPts val="0"/>
-              </a:spcBef>
-              <a:spcAft>
-                <a:spcPts val="0"/>
-              </a:spcAft>
-              <a:buSzPts val="1400"/>
-              <a:buNone/>
-              <a:defRPr/>
-            </a:lvl4pPr>
-            <a:lvl5pPr lvl="4" algn="l">
-              <a:spcBef>
-                <a:spcPts val="0"/>
-              </a:spcBef>
-              <a:spcAft>
-                <a:spcPts val="0"/>
-              </a:spcAft>
-              <a:buSzPts val="1400"/>
-              <a:buNone/>
-              <a:defRPr/>
-            </a:lvl5pPr>
-            <a:lvl6pPr lvl="5" algn="l">
-              <a:spcBef>
-                <a:spcPts val="0"/>
-              </a:spcBef>
-              <a:spcAft>
-                <a:spcPts val="0"/>
-              </a:spcAft>
-              <a:buSzPts val="1400"/>
-              <a:buNone/>
-              <a:defRPr/>
-            </a:lvl6pPr>
-            <a:lvl7pPr lvl="6" algn="l">
-              <a:spcBef>
-                <a:spcPts val="0"/>
-              </a:spcBef>
-              <a:spcAft>
-                <a:spcPts val="0"/>
-              </a:spcAft>
-              <a:buSzPts val="1400"/>
-              <a:buNone/>
-              <a:defRPr/>
-            </a:lvl7pPr>
-            <a:lvl8pPr lvl="7" algn="l">
-              <a:spcBef>
-                <a:spcPts val="0"/>
-              </a:spcBef>
-              <a:spcAft>
-                <a:spcPts val="0"/>
-              </a:spcAft>
-              <a:buSzPts val="1400"/>
-              <a:buNone/>
-              <a:defRPr/>
-            </a:lvl8pPr>
-            <a:lvl9pPr lvl="8" algn="l">
-              <a:spcBef>
-                <a:spcPts val="0"/>
-              </a:spcBef>
-              <a:spcAft>
-                <a:spcPts val="0"/>
-              </a:spcAft>
-              <a:buSzPts val="1400"/>
-              <a:buNone/>
-              <a:defRPr/>
-            </a:lvl9pPr>
-          </a:lstStyle>
-          <a:p>
-            <a:endParaRPr/>
-          </a:p>
-        </p:txBody>
-      </p:sp>
-      <p:sp>
-        <p:nvSpPr>
-          <p:cNvPr id="66" name="Google Shape;66;p9"/>
-          <p:cNvSpPr txBox="1">
-            <a:spLocks noGrp="1"/>
-          </p:cNvSpPr>
-          <p:nvPr>
-            <p:ph type="sldNum" idx="12"/>
-          </p:nvPr>
-        </p:nvSpPr>
-        <p:spPr>
-          <a:xfrm>
-            <a:off x="11292840" y="6172200"/>
-            <a:ext cx="914400" cy="593725"/>
-          </a:xfrm>
-          <a:prstGeom prst="rect">
-            <a:avLst/>
-          </a:prstGeom>
-          <a:noFill/>
-          <a:ln>
-            <a:noFill/>
-          </a:ln>
-        </p:spPr>
-        <p:txBody>
-          <a:bodyPr spcFirstLastPara="1" wrap="square" lIns="45700" tIns="45700" rIns="45700" bIns="45700" anchor="ctr" anchorCtr="0">
-            <a:normAutofit/>
-          </a:bodyPr>
-          <a:lstStyle>
-            <a:lvl1pPr marL="0" lvl="0" indent="0" algn="ctr">
-              <a:spcBef>
-                <a:spcPts val="0"/>
-              </a:spcBef>
-              <a:buNone/>
-              <a:defRPr/>
-            </a:lvl1pPr>
-            <a:lvl2pPr marL="0" lvl="1" indent="0" algn="ctr">
-              <a:spcBef>
-                <a:spcPts val="0"/>
-              </a:spcBef>
-              <a:buNone/>
-              <a:defRPr/>
-            </a:lvl2pPr>
-            <a:lvl3pPr marL="0" lvl="2" indent="0" algn="ctr">
-              <a:spcBef>
-                <a:spcPts val="0"/>
-              </a:spcBef>
-              <a:buNone/>
-              <a:defRPr/>
-            </a:lvl3pPr>
-            <a:lvl4pPr marL="0" lvl="3" indent="0" algn="ctr">
-              <a:spcBef>
-                <a:spcPts val="0"/>
-              </a:spcBef>
-              <a:buNone/>
-              <a:defRPr/>
-            </a:lvl4pPr>
-            <a:lvl5pPr marL="0" lvl="4" indent="0" algn="ctr">
-              <a:spcBef>
-                <a:spcPts val="0"/>
-              </a:spcBef>
-              <a:buNone/>
-              <a:defRPr/>
-            </a:lvl5pPr>
-            <a:lvl6pPr marL="0" lvl="5" indent="0" algn="ctr">
-              <a:spcBef>
-                <a:spcPts val="0"/>
-              </a:spcBef>
-              <a:buNone/>
-              <a:defRPr/>
-            </a:lvl6pPr>
-            <a:lvl7pPr marL="0" lvl="6" indent="0" algn="ctr">
-              <a:spcBef>
-                <a:spcPts val="0"/>
-              </a:spcBef>
-              <a:buNone/>
-              <a:defRPr/>
-            </a:lvl7pPr>
-            <a:lvl8pPr marL="0" lvl="7" indent="0" algn="ctr">
-              <a:spcBef>
-                <a:spcPts val="0"/>
-              </a:spcBef>
-              <a:buNone/>
-              <a:defRPr/>
-            </a:lvl8pPr>
-            <a:lvl9pPr marL="0" lvl="8" indent="0" algn="ctr">
-              <a:spcBef>
-                <a:spcPts val="0"/>
-              </a:spcBef>
-              <a:buNone/>
-              <a:defRPr/>
-            </a:lvl9pPr>
-          </a:lstStyle>
-          <a:p>
-            <a:pPr marL="0" lvl="0" indent="0" algn="ctr" rtl="0">
-              <a:spcBef>
-                <a:spcPts val="0"/>
-              </a:spcBef>
-              <a:spcAft>
-                <a:spcPts val="0"/>
-              </a:spcAft>
-              <a:buNone/>
-            </a:pPr>
-            <a:fld id="{00000000-1234-1234-1234-123412341234}" type="slidenum">
-              <a:rPr lang="en-US"/>
-              <a:t>‹#›</a:t>
-            </a:fld>
-            <a:endParaRPr/>
-          </a:p>
-        </p:txBody>
-      </p:sp>
-    </p:spTree>
-  </p:cSld>
-  <p:clrMapOvr>
-    <a:masterClrMapping/>
-  </p:clrMapOvr>
-</p:sldLayout>
-</file>
-
-<file path=ppt/slideLayouts/slideLayout4.xml><?xml version="1.0" encoding="utf-8"?>
 <p:sldLayout xmlns:a="http://schemas.openxmlformats.org/drawingml/2006/main" xmlns:r="http://schemas.openxmlformats.org/officeDocument/2006/relationships" xmlns:p="http://schemas.openxmlformats.org/presentationml/2006/main" matchingName="Blank" type="blank">
   <p:cSld name="BLANK">
     <p:spTree>
@@ -6090,7 +4590,7 @@
 </p:sldLayout>
 </file>
 
-<file path=ppt/slideLayouts/slideLayout5.xml><?xml version="1.0" encoding="utf-8"?>
+<file path=ppt/slideLayouts/slideLayout4.xml><?xml version="1.0" encoding="utf-8"?>
 <p:sldLayout xmlns:a="http://schemas.openxmlformats.org/drawingml/2006/main" xmlns:r="http://schemas.openxmlformats.org/officeDocument/2006/relationships" xmlns:p="http://schemas.openxmlformats.org/presentationml/2006/main" matchingName="Content with Caption" type="objTx">
   <p:cSld name="OBJECT_WITH_CAPTION_TEXT">
     <p:spTree>
@@ -6951,7 +5451,7 @@
 </p:sldLayout>
 </file>
 
-<file path=ppt/slideLayouts/slideLayout6.xml><?xml version="1.0" encoding="utf-8"?>
+<file path=ppt/slideLayouts/slideLayout5.xml><?xml version="1.0" encoding="utf-8"?>
 <p:sldLayout xmlns:a="http://schemas.openxmlformats.org/drawingml/2006/main" xmlns:r="http://schemas.openxmlformats.org/officeDocument/2006/relationships" xmlns:p="http://schemas.openxmlformats.org/presentationml/2006/main" matchingName="Picture with Caption" type="picTx">
   <p:cSld name="PICTURE_WITH_CAPTION_TEXT">
     <p:spTree>
@@ -7732,7 +6232,7 @@
 </p:sldLayout>
 </file>
 
-<file path=ppt/slideLayouts/slideLayout7.xml><?xml version="1.0" encoding="utf-8"?>
+<file path=ppt/slideLayouts/slideLayout6.xml><?xml version="1.0" encoding="utf-8"?>
 <p:sldLayout xmlns:a="http://schemas.openxmlformats.org/drawingml/2006/main" xmlns:r="http://schemas.openxmlformats.org/officeDocument/2006/relationships" xmlns:p="http://schemas.openxmlformats.org/presentationml/2006/main" matchingName="Title and Vertical Text" type="vertTx">
   <p:cSld name="VERTICAL_TEXT">
     <p:spTree>
@@ -8432,7 +6932,7 @@
 </p:sldLayout>
 </file>
 
-<file path=ppt/slideLayouts/slideLayout8.xml><?xml version="1.0" encoding="utf-8"?>
+<file path=ppt/slideLayouts/slideLayout7.xml><?xml version="1.0" encoding="utf-8"?>
 <p:sldLayout xmlns:a="http://schemas.openxmlformats.org/drawingml/2006/main" xmlns:r="http://schemas.openxmlformats.org/officeDocument/2006/relationships" xmlns:p="http://schemas.openxmlformats.org/presentationml/2006/main" matchingName="Vertical Title and Text" type="vertTitleAndTx">
   <p:cSld name="VERTICAL_TITLE_AND_VERTICAL_TEXT">
     <p:spTree>
@@ -11982,12 +10482,11 @@
   <p:clrMap bg1="lt1" tx1="dk1" bg2="dk2" tx2="lt2" accent1="accent1" accent2="accent2" accent3="accent3" accent4="accent4" accent5="accent5" accent6="accent6" hlink="hlink" folHlink="folHlink"/>
   <p:sldLayoutIdLst>
     <p:sldLayoutId id="2147483649" r:id="rId1"/>
-    <p:sldLayoutId id="2147483654" r:id="rId2"/>
-    <p:sldLayoutId id="2147483655" r:id="rId3"/>
-    <p:sldLayoutId id="2147483656" r:id="rId4"/>
-    <p:sldLayoutId id="2147483657" r:id="rId5"/>
-    <p:sldLayoutId id="2147483658" r:id="rId6"/>
-    <p:sldLayoutId id="2147483659" r:id="rId7"/>
+    <p:sldLayoutId id="2147483655" r:id="rId2"/>
+    <p:sldLayoutId id="2147483656" r:id="rId3"/>
+    <p:sldLayoutId id="2147483657" r:id="rId4"/>
+    <p:sldLayoutId id="2147483658" r:id="rId5"/>
+    <p:sldLayoutId id="2147483659" r:id="rId6"/>
   </p:sldLayoutIdLst>
   <p:hf sldNum="0" hdr="0" ftr="0" dt="0"/>
   <p:txStyles>
@@ -12728,7 +11227,7 @@
           </a:bodyPr>
           <a:lstStyle/>
           <a:p>
-            <a:pPr marL="0" lvl="0" indent="0" algn="l" rtl="0">
+            <a:pPr marL="0" lvl="0" indent="0" algn="ctr" rtl="0">
               <a:lnSpc>
                 <a:spcPct val="85000"/>
               </a:lnSpc>
@@ -12746,7 +11245,27 @@
               <a:buNone/>
             </a:pPr>
             <a:r>
-              <a:rPr lang="en-US" sz="5400" dirty="0"/>
+              <a:rPr lang="en-US" sz="4400" dirty="0"/>
+              <a:t>Georgia State University </a:t>
+            </a:r>
+            <a:br>
+              <a:rPr lang="en-US" sz="4400" dirty="0"/>
+            </a:br>
+            <a:br>
+              <a:rPr lang="en-US" sz="4400" dirty="0"/>
+            </a:br>
+            <a:r>
+              <a:rPr lang="en-US" sz="4400" dirty="0"/>
+              <a:t>Team MORSE Studio</a:t>
+            </a:r>
+            <a:br>
+              <a:rPr lang="en-US" sz="4400" dirty="0"/>
+            </a:br>
+            <a:br>
+              <a:rPr lang="en-US" sz="4400" dirty="0"/>
+            </a:br>
+            <a:r>
+              <a:rPr lang="en-US" sz="4400" dirty="0"/>
               <a:t>Smart Milk Spoilage Experiment </a:t>
             </a:r>
           </a:p>
@@ -12794,13 +11313,29 @@
               <a:buSzPts val="1760"/>
               <a:buNone/>
             </a:pPr>
+            <a:endParaRPr lang="de-DE" dirty="0"/>
+          </a:p>
+          <a:p>
+            <a:pPr marL="0" lvl="0" indent="0" algn="l" rtl="0">
+              <a:lnSpc>
+                <a:spcPct val="95000"/>
+              </a:lnSpc>
+              <a:spcBef>
+                <a:spcPts val="0"/>
+              </a:spcBef>
+              <a:spcAft>
+                <a:spcPts val="0"/>
+              </a:spcAft>
+              <a:buSzPts val="1760"/>
+              <a:buNone/>
+            </a:pPr>
             <a:r>
               <a:rPr lang="de-DE" dirty="0"/>
-              <a:t>Nahom Abera, </a:t>
+              <a:t>Students: </a:t>
             </a:r>
             <a:r>
               <a:rPr lang="en-US" dirty="0"/>
-              <a:t>Kamrul </a:t>
+              <a:t>Diana Avila, Kamrul </a:t>
             </a:r>
             <a:r>
               <a:rPr lang="en-US" dirty="0" err="1"/>
@@ -12808,9 +11343,47 @@
             </a:r>
             <a:r>
               <a:rPr lang="en-US" dirty="0"/>
-              <a:t>, Diana Avila</a:t>
+              <a:t>, </a:t>
             </a:r>
+            <a:r>
+              <a:rPr lang="de-DE" dirty="0"/>
+              <a:t>Nahom Abera</a:t>
+            </a:r>
+          </a:p>
+          <a:p>
+            <a:pPr marL="0" lvl="0" indent="0" algn="l" rtl="0">
+              <a:lnSpc>
+                <a:spcPct val="95000"/>
+              </a:lnSpc>
+              <a:spcBef>
+                <a:spcPts val="0"/>
+              </a:spcBef>
+              <a:spcAft>
+                <a:spcPts val="0"/>
+              </a:spcAft>
+              <a:buSzPts val="1760"/>
+              <a:buNone/>
+            </a:pPr>
             <a:endParaRPr lang="de-DE" dirty="0"/>
+          </a:p>
+          <a:p>
+            <a:pPr marL="0" lvl="0" indent="0" algn="l" rtl="0">
+              <a:lnSpc>
+                <a:spcPct val="95000"/>
+              </a:lnSpc>
+              <a:spcBef>
+                <a:spcPts val="0"/>
+              </a:spcBef>
+              <a:spcAft>
+                <a:spcPts val="0"/>
+              </a:spcAft>
+              <a:buSzPts val="1760"/>
+              <a:buNone/>
+            </a:pPr>
+            <a:r>
+              <a:rPr lang="de-DE" dirty="0"/>
+              <a:t>Supervisor: Dr. Ashwin Ashok</a:t>
+            </a:r>
           </a:p>
         </p:txBody>
       </p:sp>
@@ -12868,7 +11441,7 @@
           <a:p>
             <a:r>
               <a:rPr lang="en-US" b="1" dirty="0"/>
-              <a:t>Graphs and Visualizations</a:t>
+              <a:t>Graphs and Visualizations - 3</a:t>
             </a:r>
             <a:endParaRPr lang="en-US" dirty="0"/>
           </a:p>
@@ -12941,8 +11514,8 @@
         </p:blipFill>
         <p:spPr>
           <a:xfrm>
-            <a:off x="259593" y="2483472"/>
-            <a:ext cx="11005427" cy="3588144"/>
+            <a:off x="1" y="2483472"/>
+            <a:ext cx="11265020" cy="3672780"/>
           </a:xfrm>
           <a:prstGeom prst="rect">
             <a:avLst/>
@@ -12963,6 +11536,257 @@
 </file>
 
 <file path=ppt/slides/slide11.xml><?xml version="1.0" encoding="utf-8"?>
+<p:sld xmlns:a="http://schemas.openxmlformats.org/drawingml/2006/main" xmlns:r="http://schemas.openxmlformats.org/officeDocument/2006/relationships" xmlns:p="http://schemas.openxmlformats.org/presentationml/2006/main">
+  <p:cSld>
+    <p:spTree>
+      <p:nvGrpSpPr>
+        <p:cNvPr id="1" name=""/>
+        <p:cNvGrpSpPr/>
+        <p:nvPr/>
+      </p:nvGrpSpPr>
+      <p:grpSpPr>
+        <a:xfrm>
+          <a:off x="0" y="0"/>
+          <a:ext cx="0" cy="0"/>
+          <a:chOff x="0" y="0"/>
+          <a:chExt cx="0" cy="0"/>
+        </a:xfrm>
+      </p:grpSpPr>
+      <p:sp>
+        <p:nvSpPr>
+          <p:cNvPr id="2" name="Title 1">
+            <a:extLst>
+              <a:ext uri="{FF2B5EF4-FFF2-40B4-BE49-F238E27FC236}">
+                <a16:creationId xmlns:a16="http://schemas.microsoft.com/office/drawing/2014/main" id="{0A99D0B2-3EAD-A65F-B470-BB38E95AA861}"/>
+              </a:ext>
+            </a:extLst>
+          </p:cNvPr>
+          <p:cNvSpPr>
+            <a:spLocks noGrp="1"/>
+          </p:cNvSpPr>
+          <p:nvPr>
+            <p:ph type="title"/>
+          </p:nvPr>
+        </p:nvSpPr>
+        <p:spPr/>
+        <p:txBody>
+          <a:bodyPr/>
+          <a:lstStyle/>
+          <a:p>
+            <a:r>
+              <a:rPr lang="en-US" b="1" dirty="0"/>
+              <a:t>Graphs and Visualizations - 4</a:t>
+            </a:r>
+            <a:endParaRPr lang="en-US" dirty="0"/>
+          </a:p>
+        </p:txBody>
+      </p:sp>
+      <p:sp>
+        <p:nvSpPr>
+          <p:cNvPr id="3" name="Text Placeholder 2">
+            <a:extLst>
+              <a:ext uri="{FF2B5EF4-FFF2-40B4-BE49-F238E27FC236}">
+                <a16:creationId xmlns:a16="http://schemas.microsoft.com/office/drawing/2014/main" id="{7B32798F-E9BC-EB07-75F5-AC1B631EC079}"/>
+              </a:ext>
+            </a:extLst>
+          </p:cNvPr>
+          <p:cNvSpPr>
+            <a:spLocks noGrp="1"/>
+          </p:cNvSpPr>
+          <p:nvPr>
+            <p:ph type="body" idx="1"/>
+          </p:nvPr>
+        </p:nvSpPr>
+        <p:spPr/>
+        <p:txBody>
+          <a:bodyPr/>
+          <a:lstStyle/>
+          <a:p>
+            <a:r>
+              <a:rPr lang="en-US" dirty="0">
+                <a:latin typeface="Century Schoolbook" panose="02040604050505020304" pitchFamily="18" charset="0"/>
+                <a:ea typeface="Aptos" panose="020B0004020202020204" pitchFamily="34" charset="0"/>
+              </a:rPr>
+              <a:t>R</a:t>
+            </a:r>
+            <a:r>
+              <a:rPr lang="en-US" sz="1800" dirty="0">
+                <a:effectLst/>
+                <a:latin typeface="Century Schoolbook" panose="02040604050505020304" pitchFamily="18" charset="0"/>
+                <a:ea typeface="Aptos" panose="020B0004020202020204" pitchFamily="34" charset="0"/>
+              </a:rPr>
+              <a:t>efrigerated Milk Temperature and Spoilage Over Time</a:t>
+            </a:r>
+          </a:p>
+          <a:p>
+            <a:endParaRPr lang="en-US" dirty="0"/>
+          </a:p>
+        </p:txBody>
+      </p:sp>
+      <p:pic>
+        <p:nvPicPr>
+          <p:cNvPr id="5" name="Picture 4">
+            <a:extLst>
+              <a:ext uri="{FF2B5EF4-FFF2-40B4-BE49-F238E27FC236}">
+                <a16:creationId xmlns:a16="http://schemas.microsoft.com/office/drawing/2014/main" id="{FF93A925-5790-4893-CBF5-92C85FA1D80E}"/>
+              </a:ext>
+            </a:extLst>
+          </p:cNvPr>
+          <p:cNvPicPr>
+            <a:picLocks noChangeAspect="1"/>
+          </p:cNvPicPr>
+          <p:nvPr/>
+        </p:nvPicPr>
+        <p:blipFill>
+          <a:blip r:embed="rId2"/>
+          <a:stretch>
+            <a:fillRect/>
+          </a:stretch>
+        </p:blipFill>
+        <p:spPr>
+          <a:xfrm>
+            <a:off x="4326" y="2612036"/>
+            <a:ext cx="11297265" cy="3705579"/>
+          </a:xfrm>
+          <a:prstGeom prst="rect">
+            <a:avLst/>
+          </a:prstGeom>
+        </p:spPr>
+      </p:pic>
+    </p:spTree>
+    <p:extLst>
+      <p:ext uri="{BB962C8B-B14F-4D97-AF65-F5344CB8AC3E}">
+        <p14:creationId xmlns:p14="http://schemas.microsoft.com/office/powerpoint/2010/main" val="1799675026"/>
+      </p:ext>
+    </p:extLst>
+  </p:cSld>
+  <p:clrMapOvr>
+    <a:masterClrMapping/>
+  </p:clrMapOvr>
+</p:sld>
+</file>
+
+<file path=ppt/slides/slide12.xml><?xml version="1.0" encoding="utf-8"?>
+<p:sld xmlns:a="http://schemas.openxmlformats.org/drawingml/2006/main" xmlns:r="http://schemas.openxmlformats.org/officeDocument/2006/relationships" xmlns:p="http://schemas.openxmlformats.org/presentationml/2006/main">
+  <p:cSld>
+    <p:spTree>
+      <p:nvGrpSpPr>
+        <p:cNvPr id="1" name=""/>
+        <p:cNvGrpSpPr/>
+        <p:nvPr/>
+      </p:nvGrpSpPr>
+      <p:grpSpPr>
+        <a:xfrm>
+          <a:off x="0" y="0"/>
+          <a:ext cx="0" cy="0"/>
+          <a:chOff x="0" y="0"/>
+          <a:chExt cx="0" cy="0"/>
+        </a:xfrm>
+      </p:grpSpPr>
+      <p:sp>
+        <p:nvSpPr>
+          <p:cNvPr id="2" name="Title 1">
+            <a:extLst>
+              <a:ext uri="{FF2B5EF4-FFF2-40B4-BE49-F238E27FC236}">
+                <a16:creationId xmlns:a16="http://schemas.microsoft.com/office/drawing/2014/main" id="{E43E4D0C-D3D9-6C6C-96EF-EAD24AFF54A1}"/>
+              </a:ext>
+            </a:extLst>
+          </p:cNvPr>
+          <p:cNvSpPr>
+            <a:spLocks noGrp="1"/>
+          </p:cNvSpPr>
+          <p:nvPr>
+            <p:ph type="title"/>
+          </p:nvPr>
+        </p:nvSpPr>
+        <p:spPr/>
+        <p:txBody>
+          <a:bodyPr/>
+          <a:lstStyle/>
+          <a:p>
+            <a:r>
+              <a:rPr lang="en-US" b="1" dirty="0"/>
+              <a:t>Graphs and Visualizations - 5</a:t>
+            </a:r>
+            <a:endParaRPr lang="en-US" dirty="0"/>
+          </a:p>
+        </p:txBody>
+      </p:sp>
+      <p:sp>
+        <p:nvSpPr>
+          <p:cNvPr id="3" name="Text Placeholder 2">
+            <a:extLst>
+              <a:ext uri="{FF2B5EF4-FFF2-40B4-BE49-F238E27FC236}">
+                <a16:creationId xmlns:a16="http://schemas.microsoft.com/office/drawing/2014/main" id="{4D92053E-C08A-57E1-281B-115149211171}"/>
+              </a:ext>
+            </a:extLst>
+          </p:cNvPr>
+          <p:cNvSpPr>
+            <a:spLocks noGrp="1"/>
+          </p:cNvSpPr>
+          <p:nvPr>
+            <p:ph type="body" idx="1"/>
+          </p:nvPr>
+        </p:nvSpPr>
+        <p:spPr/>
+        <p:txBody>
+          <a:bodyPr/>
+          <a:lstStyle/>
+          <a:p>
+            <a:r>
+              <a:rPr lang="en-US" dirty="0"/>
+              <a:t>Milk Temperature &amp; Spoilage Progression Over Time (Refrigerated &amp; Unrefrigerated)</a:t>
+            </a:r>
+          </a:p>
+          <a:p>
+            <a:endParaRPr lang="en-US" dirty="0"/>
+          </a:p>
+        </p:txBody>
+      </p:sp>
+      <p:pic>
+        <p:nvPicPr>
+          <p:cNvPr id="5" name="Picture 4">
+            <a:extLst>
+              <a:ext uri="{FF2B5EF4-FFF2-40B4-BE49-F238E27FC236}">
+                <a16:creationId xmlns:a16="http://schemas.microsoft.com/office/drawing/2014/main" id="{86C4B34E-8E32-086C-5C93-BA24BB692000}"/>
+              </a:ext>
+            </a:extLst>
+          </p:cNvPr>
+          <p:cNvPicPr>
+            <a:picLocks noChangeAspect="1"/>
+          </p:cNvPicPr>
+          <p:nvPr/>
+        </p:nvPicPr>
+        <p:blipFill>
+          <a:blip r:embed="rId2"/>
+          <a:stretch>
+            <a:fillRect/>
+          </a:stretch>
+        </p:blipFill>
+        <p:spPr>
+          <a:xfrm>
+            <a:off x="825639" y="2619014"/>
+            <a:ext cx="9467826" cy="4101335"/>
+          </a:xfrm>
+          <a:prstGeom prst="rect">
+            <a:avLst/>
+          </a:prstGeom>
+        </p:spPr>
+      </p:pic>
+    </p:spTree>
+    <p:extLst>
+      <p:ext uri="{BB962C8B-B14F-4D97-AF65-F5344CB8AC3E}">
+        <p14:creationId xmlns:p14="http://schemas.microsoft.com/office/powerpoint/2010/main" val="3925872806"/>
+      </p:ext>
+    </p:extLst>
+  </p:cSld>
+  <p:clrMapOvr>
+    <a:masterClrMapping/>
+  </p:clrMapOvr>
+</p:sld>
+</file>
+
+<file path=ppt/slides/slide13.xml><?xml version="1.0" encoding="utf-8"?>
 <p:sld xmlns:a="http://schemas.openxmlformats.org/drawingml/2006/main" xmlns:r="http://schemas.openxmlformats.org/officeDocument/2006/relationships" xmlns:p="http://schemas.openxmlformats.org/presentationml/2006/main">
   <p:cSld>
     <p:spTree>
@@ -13037,11 +11861,63 @@
         </p:spPr>
         <p:txBody>
           <a:bodyPr>
-            <a:normAutofit fontScale="62500" lnSpcReduction="20000"/>
+            <a:normAutofit fontScale="55000" lnSpcReduction="20000"/>
           </a:bodyPr>
           <a:lstStyle/>
           <a:p>
-            <a:pPr marL="342900" marR="0" lvl="0" indent="-342900">
+            <a:pPr marL="594360" indent="-457200">
+              <a:buFont typeface="+mj-lt"/>
+              <a:buAutoNum type="arabicPeriod"/>
+            </a:pPr>
+            <a:r>
+              <a:rPr lang="en-US" sz="2200" b="1" dirty="0"/>
+              <a:t>Unrefrigerated Milk:</a:t>
+            </a:r>
+            <a:br>
+              <a:rPr lang="en-US" sz="2200" dirty="0"/>
+            </a:br>
+            <a:endParaRPr lang="en-US" sz="2200" dirty="0"/>
+          </a:p>
+          <a:p>
+            <a:pPr lvl="1">
+              <a:buFont typeface="Courier New" panose="02070309020205020404" pitchFamily="49" charset="0"/>
+              <a:buChar char="o"/>
+            </a:pPr>
+            <a:r>
+              <a:rPr lang="en-US" sz="2200" dirty="0"/>
+              <a:t>The data shows that milk stored at room temperature (~68°F) began to exhibit signs of spoilage within about one to two days, transitioning from “Fresh” to “Slightly Sour” and eventually “Noticeably Sour.”</a:t>
+            </a:r>
+            <a:br>
+              <a:rPr lang="en-US" sz="2200" dirty="0"/>
+            </a:br>
+            <a:endParaRPr lang="en-US" sz="2200" dirty="0"/>
+          </a:p>
+          <a:p>
+            <a:pPr lvl="1">
+              <a:buFont typeface="Courier New" panose="02070309020205020404" pitchFamily="49" charset="0"/>
+              <a:buChar char="o"/>
+            </a:pPr>
+            <a:r>
+              <a:rPr lang="en-US" sz="2200" dirty="0"/>
+              <a:t>By December 3rd, the unrefrigerated milk had reached a clearly “Sour/Spoiled” state, as confirmed by smell tests and visual evidence (including curdling and discoloration).</a:t>
+            </a:r>
+            <a:br>
+              <a:rPr lang="en-US" sz="2200" dirty="0"/>
+            </a:br>
+            <a:endParaRPr lang="en-US" sz="2200" dirty="0"/>
+          </a:p>
+          <a:p>
+            <a:pPr lvl="1">
+              <a:buFont typeface="Courier New" panose="02070309020205020404" pitchFamily="49" charset="0"/>
+              <a:buChar char="o"/>
+            </a:pPr>
+            <a:r>
+              <a:rPr lang="en-US" sz="2200" dirty="0"/>
+              <a:t>The relatively high ambient temperature accelerated bacterial growth, resulting in a rapid spoiling process within 3–4 days total.</a:t>
+            </a:r>
+          </a:p>
+          <a:p>
+            <a:pPr marR="0" lvl="0" indent="-457200">
               <a:lnSpc>
                 <a:spcPct val="120000"/>
               </a:lnSpc>
@@ -13055,17 +11931,17 @@
               </a:tabLst>
             </a:pPr>
             <a:r>
-              <a:rPr lang="en-US" sz="1700" kern="100" dirty="0">
+              <a:rPr lang="en-US" sz="2200" b="1" kern="100" dirty="0">
                 <a:effectLst/>
                 <a:latin typeface="Century Schoolbook" panose="02040604050505020304" pitchFamily="18" charset="0"/>
                 <a:ea typeface="Aptos" panose="020B0004020202020204" pitchFamily="34" charset="0"/>
                 <a:cs typeface="Times New Roman" panose="02020603050405020304" pitchFamily="18" charset="0"/>
               </a:rPr>
-              <a:t>Unrefrigerated Milk:</a:t>
+              <a:t>Refrigerated Milk:</a:t>
             </a:r>
           </a:p>
           <a:p>
-            <a:pPr marL="742950" marR="0" lvl="1" indent="-285750">
+            <a:pPr marL="800100" marR="0" lvl="1">
               <a:lnSpc>
                 <a:spcPct val="120000"/>
               </a:lnSpc>
@@ -13080,13 +11956,8 @@
               </a:tabLst>
             </a:pPr>
             <a:r>
-              <a:rPr lang="en-US" sz="1700" kern="100" dirty="0">
-                <a:effectLst/>
-                <a:latin typeface="Century Schoolbook" panose="02040604050505020304" pitchFamily="18" charset="0"/>
-                <a:ea typeface="Aptos" panose="020B0004020202020204" pitchFamily="34" charset="0"/>
-                <a:cs typeface="Times New Roman" panose="02020603050405020304" pitchFamily="18" charset="0"/>
-              </a:rPr>
-              <a:t>The data shows that milk stored at room temperature began to exhibit signs of spoilage within approximately one to two days, transitioning from “Fresh” to “Slightly Sour” and then becoming “Noticeably Sour.”</a:t>
+              <a:rPr lang="en-US" sz="2200" dirty="0"/>
+              <a:t>The refrigerated milk’s temperature remained consistently around 38°F, significantly slowing bacterial activity.</a:t>
             </a:r>
           </a:p>
           <a:p>
@@ -13105,13 +11976,8 @@
               </a:tabLst>
             </a:pPr>
             <a:r>
-              <a:rPr lang="en-US" sz="1700" kern="100" dirty="0">
-                <a:effectLst/>
-                <a:latin typeface="Century Schoolbook" panose="02040604050505020304" pitchFamily="18" charset="0"/>
-                <a:ea typeface="Aptos" panose="020B0004020202020204" pitchFamily="34" charset="0"/>
-                <a:cs typeface="Times New Roman" panose="02020603050405020304" pitchFamily="18" charset="0"/>
-              </a:rPr>
-              <a:t>By December 3rd, the unrefrigerated milk had reached a clearly “Sour/Spoiled” state, as confirmed by both smell tests and visual evidence (images showing curdling or discoloration).</a:t>
+              <a:rPr lang="en-US" sz="2200" dirty="0"/>
+              <a:t>Over the same time frame, the refrigerated sample stayed “Fresh” for roughly 5 days, showing only a slight sourness near Day 5–6.</a:t>
             </a:r>
           </a:p>
           <a:p>
@@ -13130,37 +11996,8 @@
               </a:tabLst>
             </a:pPr>
             <a:r>
-              <a:rPr lang="en-US" sz="1700" kern="100" dirty="0">
-                <a:effectLst/>
-                <a:latin typeface="Century Schoolbook" panose="02040604050505020304" pitchFamily="18" charset="0"/>
-                <a:ea typeface="Aptos" panose="020B0004020202020204" pitchFamily="34" charset="0"/>
-                <a:cs typeface="Times New Roman" panose="02020603050405020304" pitchFamily="18" charset="0"/>
-              </a:rPr>
-              <a:t>The relatively high temperature (~68°F) accelerated bacterial growth and fermentation processes which led to rapid spoiling process.</a:t>
-            </a:r>
-          </a:p>
-          <a:p>
-            <a:pPr marL="342900" marR="0" lvl="0" indent="-342900">
-              <a:lnSpc>
-                <a:spcPct val="120000"/>
-              </a:lnSpc>
-              <a:spcAft>
-                <a:spcPts val="800"/>
-              </a:spcAft>
-              <a:buFont typeface="+mj-lt"/>
-              <a:buAutoNum type="arabicPeriod"/>
-              <a:tabLst>
-                <a:tab pos="457200" algn="l"/>
-              </a:tabLst>
-            </a:pPr>
-            <a:r>
-              <a:rPr lang="en-US" sz="1700" kern="100" dirty="0">
-                <a:effectLst/>
-                <a:latin typeface="Century Schoolbook" panose="02040604050505020304" pitchFamily="18" charset="0"/>
-                <a:ea typeface="Aptos" panose="020B0004020202020204" pitchFamily="34" charset="0"/>
-                <a:cs typeface="Times New Roman" panose="02020603050405020304" pitchFamily="18" charset="0"/>
-              </a:rPr>
-              <a:t>Refrigerated Milk:</a:t>
+              <a:rPr lang="en-US" sz="2200" dirty="0"/>
+              <a:t>By Day 9–10—shortly after the container’s labeled expiration date (December 8)—the milk progressed to “Noticeably Sour.”</a:t>
             </a:r>
           </a:p>
           <a:p>
@@ -13179,17 +12016,12 @@
               </a:tabLst>
             </a:pPr>
             <a:r>
-              <a:rPr lang="en-US" sz="1700" kern="100" dirty="0">
-                <a:effectLst/>
-                <a:latin typeface="Century Schoolbook" panose="02040604050505020304" pitchFamily="18" charset="0"/>
-                <a:ea typeface="Aptos" panose="020B0004020202020204" pitchFamily="34" charset="0"/>
-                <a:cs typeface="Times New Roman" panose="02020603050405020304" pitchFamily="18" charset="0"/>
-              </a:rPr>
-              <a:t>The refrigerated milk’s temperature remained around 38°F, significantly slowing bacterial growth.</a:t>
+              <a:rPr lang="en-US" sz="2200" dirty="0"/>
+              <a:t>This marked difference in spoilage rate underscores how proper refrigeration can extend milk’s usable life well beyond what is seen at room temperature.</a:t>
             </a:r>
           </a:p>
           <a:p>
-            <a:pPr marL="742950" marR="0" lvl="1" indent="-285750">
+            <a:pPr marL="285750" indent="-285750">
               <a:lnSpc>
                 <a:spcPct val="120000"/>
               </a:lnSpc>
@@ -13204,132 +12036,48 @@
               </a:tabLst>
             </a:pPr>
             <a:r>
-              <a:rPr lang="en-US" sz="1700" kern="100" dirty="0">
-                <a:effectLst/>
-                <a:latin typeface="Century Schoolbook" panose="02040604050505020304" pitchFamily="18" charset="0"/>
-                <a:ea typeface="Aptos" panose="020B0004020202020204" pitchFamily="34" charset="0"/>
-                <a:cs typeface="Times New Roman" panose="02020603050405020304" pitchFamily="18" charset="0"/>
-              </a:rPr>
-              <a:t>Over the same time period, the refrigerated sample remained “Fresh” for most of the observation window, with only a very slight sourness developing after six days.</a:t>
+              <a:rPr lang="en-US" sz="2200" b="1" dirty="0"/>
+              <a:t>Key Observations</a:t>
             </a:r>
           </a:p>
           <a:p>
-            <a:pPr marL="742950" marR="0" lvl="1" indent="-285750">
-              <a:lnSpc>
-                <a:spcPct val="120000"/>
-              </a:lnSpc>
-              <a:spcAft>
-                <a:spcPts val="800"/>
-              </a:spcAft>
-              <a:buSzPts val="1000"/>
-              <a:buFont typeface="Courier New" panose="02070309020205020404" pitchFamily="49" charset="0"/>
-              <a:buChar char="o"/>
-              <a:tabLst>
-                <a:tab pos="914400" algn="l"/>
-              </a:tabLst>
+            <a:pPr marL="742950" lvl="1" indent="-285750">
+              <a:buFont typeface="Arial" panose="020B0604020202020204" pitchFamily="34" charset="0"/>
+              <a:buChar char="•"/>
             </a:pPr>
             <a:r>
-              <a:rPr lang="en-US" sz="1700" kern="100" dirty="0">
-                <a:effectLst/>
-                <a:latin typeface="Century Schoolbook" panose="02040604050505020304" pitchFamily="18" charset="0"/>
-                <a:ea typeface="Aptos" panose="020B0004020202020204" pitchFamily="34" charset="0"/>
-                <a:cs typeface="Times New Roman" panose="02020603050405020304" pitchFamily="18" charset="0"/>
-              </a:rPr>
-              <a:t>This difference in the spoilage rate underscores the importance of proper refrigeration.</a:t>
+              <a:rPr lang="en-US" sz="2400" dirty="0"/>
+              <a:t>Higher storage temperature correlates with faster spoilage.</a:t>
             </a:r>
           </a:p>
           <a:p>
-            <a:pPr marL="0" marR="0">
-              <a:lnSpc>
-                <a:spcPct val="120000"/>
-              </a:lnSpc>
-              <a:spcAft>
-                <a:spcPts val="800"/>
-              </a:spcAft>
+            <a:pPr marL="742950" lvl="1" indent="-285750">
+              <a:buFont typeface="Arial" panose="020B0604020202020204" pitchFamily="34" charset="0"/>
+              <a:buChar char="•"/>
             </a:pPr>
             <a:r>
-              <a:rPr lang="en-US" sz="1700" kern="100" dirty="0">
-                <a:effectLst/>
-                <a:latin typeface="Century Schoolbook" panose="02040604050505020304" pitchFamily="18" charset="0"/>
-                <a:ea typeface="Aptos" panose="020B0004020202020204" pitchFamily="34" charset="0"/>
-                <a:cs typeface="Times New Roman" panose="02020603050405020304" pitchFamily="18" charset="0"/>
-              </a:rPr>
-              <a:t>Key Observations:</a:t>
+              <a:rPr lang="en-US" sz="2400" dirty="0"/>
+              <a:t>Proper refrigeration delays both smell- and sight-based signs of degradation.</a:t>
             </a:r>
           </a:p>
           <a:p>
-            <a:pPr marL="800100" lvl="1">
-              <a:lnSpc>
-                <a:spcPct val="120000"/>
-              </a:lnSpc>
-              <a:spcAft>
-                <a:spcPts val="800"/>
-              </a:spcAft>
-              <a:buSzPts val="1000"/>
-              <a:buFont typeface="Symbol" panose="05050102010706020507" pitchFamily="18" charset="2"/>
-              <a:buChar char=""/>
-              <a:tabLst>
-                <a:tab pos="457200" algn="l"/>
-              </a:tabLst>
+            <a:pPr marL="742950" lvl="1" indent="-285750">
+              <a:buFont typeface="Arial" panose="020B0604020202020204" pitchFamily="34" charset="0"/>
+              <a:buChar char="•"/>
             </a:pPr>
             <a:r>
-              <a:rPr lang="en-US" sz="1700" kern="100" dirty="0">
-                <a:effectLst/>
-                <a:latin typeface="Century Schoolbook" panose="02040604050505020304" pitchFamily="18" charset="0"/>
-                <a:ea typeface="Aptos" panose="020B0004020202020204" pitchFamily="34" charset="0"/>
-                <a:cs typeface="Times New Roman" panose="02020603050405020304" pitchFamily="18" charset="0"/>
-              </a:rPr>
-              <a:t>Higher storage temperatures strongly link with faster spoilage.</a:t>
+              <a:rPr lang="en-US" sz="2400" dirty="0"/>
+              <a:t>The December 3rd spoilage date for unrefrigerated milk underscores how quickly milk can degrade without temperature control.</a:t>
             </a:r>
           </a:p>
           <a:p>
-            <a:pPr marL="800100" lvl="1">
-              <a:lnSpc>
-                <a:spcPct val="120000"/>
-              </a:lnSpc>
-              <a:spcAft>
-                <a:spcPts val="800"/>
-              </a:spcAft>
-              <a:buSzPts val="1000"/>
-              <a:buFont typeface="Symbol" panose="05050102010706020507" pitchFamily="18" charset="2"/>
-              <a:buChar char=""/>
-              <a:tabLst>
-                <a:tab pos="457200" algn="l"/>
-              </a:tabLst>
+            <a:pPr marL="742950" lvl="1" indent="-285750">
+              <a:buFont typeface="Arial" panose="020B0604020202020204" pitchFamily="34" charset="0"/>
+              <a:buChar char="•"/>
             </a:pPr>
             <a:r>
-              <a:rPr lang="en-US" sz="1700" kern="100" dirty="0">
-                <a:effectLst/>
-                <a:latin typeface="Century Schoolbook" panose="02040604050505020304" pitchFamily="18" charset="0"/>
-                <a:ea typeface="Aptos" panose="020B0004020202020204" pitchFamily="34" charset="0"/>
-                <a:cs typeface="Times New Roman" panose="02020603050405020304" pitchFamily="18" charset="0"/>
-              </a:rPr>
-              <a:t>Milk at proper refrigeration temperatures stays fresher for longer, delaying both sensory (smell-based) and visual signs of spoilage.</a:t>
-            </a:r>
-          </a:p>
-          <a:p>
-            <a:pPr marL="800100" lvl="1">
-              <a:lnSpc>
-                <a:spcPct val="120000"/>
-              </a:lnSpc>
-              <a:spcAft>
-                <a:spcPts val="800"/>
-              </a:spcAft>
-              <a:buSzPts val="1000"/>
-              <a:buFont typeface="Symbol" panose="05050102010706020507" pitchFamily="18" charset="2"/>
-              <a:buChar char=""/>
-              <a:tabLst>
-                <a:tab pos="457200" algn="l"/>
-              </a:tabLst>
-            </a:pPr>
-            <a:r>
-              <a:rPr lang="en-US" sz="1700" kern="100" dirty="0">
-                <a:effectLst/>
-                <a:latin typeface="Century Schoolbook" panose="02040604050505020304" pitchFamily="18" charset="0"/>
-                <a:ea typeface="Aptos" panose="020B0004020202020204" pitchFamily="34" charset="0"/>
-                <a:cs typeface="Times New Roman" panose="02020603050405020304" pitchFamily="18" charset="0"/>
-              </a:rPr>
-              <a:t>The spoilage date (December 3rd) for the unrefrigerated milk provides a clear benchmark for how quickly milk can degrade without temperature control.</a:t>
+              <a:rPr lang="en-US" sz="2400" dirty="0"/>
+              <a:t>The refrigerated sample’s gradual transition around Day 5–6 highlights the protective effect of maintaining ~38°F storage.</a:t>
             </a:r>
           </a:p>
           <a:p>
@@ -13350,7 +12098,7 @@
 </p:sld>
 </file>
 
-<file path=ppt/slides/slide12.xml><?xml version="1.0" encoding="utf-8"?>
+<file path=ppt/slides/slide14.xml><?xml version="1.0" encoding="utf-8"?>
 <p:sld xmlns:a="http://schemas.openxmlformats.org/drawingml/2006/main" xmlns:r="http://schemas.openxmlformats.org/officeDocument/2006/relationships" xmlns:p="http://schemas.openxmlformats.org/presentationml/2006/main">
   <p:cSld>
     <p:spTree>
@@ -13396,7 +12144,7 @@
           <a:p>
             <a:r>
               <a:rPr lang="en-US" b="1" dirty="0"/>
-              <a:t>Summary</a:t>
+              <a:t>Conclusion</a:t>
             </a:r>
           </a:p>
         </p:txBody>
@@ -13422,41 +12170,27 @@
           <a:bodyPr/>
           <a:lstStyle/>
           <a:p>
-            <a:pPr marL="0" marR="0">
-              <a:lnSpc>
-                <a:spcPct val="107000"/>
-              </a:lnSpc>
-              <a:spcAft>
-                <a:spcPts val="800"/>
-              </a:spcAft>
-            </a:pPr>
             <a:r>
-              <a:rPr lang="en-US" sz="1600" kern="100" dirty="0">
-                <a:effectLst/>
-                <a:latin typeface="Century Schoolbook" panose="02040604050505020304" pitchFamily="18" charset="0"/>
-                <a:ea typeface="Aptos" panose="020B0004020202020204" pitchFamily="34" charset="0"/>
-                <a:cs typeface="Times New Roman" panose="02020603050405020304" pitchFamily="18" charset="0"/>
-              </a:rPr>
-              <a:t>This experiment demonstrates the direct impact of temperature on milk spoilage. The unrefrigerated milk, maintained at approximately 68°F, transitioned from fresh to spoiled within three days which illustrates a rapid decline in quality. In contrast, the refrigerated milk remained fresh much longer under stable, cold conditions (around 38°F), showing significantly delayed spoilage onset.</a:t>
+              <a:rPr lang="en-US" sz="1600" dirty="0"/>
+              <a:t>Based on the results of this experiment, we can strongly affirm the pivotal role of temperature in milk spoilage. The unrefrigerated milk, held at about 68°F, deteriorated rapidly—transitioning from “Fresh” to “Slightly Sour” within the first 1–2 days and becoming fully “Sour/Spoiled” by Day 3–4. In stark contrast, the refrigerated milk, maintained at a stable 38°F, remained “Fresh” for roughly 5 days and only developed a slight sourness around Day 5–6. It did not reach a clearly “Noticeably Sour” state until Days 9–10, even surpassing its labeled expiration date of December 8.</a:t>
             </a:r>
           </a:p>
           <a:p>
-            <a:pPr marL="0" marR="0">
-              <a:lnSpc>
-                <a:spcPct val="107000"/>
-              </a:lnSpc>
-              <a:spcAft>
-                <a:spcPts val="800"/>
-              </a:spcAft>
-            </a:pPr>
             <a:r>
-              <a:rPr lang="en-US" sz="1600" kern="100" dirty="0">
-                <a:effectLst/>
-                <a:latin typeface="Century Schoolbook" panose="02040604050505020304" pitchFamily="18" charset="0"/>
-                <a:ea typeface="Aptos" panose="020B0004020202020204" pitchFamily="34" charset="0"/>
-                <a:cs typeface="Times New Roman" panose="02020603050405020304" pitchFamily="18" charset="0"/>
-              </a:rPr>
-              <a:t>These findings support standard food safety guidelines which highlight maintaining proper refrigeration is vital to extending the shelf life of dairy products. The combination of quantitative (temperature logs, smell scores) and qualitative (visual inspection, descriptive smell tests) approaches offers a comprehensive understanding of spoilage dynamics in different environmental conditions.</a:t>
+              <a:rPr lang="en-US" sz="1600" dirty="0"/>
+              <a:t>These findings reinforce standard food safety guidelines that emphasize the importance of proper refrigeration to curb bacterial growth and extend dairy product shelf life. By combining smell-based scoring, temperature logs, and visual inspections, we captured the full scope of how storage (</a:t>
+            </a:r>
+            <a:r>
+              <a:rPr lang="en-US" sz="1600" dirty="0" err="1"/>
+              <a:t>Temparature</a:t>
+            </a:r>
+            <a:r>
+              <a:rPr lang="en-US" sz="1600"/>
+              <a:t>) </a:t>
+            </a:r>
+            <a:r>
+              <a:rPr lang="en-US" sz="1600" dirty="0"/>
+              <a:t>conditions drive the onset and progression of spoilage.</a:t>
             </a:r>
           </a:p>
           <a:p>
@@ -13477,7 +12211,7 @@
 </p:sld>
 </file>
 
-<file path=ppt/slides/slide13.xml><?xml version="1.0" encoding="utf-8"?>
+<file path=ppt/slides/slide15.xml><?xml version="1.0" encoding="utf-8"?>
 <p:sld xmlns:a="http://schemas.openxmlformats.org/drawingml/2006/main" xmlns:r="http://schemas.openxmlformats.org/officeDocument/2006/relationships" xmlns:p="http://schemas.openxmlformats.org/presentationml/2006/main">
   <p:cSld>
     <p:spTree>
@@ -13978,7 +12712,17 @@
                 <a:latin typeface="Century Schoolbook" panose="02040604050505020304" pitchFamily="18" charset="0"/>
                 <a:cs typeface="Times New Roman" panose="02020603050405020304" pitchFamily="18" charset="0"/>
               </a:rPr>
-              <a:t>Hardware: </a:t>
+              <a:t>Hardware:</a:t>
+            </a:r>
+            <a:r>
+              <a:rPr lang="en-US" dirty="0">
+                <a:solidFill>
+                  <a:srgbClr val="000000"/>
+                </a:solidFill>
+                <a:latin typeface="Century Schoolbook" panose="02040604050505020304" pitchFamily="18" charset="0"/>
+                <a:cs typeface="Times New Roman" panose="02020603050405020304" pitchFamily="18" charset="0"/>
+              </a:rPr>
+              <a:t> </a:t>
             </a:r>
             <a:r>
               <a:rPr lang="en-US" sz="1800" b="0" i="0" u="none" strike="noStrike" dirty="0">
@@ -13989,7 +12733,7 @@
                 <a:latin typeface="Century Schoolbook" panose="02040604050505020304" pitchFamily="18" charset="0"/>
                 <a:cs typeface="Times New Roman" panose="02020603050405020304" pitchFamily="18" charset="0"/>
               </a:rPr>
-              <a:t>Raspberry Pi, ESP32, Temperature Sensor and Camera.</a:t>
+              <a:t>MYOSA Motherboard, MYOSA BMP180 Barometric Pressure Sensor, Raspberry Pi and Camera</a:t>
             </a:r>
           </a:p>
           <a:p>
@@ -14056,8 +12800,27 @@
                 <a:latin typeface="Century Schoolbook" panose="02040604050505020304" pitchFamily="18" charset="0"/>
                 <a:cs typeface="Times New Roman" panose="02020603050405020304" pitchFamily="18" charset="0"/>
               </a:rPr>
-              <a:t> Smell both milk samples twice daily and record observations.</a:t>
+              <a:t> Smell both milk samples twice daily and record observations and their </a:t>
             </a:r>
+            <a:r>
+              <a:rPr lang="en-US" sz="1800" b="0" i="0" u="none" strike="noStrike">
+                <a:solidFill>
+                  <a:srgbClr val="000000"/>
+                </a:solidFill>
+                <a:effectLst/>
+                <a:latin typeface="Century Schoolbook" panose="02040604050505020304" pitchFamily="18" charset="0"/>
+                <a:cs typeface="Times New Roman" panose="02020603050405020304" pitchFamily="18" charset="0"/>
+              </a:rPr>
+              <a:t>storage temperature. </a:t>
+            </a:r>
+            <a:endParaRPr lang="en-US" sz="1800" b="0" i="0" u="none" strike="noStrike" dirty="0">
+              <a:solidFill>
+                <a:srgbClr val="000000"/>
+              </a:solidFill>
+              <a:effectLst/>
+              <a:latin typeface="Century Schoolbook" panose="02040604050505020304" pitchFamily="18" charset="0"/>
+              <a:cs typeface="Times New Roman" panose="02020603050405020304" pitchFamily="18" charset="0"/>
+            </a:endParaRPr>
           </a:p>
           <a:p>
             <a:pPr rtl="0" fontAlgn="base">
@@ -14111,7 +12874,7 @@
             </a:pPr>
             <a:r>
               <a:rPr lang="en-US" dirty="0"/>
-              <a:t>Refrigerated Milk: Maintained at 38 – 40°F.</a:t>
+              <a:t>Refrigerated Milk: Maintained at 37 – 40°F.</a:t>
             </a:r>
           </a:p>
           <a:p>
@@ -14302,8 +13065,8 @@
         </p:nvSpPr>
         <p:spPr>
           <a:xfrm>
-            <a:off x="694944" y="1691322"/>
-            <a:ext cx="10149840" cy="4947222"/>
+            <a:off x="548640" y="1527048"/>
+            <a:ext cx="10296144" cy="5111496"/>
           </a:xfrm>
         </p:spPr>
         <p:txBody>
@@ -14349,7 +13112,14 @@
             <a:pPr marL="857250" lvl="1" indent="-285750"/>
             <a:r>
               <a:rPr lang="en-US" sz="1400" dirty="0"/>
-              <a:t>The Raspberry Pi was equipped with a camera module to capture images of the unrefrigerated milk at regular intervals. Pictures were taken every five minutes during the monitoring process.</a:t>
+              <a:t>The Raspberry Pi was equipped with a camera module to capture images of the unrefrigerated milk at regular interval. </a:t>
+            </a:r>
+          </a:p>
+          <a:p>
+            <a:pPr marL="857250" lvl="1" indent="-285750"/>
+            <a:r>
+              <a:rPr lang="en-US" sz="1400" dirty="0"/>
+              <a:t>Pictures were taken every five minutes during the monitoring process.</a:t>
             </a:r>
           </a:p>
           <a:p>
@@ -14469,7 +13239,12 @@
             <p:ph type="title"/>
           </p:nvPr>
         </p:nvSpPr>
-        <p:spPr/>
+        <p:spPr>
+          <a:xfrm>
+            <a:off x="933081" y="0"/>
+            <a:ext cx="9692640" cy="1325562"/>
+          </a:xfrm>
+        </p:spPr>
         <p:txBody>
           <a:bodyPr/>
           <a:lstStyle/>
@@ -14503,8 +13278,8 @@
         </p:nvSpPr>
         <p:spPr>
           <a:xfrm>
-            <a:off x="777240" y="1691322"/>
-            <a:ext cx="9811512" cy="5029518"/>
+            <a:off x="550607" y="1170039"/>
+            <a:ext cx="10452674" cy="5687961"/>
           </a:xfrm>
         </p:spPr>
         <p:txBody>
@@ -14513,6 +13288,193 @@
           </a:bodyPr>
           <a:lstStyle/>
           <a:p>
+            <a:r>
+              <a:rPr lang="en-US" sz="1400" b="1" dirty="0"/>
+              <a:t>Time Range: </a:t>
+            </a:r>
+            <a:r>
+              <a:rPr lang="en-US" sz="1400" dirty="0"/>
+              <a:t>November 30, 2024, through December 12, 2024</a:t>
+            </a:r>
+            <a:endParaRPr lang="en-US" sz="1400" b="1" dirty="0"/>
+          </a:p>
+          <a:p>
+            <a:r>
+              <a:rPr lang="en-US" sz="1400" b="1" dirty="0"/>
+              <a:t>Refrigerated Milk</a:t>
+            </a:r>
+          </a:p>
+          <a:p>
+            <a:pPr lvl="1"/>
+            <a:r>
+              <a:rPr lang="en-US" sz="1400" dirty="0"/>
+              <a:t>Progression:</a:t>
+            </a:r>
+          </a:p>
+          <a:p>
+            <a:pPr marL="1200150" lvl="2" indent="-285750">
+              <a:buFont typeface="Arial" panose="020B0604020202020204" pitchFamily="34" charset="0"/>
+              <a:buChar char="•"/>
+            </a:pPr>
+            <a:r>
+              <a:rPr lang="en-US" dirty="0"/>
+              <a:t>Nov 30 – Dec 4: Milk remained Fresh.</a:t>
+            </a:r>
+          </a:p>
+          <a:p>
+            <a:pPr marL="1200150" lvl="2" indent="-285750">
+              <a:buFont typeface="Arial" panose="020B0604020202020204" pitchFamily="34" charset="0"/>
+              <a:buChar char="•"/>
+            </a:pPr>
+            <a:r>
+              <a:rPr lang="en-US" dirty="0"/>
+              <a:t>Dec 5 – Dec 7: Transitioned to Slightly Sour.</a:t>
+            </a:r>
+          </a:p>
+          <a:p>
+            <a:pPr marL="1200150" lvl="2" indent="-285750">
+              <a:buFont typeface="Arial" panose="020B0604020202020204" pitchFamily="34" charset="0"/>
+              <a:buChar char="•"/>
+            </a:pPr>
+            <a:r>
+              <a:rPr lang="en-US" dirty="0"/>
+              <a:t>Dec 8 (Expiration Date): Milk was still Slightly Sour, matching the printed use-by date.</a:t>
+            </a:r>
+          </a:p>
+          <a:p>
+            <a:pPr marL="1200150" lvl="2" indent="-285750">
+              <a:buFont typeface="Arial" panose="020B0604020202020204" pitchFamily="34" charset="0"/>
+              <a:buChar char="•"/>
+            </a:pPr>
+            <a:r>
+              <a:rPr lang="en-US" dirty="0"/>
+              <a:t>Dec 10: Became Noticeably Sour.</a:t>
+            </a:r>
+          </a:p>
+          <a:p>
+            <a:pPr lvl="1">
+              <a:buFont typeface="Arial" panose="020B0604020202020204" pitchFamily="34" charset="0"/>
+              <a:buChar char="•"/>
+            </a:pPr>
+            <a:r>
+              <a:rPr lang="en-US" sz="1400" dirty="0"/>
+              <a:t>The refrigerator, stable at ~37 – 39°F, significantly delayed spoilage. The milk took about 5 days to leave the Fresh stage and only became Noticeably Sour around Day 10.</a:t>
+            </a:r>
+          </a:p>
+          <a:p>
+            <a:r>
+              <a:rPr lang="en-US" sz="1400" b="1" dirty="0"/>
+              <a:t>Unrefrigerated Milk</a:t>
+            </a:r>
+          </a:p>
+          <a:p>
+            <a:pPr lvl="1"/>
+            <a:r>
+              <a:rPr lang="en-US" sz="1400" dirty="0"/>
+              <a:t>Progression:</a:t>
+            </a:r>
+          </a:p>
+          <a:p>
+            <a:pPr marL="1200150" lvl="2" indent="-285750">
+              <a:buFont typeface="Arial" panose="020B0604020202020204" pitchFamily="34" charset="0"/>
+              <a:buChar char="•"/>
+            </a:pPr>
+            <a:r>
+              <a:rPr lang="en-US" dirty="0"/>
+              <a:t>Nov 30 – Dec 1: Milk went from Fresh to Slightly Sour by Day 1–2.</a:t>
+            </a:r>
+          </a:p>
+          <a:p>
+            <a:pPr marL="1200150" lvl="2" indent="-285750">
+              <a:buFont typeface="Arial" panose="020B0604020202020204" pitchFamily="34" charset="0"/>
+              <a:buChar char="•"/>
+            </a:pPr>
+            <a:r>
+              <a:rPr lang="en-US" dirty="0"/>
+              <a:t>Dec 2: Recorded as Noticeably Sour.</a:t>
+            </a:r>
+          </a:p>
+          <a:p>
+            <a:pPr marL="1200150" lvl="2" indent="-285750">
+              <a:buFont typeface="Arial" panose="020B0604020202020204" pitchFamily="34" charset="0"/>
+              <a:buChar char="•"/>
+            </a:pPr>
+            <a:r>
+              <a:rPr lang="en-US" dirty="0"/>
+              <a:t>Dec 3: Fully Sour/Spoiled (about 3–4 days after exposure).</a:t>
+            </a:r>
+          </a:p>
+          <a:p>
+            <a:pPr lvl="1">
+              <a:buFont typeface="Arial" panose="020B0604020202020204" pitchFamily="34" charset="0"/>
+              <a:buChar char="•"/>
+            </a:pPr>
+            <a:r>
+              <a:rPr lang="en-US" sz="1400" dirty="0"/>
+              <a:t>Room Temperature stayed around 67–69°F; these stable but warm conditions accelerated bacterial growth.</a:t>
+            </a:r>
+          </a:p>
+          <a:p>
+            <a:r>
+              <a:rPr lang="en-US" sz="1400" b="1" dirty="0"/>
+              <a:t>Impact on Spoilage</a:t>
+            </a:r>
+          </a:p>
+          <a:p>
+            <a:pPr lvl="1">
+              <a:buFont typeface="Arial" panose="020B0604020202020204" pitchFamily="34" charset="0"/>
+              <a:buChar char="•"/>
+            </a:pPr>
+            <a:r>
+              <a:rPr lang="en-US" sz="1400" dirty="0"/>
+              <a:t>Unrefrigerated Milk:</a:t>
+            </a:r>
+          </a:p>
+          <a:p>
+            <a:pPr marL="1200150" lvl="2" indent="-285750">
+              <a:buFont typeface="Arial" panose="020B0604020202020204" pitchFamily="34" charset="0"/>
+              <a:buChar char="•"/>
+            </a:pPr>
+            <a:r>
+              <a:rPr lang="en-US" dirty="0"/>
+              <a:t>Began spoiling within 24–48 hours, quickly progressing to Sour/Spoiled by Day 3–4.</a:t>
+            </a:r>
+          </a:p>
+          <a:p>
+            <a:pPr lvl="1">
+              <a:buFont typeface="Arial" panose="020B0604020202020204" pitchFamily="34" charset="0"/>
+              <a:buChar char="•"/>
+            </a:pPr>
+            <a:r>
+              <a:rPr lang="en-US" sz="1400" dirty="0"/>
+              <a:t>Refrigerated Milk:</a:t>
+            </a:r>
+          </a:p>
+          <a:p>
+            <a:pPr marL="1200150" lvl="2" indent="-285750">
+              <a:buFont typeface="Arial" panose="020B0604020202020204" pitchFamily="34" charset="0"/>
+              <a:buChar char="•"/>
+            </a:pPr>
+            <a:r>
+              <a:rPr lang="en-US" dirty="0"/>
+              <a:t>Showed no spoilage until around Day 5, turning Slightly Sour shortly before the labeled Dec 8 expiration date.</a:t>
+            </a:r>
+          </a:p>
+          <a:p>
+            <a:pPr marL="1200150" lvl="2" indent="-285750">
+              <a:buFont typeface="Arial" panose="020B0604020202020204" pitchFamily="34" charset="0"/>
+              <a:buChar char="•"/>
+            </a:pPr>
+            <a:r>
+              <a:rPr lang="en-US" dirty="0"/>
+              <a:t>Shifted to Noticeably Sour near Day 10, indicating the milk remained acceptable but gradually worsening past its official expiration date.</a:t>
+            </a:r>
+          </a:p>
+          <a:p>
+            <a:pPr marL="400050" indent="-285750"/>
+            <a:endParaRPr lang="en-US" dirty="0"/>
+          </a:p>
+          <a:p>
             <a:pPr marL="285750" indent="-285750" eaLnBrk="0" fontAlgn="base" hangingPunct="0">
               <a:lnSpc>
                 <a:spcPct val="100000"/>
@@ -14526,306 +13488,7 @@
               <a:buClrTx/>
               <a:buSzTx/>
             </a:pPr>
-            <a:r>
-              <a:rPr kumimoji="0" lang="en-US" altLang="en-US" sz="1600" i="0" u="none" strike="noStrike" cap="none" normalizeH="0" baseline="0" dirty="0">
-                <a:ln>
-                  <a:noFill/>
-                </a:ln>
-                <a:solidFill>
-                  <a:schemeClr val="tx1"/>
-                </a:solidFill>
-                <a:effectLst/>
-                <a:latin typeface="Century Schoolbook" panose="02040604050505020304" pitchFamily="18" charset="0"/>
-              </a:rPr>
-              <a:t>Refrigerated Milk:</a:t>
-            </a:r>
-          </a:p>
-          <a:p>
-            <a:pPr marL="457200" lvl="1" indent="0" eaLnBrk="0" fontAlgn="base" hangingPunct="0">
-              <a:lnSpc>
-                <a:spcPct val="100000"/>
-              </a:lnSpc>
-              <a:spcBef>
-                <a:spcPct val="0"/>
-              </a:spcBef>
-              <a:spcAft>
-                <a:spcPct val="0"/>
-              </a:spcAft>
-              <a:buClrTx/>
-              <a:buSzTx/>
-              <a:buFontTx/>
-              <a:buChar char="•"/>
-            </a:pPr>
-            <a:r>
-              <a:rPr kumimoji="0" lang="en-US" altLang="en-US" b="0" i="0" u="none" strike="noStrike" cap="none" normalizeH="0" baseline="0" dirty="0">
-                <a:ln>
-                  <a:noFill/>
-                </a:ln>
-                <a:solidFill>
-                  <a:schemeClr val="tx1"/>
-                </a:solidFill>
-                <a:effectLst/>
-                <a:latin typeface="Century Schoolbook" panose="02040604050505020304" pitchFamily="18" charset="0"/>
-              </a:rPr>
-              <a:t>Consistent temperature range (~38–40°F).</a:t>
-            </a:r>
-          </a:p>
-          <a:p>
-            <a:pPr marL="457200" lvl="1" indent="0" eaLnBrk="0" fontAlgn="base" hangingPunct="0">
-              <a:lnSpc>
-                <a:spcPct val="100000"/>
-              </a:lnSpc>
-              <a:spcBef>
-                <a:spcPct val="0"/>
-              </a:spcBef>
-              <a:spcAft>
-                <a:spcPct val="0"/>
-              </a:spcAft>
-              <a:buClrTx/>
-              <a:buSzTx/>
-              <a:buFontTx/>
-              <a:buChar char="•"/>
-            </a:pPr>
-            <a:r>
-              <a:rPr kumimoji="0" lang="en-US" altLang="en-US" b="0" i="0" u="none" strike="noStrike" cap="none" normalizeH="0" baseline="0" dirty="0">
-                <a:ln>
-                  <a:noFill/>
-                </a:ln>
-                <a:solidFill>
-                  <a:schemeClr val="tx1"/>
-                </a:solidFill>
-                <a:effectLst/>
-                <a:latin typeface="Century Schoolbook" panose="02040604050505020304" pitchFamily="18" charset="0"/>
-              </a:rPr>
-              <a:t>No significant spoilage observed during the experiment.</a:t>
-            </a:r>
-          </a:p>
-          <a:p>
-            <a:pPr marL="457200" lvl="1" indent="0" eaLnBrk="0" fontAlgn="base" hangingPunct="0">
-              <a:lnSpc>
-                <a:spcPct val="100000"/>
-              </a:lnSpc>
-              <a:spcBef>
-                <a:spcPct val="0"/>
-              </a:spcBef>
-              <a:spcAft>
-                <a:spcPct val="0"/>
-              </a:spcAft>
-              <a:buClrTx/>
-              <a:buSzTx/>
-              <a:buNone/>
-            </a:pPr>
-            <a:endParaRPr kumimoji="0" lang="en-US" altLang="en-US" b="0" i="0" u="none" strike="noStrike" cap="none" normalizeH="0" baseline="0" dirty="0">
-              <a:ln>
-                <a:noFill/>
-              </a:ln>
-              <a:solidFill>
-                <a:schemeClr val="tx1"/>
-              </a:solidFill>
-              <a:effectLst/>
-              <a:latin typeface="Century Schoolbook" panose="02040604050505020304" pitchFamily="18" charset="0"/>
-            </a:endParaRPr>
-          </a:p>
-          <a:p>
-            <a:pPr marL="342900" indent="-342900" eaLnBrk="0" fontAlgn="base" hangingPunct="0">
-              <a:lnSpc>
-                <a:spcPct val="100000"/>
-              </a:lnSpc>
-              <a:spcBef>
-                <a:spcPct val="0"/>
-              </a:spcBef>
-              <a:spcAft>
-                <a:spcPct val="0"/>
-              </a:spcAft>
-              <a:buClrTx/>
-              <a:buSzTx/>
-            </a:pPr>
-            <a:r>
-              <a:rPr kumimoji="0" lang="en-US" altLang="en-US" sz="1600" i="0" u="none" strike="noStrike" cap="none" normalizeH="0" baseline="0" dirty="0">
-                <a:ln>
-                  <a:noFill/>
-                </a:ln>
-                <a:solidFill>
-                  <a:schemeClr val="tx1"/>
-                </a:solidFill>
-                <a:effectLst/>
-                <a:latin typeface="Century Schoolbook" panose="02040604050505020304" pitchFamily="18" charset="0"/>
-              </a:rPr>
-              <a:t>Unrefrigerated Milk:</a:t>
-            </a:r>
-          </a:p>
-          <a:p>
-            <a:pPr marL="457200" lvl="1" indent="0" eaLnBrk="0" fontAlgn="base" hangingPunct="0">
-              <a:lnSpc>
-                <a:spcPct val="100000"/>
-              </a:lnSpc>
-              <a:spcBef>
-                <a:spcPct val="0"/>
-              </a:spcBef>
-              <a:spcAft>
-                <a:spcPct val="0"/>
-              </a:spcAft>
-              <a:buClrTx/>
-              <a:buSzTx/>
-              <a:buFontTx/>
-              <a:buChar char="•"/>
-            </a:pPr>
-            <a:r>
-              <a:rPr kumimoji="0" lang="en-US" altLang="en-US" b="0" i="0" u="none" strike="noStrike" cap="none" normalizeH="0" baseline="0" dirty="0">
-                <a:ln>
-                  <a:noFill/>
-                </a:ln>
-                <a:solidFill>
-                  <a:schemeClr val="tx1"/>
-                </a:solidFill>
-                <a:effectLst/>
-                <a:latin typeface="Century Schoolbook" panose="02040604050505020304" pitchFamily="18" charset="0"/>
-              </a:rPr>
-              <a:t>Gradual increase in spoilage levels with time.</a:t>
-            </a:r>
-          </a:p>
-          <a:p>
-            <a:pPr marL="457200" lvl="1" indent="0" eaLnBrk="0" fontAlgn="base" hangingPunct="0">
-              <a:lnSpc>
-                <a:spcPct val="100000"/>
-              </a:lnSpc>
-              <a:spcBef>
-                <a:spcPct val="0"/>
-              </a:spcBef>
-              <a:spcAft>
-                <a:spcPct val="0"/>
-              </a:spcAft>
-              <a:buClrTx/>
-              <a:buSzTx/>
-              <a:buFontTx/>
-              <a:buChar char="•"/>
-            </a:pPr>
-            <a:r>
-              <a:rPr kumimoji="0" lang="en-US" altLang="en-US" b="0" i="0" u="none" strike="noStrike" cap="none" normalizeH="0" baseline="0" dirty="0">
-                <a:ln>
-                  <a:noFill/>
-                </a:ln>
-                <a:solidFill>
-                  <a:schemeClr val="tx1"/>
-                </a:solidFill>
-                <a:effectLst/>
-                <a:latin typeface="Century Schoolbook" panose="02040604050505020304" pitchFamily="18" charset="0"/>
-              </a:rPr>
-              <a:t>Temperature fluctuated between 67°F and 70°F </a:t>
-            </a:r>
-          </a:p>
-          <a:p>
-            <a:pPr marL="457200" lvl="1" indent="0" eaLnBrk="0" fontAlgn="base" hangingPunct="0">
-              <a:lnSpc>
-                <a:spcPct val="100000"/>
-              </a:lnSpc>
-              <a:spcBef>
-                <a:spcPct val="0"/>
-              </a:spcBef>
-              <a:spcAft>
-                <a:spcPct val="0"/>
-              </a:spcAft>
-              <a:buClrTx/>
-              <a:buSzTx/>
-              <a:buNone/>
-            </a:pPr>
-            <a:endParaRPr kumimoji="0" lang="en-US" altLang="en-US" b="0" i="0" u="none" strike="noStrike" cap="none" normalizeH="0" baseline="0" dirty="0">
-              <a:ln>
-                <a:noFill/>
-              </a:ln>
-              <a:solidFill>
-                <a:schemeClr val="tx1"/>
-              </a:solidFill>
-              <a:effectLst/>
-              <a:latin typeface="Century Schoolbook" panose="02040604050505020304" pitchFamily="18" charset="0"/>
-            </a:endParaRPr>
-          </a:p>
-          <a:p>
-            <a:pPr marL="285750" indent="-285750" eaLnBrk="0" fontAlgn="base" hangingPunct="0">
-              <a:lnSpc>
-                <a:spcPct val="100000"/>
-              </a:lnSpc>
-              <a:spcBef>
-                <a:spcPct val="0"/>
-              </a:spcBef>
-              <a:spcAft>
-                <a:spcPct val="0"/>
-              </a:spcAft>
-              <a:buClrTx/>
-              <a:buSzTx/>
-            </a:pPr>
-            <a:r>
-              <a:rPr lang="en-US" sz="1600" dirty="0"/>
-              <a:t>Temperature Trends:</a:t>
-            </a:r>
-          </a:p>
-          <a:p>
-            <a:pPr lvl="1">
-              <a:lnSpc>
-                <a:spcPct val="100000"/>
-              </a:lnSpc>
-            </a:pPr>
-            <a:r>
-              <a:rPr lang="en-US" dirty="0"/>
-              <a:t>Refrigerated milk maintained a stable temperature, preventing spoilage.</a:t>
-            </a:r>
-          </a:p>
-          <a:p>
-            <a:pPr lvl="1">
-              <a:lnSpc>
-                <a:spcPct val="100000"/>
-              </a:lnSpc>
-            </a:pPr>
-            <a:r>
-              <a:rPr kumimoji="0" lang="en-US" altLang="en-US" i="0" u="none" strike="noStrike" cap="none" normalizeH="0" baseline="0" dirty="0">
-                <a:ln>
-                  <a:noFill/>
-                </a:ln>
-                <a:solidFill>
-                  <a:schemeClr val="tx1"/>
-                </a:solidFill>
-                <a:effectLst/>
-                <a:latin typeface="Century Schoolbook" panose="02040604050505020304" pitchFamily="18" charset="0"/>
-              </a:rPr>
-              <a:t>Unrefrigerated milk</a:t>
-            </a:r>
-            <a:r>
-              <a:rPr lang="en-US" dirty="0"/>
-              <a:t> experienced slight fluctuations but remained within a high range conducive to bacterial growth.</a:t>
-            </a:r>
-          </a:p>
-          <a:p>
-            <a:pPr marL="400050" indent="-285750">
-              <a:lnSpc>
-                <a:spcPct val="100000"/>
-              </a:lnSpc>
-            </a:pPr>
-            <a:r>
-              <a:rPr lang="en-US" sz="1600" dirty="0"/>
-              <a:t>Impact on Spoilage:</a:t>
-            </a:r>
-          </a:p>
-          <a:p>
-            <a:pPr marL="857250" lvl="1" indent="-285750">
-              <a:lnSpc>
-                <a:spcPct val="100000"/>
-              </a:lnSpc>
-            </a:pPr>
-            <a:r>
-              <a:rPr lang="en-US" dirty="0"/>
-              <a:t>Unrefrigerated milk began to spoil within the first 24 hours, transitioning from "Fresh" to "Slightly Sour“ and then becoming “Noticeably Sour” and “Sour/Spoiled” in just four days. </a:t>
-            </a:r>
-          </a:p>
-          <a:p>
-            <a:pPr marL="857250" lvl="1" indent="-285750">
-              <a:lnSpc>
-                <a:spcPct val="100000"/>
-              </a:lnSpc>
-            </a:pPr>
-            <a:r>
-              <a:rPr lang="en-US" dirty="0"/>
-              <a:t>Refrigerated milk showed no spoilage throughout the experiment until the sixth day in which it smell changed from “Fresh” to “Slightly Sour.”</a:t>
-            </a:r>
+            <a:endParaRPr lang="en-US" dirty="0"/>
           </a:p>
         </p:txBody>
       </p:sp>
@@ -14888,7 +13551,7 @@
           <a:p>
             <a:r>
               <a:rPr lang="en-US" b="1" dirty="0"/>
-              <a:t>Graphs and Visualizations</a:t>
+              <a:t>Graphs and Visualizations - 1</a:t>
             </a:r>
           </a:p>
         </p:txBody>
@@ -14973,7 +13636,7 @@
           <p:nvPr/>
         </p:nvPicPr>
         <p:blipFill>
-          <a:blip r:embed="rId2">
+          <a:blip r:embed="rId3">
             <a:extLst>
               <a:ext uri="{28A0092B-C50C-407E-A947-70E740481C1C}">
                 <a14:useLocalDpi xmlns:a14="http://schemas.microsoft.com/office/drawing/2010/main" val="0"/>
@@ -14996,10 +13659,10 @@
       </p:pic>
       <p:pic>
         <p:nvPicPr>
-          <p:cNvPr id="5" name="Picture 4" descr="A graph showing the temperature of milk&#10;&#10;Description automatically generated">
+          <p:cNvPr id="7" name="Picture 6">
             <a:extLst>
               <a:ext uri="{FF2B5EF4-FFF2-40B4-BE49-F238E27FC236}">
-                <a16:creationId xmlns:a16="http://schemas.microsoft.com/office/drawing/2014/main" id="{19049A2A-EA09-E04D-1C9A-1A3F8D5F7549}"/>
+                <a16:creationId xmlns:a16="http://schemas.microsoft.com/office/drawing/2014/main" id="{DE566206-0A24-779C-5084-6412EDC5855E}"/>
               </a:ext>
             </a:extLst>
           </p:cNvPr>
@@ -15009,21 +13672,15 @@
           <p:nvPr/>
         </p:nvPicPr>
         <p:blipFill>
-          <a:blip r:embed="rId3">
-            <a:extLst>
-              <a:ext uri="{28A0092B-C50C-407E-A947-70E740481C1C}">
-                <a14:useLocalDpi xmlns:a14="http://schemas.microsoft.com/office/drawing/2010/main" val="0"/>
-              </a:ext>
-            </a:extLst>
-          </a:blip>
+          <a:blip r:embed="rId4"/>
           <a:stretch>
             <a:fillRect/>
           </a:stretch>
         </p:blipFill>
         <p:spPr>
           <a:xfrm>
-            <a:off x="1261872" y="4549775"/>
-            <a:ext cx="5943600" cy="1942465"/>
+            <a:off x="1261872" y="4663439"/>
+            <a:ext cx="6092657" cy="2013675"/>
           </a:xfrm>
           <a:prstGeom prst="rect">
             <a:avLst/>
@@ -15089,7 +13746,7 @@
           <a:p>
             <a:r>
               <a:rPr lang="en-US" b="1" dirty="0"/>
-              <a:t>Graphs and Visualizations</a:t>
+              <a:t>Graphs and Visualizations - 2</a:t>
             </a:r>
             <a:endParaRPr lang="en-US" dirty="0"/>
           </a:p>
@@ -15162,7 +13819,7 @@
           <p:nvPr/>
         </p:nvPicPr>
         <p:blipFill>
-          <a:blip r:embed="rId2">
+          <a:blip r:embed="rId3">
             <a:extLst>
               <a:ext uri="{28A0092B-C50C-407E-A947-70E740481C1C}">
                 <a14:useLocalDpi xmlns:a14="http://schemas.microsoft.com/office/drawing/2010/main" val="0"/>
@@ -15185,10 +13842,10 @@
       </p:pic>
       <p:pic>
         <p:nvPicPr>
-          <p:cNvPr id="5" name="Picture 4" descr="A screenshot of a graph&#10;&#10;Description automatically generated">
+          <p:cNvPr id="7" name="Picture 6">
             <a:extLst>
               <a:ext uri="{FF2B5EF4-FFF2-40B4-BE49-F238E27FC236}">
-                <a16:creationId xmlns:a16="http://schemas.microsoft.com/office/drawing/2014/main" id="{DA179469-7FF7-3BFC-9970-7DA5AB6FC134}"/>
+                <a16:creationId xmlns:a16="http://schemas.microsoft.com/office/drawing/2014/main" id="{CD7D9760-FCAD-E80F-F846-54B075968C34}"/>
               </a:ext>
             </a:extLst>
           </p:cNvPr>
@@ -15198,21 +13855,15 @@
           <p:nvPr/>
         </p:nvPicPr>
         <p:blipFill>
-          <a:blip r:embed="rId3">
-            <a:extLst>
-              <a:ext uri="{28A0092B-C50C-407E-A947-70E740481C1C}">
-                <a14:useLocalDpi xmlns:a14="http://schemas.microsoft.com/office/drawing/2010/main" val="0"/>
-              </a:ext>
-            </a:extLst>
-          </a:blip>
+          <a:blip r:embed="rId4"/>
           <a:stretch>
             <a:fillRect/>
           </a:stretch>
         </p:blipFill>
         <p:spPr>
           <a:xfrm>
-            <a:off x="1261872" y="4559300"/>
-            <a:ext cx="5943600" cy="1932940"/>
+            <a:off x="1261872" y="4800600"/>
+            <a:ext cx="6161483" cy="2021008"/>
           </a:xfrm>
           <a:prstGeom prst="rect">
             <a:avLst/>
